--- a/MOD06-Clase_String/03 Actividad Clase/INFO1_MOD06_ACT09-Quiz.pptx
+++ b/MOD06-Clase_String/03 Actividad Clase/INFO1_MOD06_ACT09-Quiz.pptx
@@ -8,11 +8,14 @@
     <p:sldId id="260" r:id="rId2"/>
     <p:sldId id="258" r:id="rId3"/>
     <p:sldId id="259" r:id="rId4"/>
-    <p:sldId id="261" r:id="rId5"/>
-    <p:sldId id="262" r:id="rId6"/>
-    <p:sldId id="263" r:id="rId7"/>
-    <p:sldId id="265" r:id="rId8"/>
-    <p:sldId id="264" r:id="rId9"/>
+    <p:sldId id="266" r:id="rId5"/>
+    <p:sldId id="267" r:id="rId6"/>
+    <p:sldId id="268" r:id="rId7"/>
+    <p:sldId id="261" r:id="rId8"/>
+    <p:sldId id="262" r:id="rId9"/>
+    <p:sldId id="263" r:id="rId10"/>
+    <p:sldId id="265" r:id="rId11"/>
+    <p:sldId id="264" r:id="rId12"/>
   </p:sldIdLst>
   <p:sldSz cx="12192000" cy="6858000"/>
   <p:notesSz cx="6858000" cy="9144000"/>
@@ -111,6 +114,11 @@
       </a:defRPr>
     </a:lvl9pPr>
   </p:defaultTextStyle>
+  <p:extLst>
+    <p:ext uri="{EFAFB233-063F-42B5-8137-9DF3F51BA10A}">
+      <p15:sldGuideLst xmlns:p15="http://schemas.microsoft.com/office/powerpoint/2012/main"/>
+    </p:ext>
+  </p:extLst>
 </p:presentation>
 </file>
 
@@ -261,7 +269,7 @@
           <a:p>
             <a:fld id="{5E40F2A8-D39D-4656-9619-68CA396B1CA2}" type="datetimeFigureOut">
               <a:rPr lang="en-US" smtClean="0"/>
-              <a:t>10/16/2020</a:t>
+              <a:t>10/21/2020</a:t>
             </a:fld>
             <a:endParaRPr lang="en-US"/>
           </a:p>
@@ -459,7 +467,7 @@
           <a:p>
             <a:fld id="{5E40F2A8-D39D-4656-9619-68CA396B1CA2}" type="datetimeFigureOut">
               <a:rPr lang="en-US" smtClean="0"/>
-              <a:t>10/16/2020</a:t>
+              <a:t>10/21/2020</a:t>
             </a:fld>
             <a:endParaRPr lang="en-US"/>
           </a:p>
@@ -667,7 +675,7 @@
           <a:p>
             <a:fld id="{5E40F2A8-D39D-4656-9619-68CA396B1CA2}" type="datetimeFigureOut">
               <a:rPr lang="en-US" smtClean="0"/>
-              <a:t>10/16/2020</a:t>
+              <a:t>10/21/2020</a:t>
             </a:fld>
             <a:endParaRPr lang="en-US"/>
           </a:p>
@@ -865,7 +873,7 @@
           <a:p>
             <a:fld id="{5E40F2A8-D39D-4656-9619-68CA396B1CA2}" type="datetimeFigureOut">
               <a:rPr lang="en-US" smtClean="0"/>
-              <a:t>10/16/2020</a:t>
+              <a:t>10/21/2020</a:t>
             </a:fld>
             <a:endParaRPr lang="en-US"/>
           </a:p>
@@ -1140,7 +1148,7 @@
           <a:p>
             <a:fld id="{5E40F2A8-D39D-4656-9619-68CA396B1CA2}" type="datetimeFigureOut">
               <a:rPr lang="en-US" smtClean="0"/>
-              <a:t>10/16/2020</a:t>
+              <a:t>10/21/2020</a:t>
             </a:fld>
             <a:endParaRPr lang="en-US"/>
           </a:p>
@@ -1405,7 +1413,7 @@
           <a:p>
             <a:fld id="{5E40F2A8-D39D-4656-9619-68CA396B1CA2}" type="datetimeFigureOut">
               <a:rPr lang="en-US" smtClean="0"/>
-              <a:t>10/16/2020</a:t>
+              <a:t>10/21/2020</a:t>
             </a:fld>
             <a:endParaRPr lang="en-US"/>
           </a:p>
@@ -1817,7 +1825,7 @@
           <a:p>
             <a:fld id="{5E40F2A8-D39D-4656-9619-68CA396B1CA2}" type="datetimeFigureOut">
               <a:rPr lang="en-US" smtClean="0"/>
-              <a:t>10/16/2020</a:t>
+              <a:t>10/21/2020</a:t>
             </a:fld>
             <a:endParaRPr lang="en-US"/>
           </a:p>
@@ -1958,7 +1966,7 @@
           <a:p>
             <a:fld id="{5E40F2A8-D39D-4656-9619-68CA396B1CA2}" type="datetimeFigureOut">
               <a:rPr lang="en-US" smtClean="0"/>
-              <a:t>10/16/2020</a:t>
+              <a:t>10/21/2020</a:t>
             </a:fld>
             <a:endParaRPr lang="en-US"/>
           </a:p>
@@ -2071,7 +2079,7 @@
           <a:p>
             <a:fld id="{5E40F2A8-D39D-4656-9619-68CA396B1CA2}" type="datetimeFigureOut">
               <a:rPr lang="en-US" smtClean="0"/>
-              <a:t>10/16/2020</a:t>
+              <a:t>10/21/2020</a:t>
             </a:fld>
             <a:endParaRPr lang="en-US"/>
           </a:p>
@@ -2382,7 +2390,7 @@
           <a:p>
             <a:fld id="{5E40F2A8-D39D-4656-9619-68CA396B1CA2}" type="datetimeFigureOut">
               <a:rPr lang="en-US" smtClean="0"/>
-              <a:t>10/16/2020</a:t>
+              <a:t>10/21/2020</a:t>
             </a:fld>
             <a:endParaRPr lang="en-US"/>
           </a:p>
@@ -2670,7 +2678,7 @@
           <a:p>
             <a:fld id="{5E40F2A8-D39D-4656-9619-68CA396B1CA2}" type="datetimeFigureOut">
               <a:rPr lang="en-US" smtClean="0"/>
-              <a:t>10/16/2020</a:t>
+              <a:t>10/21/2020</a:t>
             </a:fld>
             <a:endParaRPr lang="en-US"/>
           </a:p>
@@ -2911,7 +2919,7 @@
           <a:p>
             <a:fld id="{5E40F2A8-D39D-4656-9619-68CA396B1CA2}" type="datetimeFigureOut">
               <a:rPr lang="en-US" smtClean="0"/>
-              <a:t>10/16/2020</a:t>
+              <a:t>10/21/2020</a:t>
             </a:fld>
             <a:endParaRPr lang="en-US"/>
           </a:p>
@@ -3400,6 +3408,2929 @@
     <p:extLst>
       <p:ext uri="{BB962C8B-B14F-4D97-AF65-F5344CB8AC3E}">
         <p14:creationId xmlns:p14="http://schemas.microsoft.com/office/powerpoint/2010/main" val="4156489518"/>
+      </p:ext>
+    </p:extLst>
+  </p:cSld>
+  <p:clrMapOvr>
+    <a:masterClrMapping/>
+  </p:clrMapOvr>
+</p:sld>
+</file>
+
+<file path=ppt/slides/slide10.xml><?xml version="1.0" encoding="utf-8"?>
+<p:sld xmlns:a="http://schemas.openxmlformats.org/drawingml/2006/main" xmlns:r="http://schemas.openxmlformats.org/officeDocument/2006/relationships" xmlns:p="http://schemas.openxmlformats.org/presentationml/2006/main">
+  <p:cSld>
+    <p:spTree>
+      <p:nvGrpSpPr>
+        <p:cNvPr id="1" name=""/>
+        <p:cNvGrpSpPr/>
+        <p:nvPr/>
+      </p:nvGrpSpPr>
+      <p:grpSpPr>
+        <a:xfrm>
+          <a:off x="0" y="0"/>
+          <a:ext cx="0" cy="0"/>
+          <a:chOff x="0" y="0"/>
+          <a:chExt cx="0" cy="0"/>
+        </a:xfrm>
+      </p:grpSpPr>
+      <p:grpSp>
+        <p:nvGrpSpPr>
+          <p:cNvPr id="4" name="Group 3">
+            <a:extLst>
+              <a:ext uri="{FF2B5EF4-FFF2-40B4-BE49-F238E27FC236}">
+                <a16:creationId xmlns:a16="http://schemas.microsoft.com/office/drawing/2014/main" id="{A1F707F8-A056-42DE-AD71-80B03A8C09FC}"/>
+              </a:ext>
+            </a:extLst>
+          </p:cNvPr>
+          <p:cNvGrpSpPr/>
+          <p:nvPr/>
+        </p:nvGrpSpPr>
+        <p:grpSpPr>
+          <a:xfrm>
+            <a:off x="347132" y="335845"/>
+            <a:ext cx="7272868" cy="3139321"/>
+            <a:chOff x="237065" y="453116"/>
+            <a:chExt cx="7272868" cy="3139321"/>
+          </a:xfrm>
+        </p:grpSpPr>
+        <p:sp>
+          <p:nvSpPr>
+            <p:cNvPr id="2" name="Rectangle 1">
+              <a:extLst>
+                <a:ext uri="{FF2B5EF4-FFF2-40B4-BE49-F238E27FC236}">
+                  <a16:creationId xmlns:a16="http://schemas.microsoft.com/office/drawing/2014/main" id="{9AA44814-692A-4CC4-9E15-AF66C4C8B5C7}"/>
+                </a:ext>
+              </a:extLst>
+            </p:cNvPr>
+            <p:cNvSpPr/>
+            <p:nvPr/>
+          </p:nvSpPr>
+          <p:spPr>
+            <a:xfrm>
+              <a:off x="829732" y="453116"/>
+              <a:ext cx="6680201" cy="3139321"/>
+            </a:xfrm>
+            <a:prstGeom prst="rect">
+              <a:avLst/>
+            </a:prstGeom>
+            <a:solidFill>
+              <a:schemeClr val="tx1"/>
+            </a:solidFill>
+          </p:spPr>
+          <p:txBody>
+            <a:bodyPr wrap="square">
+              <a:spAutoFit/>
+            </a:bodyPr>
+            <a:lstStyle/>
+            <a:p>
+              <a:r>
+                <a:rPr lang="en-US" b="0" dirty="0">
+                  <a:solidFill>
+                    <a:srgbClr val="569CD6"/>
+                  </a:solidFill>
+                  <a:effectLst/>
+                  <a:latin typeface="Consolas" panose="020B0609020204030204" pitchFamily="49" charset="0"/>
+                </a:rPr>
+                <a:t>public</a:t>
+              </a:r>
+              <a:r>
+                <a:rPr lang="en-US" b="0" dirty="0">
+                  <a:solidFill>
+                    <a:srgbClr val="D4D4D4"/>
+                  </a:solidFill>
+                  <a:effectLst/>
+                  <a:latin typeface="Consolas" panose="020B0609020204030204" pitchFamily="49" charset="0"/>
+                </a:rPr>
+                <a:t> </a:t>
+              </a:r>
+              <a:r>
+                <a:rPr lang="en-US" b="0" dirty="0">
+                  <a:solidFill>
+                    <a:srgbClr val="569CD6"/>
+                  </a:solidFill>
+                  <a:effectLst/>
+                  <a:latin typeface="Consolas" panose="020B0609020204030204" pitchFamily="49" charset="0"/>
+                </a:rPr>
+                <a:t>class</a:t>
+              </a:r>
+              <a:r>
+                <a:rPr lang="en-US" b="0" dirty="0">
+                  <a:solidFill>
+                    <a:srgbClr val="D4D4D4"/>
+                  </a:solidFill>
+                  <a:effectLst/>
+                  <a:latin typeface="Consolas" panose="020B0609020204030204" pitchFamily="49" charset="0"/>
+                </a:rPr>
+                <a:t> </a:t>
+              </a:r>
+              <a:r>
+                <a:rPr lang="en-US" b="0" dirty="0" err="1">
+                  <a:solidFill>
+                    <a:srgbClr val="4EC9B0"/>
+                  </a:solidFill>
+                  <a:effectLst/>
+                  <a:latin typeface="Consolas" panose="020B0609020204030204" pitchFamily="49" charset="0"/>
+                </a:rPr>
+                <a:t>Imprime</a:t>
+              </a:r>
+              <a:r>
+                <a:rPr lang="en-US" b="0" dirty="0">
+                  <a:solidFill>
+                    <a:srgbClr val="D4D4D4"/>
+                  </a:solidFill>
+                  <a:effectLst/>
+                  <a:latin typeface="Consolas" panose="020B0609020204030204" pitchFamily="49" charset="0"/>
+                </a:rPr>
+                <a:t> {</a:t>
+              </a:r>
+            </a:p>
+            <a:p>
+              <a:r>
+                <a:rPr lang="en-US" b="0" dirty="0">
+                  <a:solidFill>
+                    <a:srgbClr val="D4D4D4"/>
+                  </a:solidFill>
+                  <a:effectLst/>
+                  <a:latin typeface="Consolas" panose="020B0609020204030204" pitchFamily="49" charset="0"/>
+                </a:rPr>
+                <a:t>    </a:t>
+              </a:r>
+            </a:p>
+            <a:p>
+              <a:r>
+                <a:rPr lang="en-US" b="0" dirty="0">
+                  <a:solidFill>
+                    <a:srgbClr val="D4D4D4"/>
+                  </a:solidFill>
+                  <a:effectLst/>
+                  <a:latin typeface="Consolas" panose="020B0609020204030204" pitchFamily="49" charset="0"/>
+                </a:rPr>
+                <a:t>    </a:t>
+              </a:r>
+              <a:r>
+                <a:rPr lang="en-US" b="0" dirty="0">
+                  <a:solidFill>
+                    <a:srgbClr val="569CD6"/>
+                  </a:solidFill>
+                  <a:effectLst/>
+                  <a:latin typeface="Consolas" panose="020B0609020204030204" pitchFamily="49" charset="0"/>
+                </a:rPr>
+                <a:t>public</a:t>
+              </a:r>
+              <a:r>
+                <a:rPr lang="en-US" b="0" dirty="0">
+                  <a:solidFill>
+                    <a:srgbClr val="D4D4D4"/>
+                  </a:solidFill>
+                  <a:effectLst/>
+                  <a:latin typeface="Consolas" panose="020B0609020204030204" pitchFamily="49" charset="0"/>
+                </a:rPr>
+                <a:t> </a:t>
+              </a:r>
+              <a:r>
+                <a:rPr lang="en-US" b="0" dirty="0">
+                  <a:solidFill>
+                    <a:srgbClr val="569CD6"/>
+                  </a:solidFill>
+                  <a:effectLst/>
+                  <a:latin typeface="Consolas" panose="020B0609020204030204" pitchFamily="49" charset="0"/>
+                </a:rPr>
+                <a:t>static</a:t>
+              </a:r>
+              <a:r>
+                <a:rPr lang="en-US" b="0" dirty="0">
+                  <a:solidFill>
+                    <a:srgbClr val="D4D4D4"/>
+                  </a:solidFill>
+                  <a:effectLst/>
+                  <a:latin typeface="Consolas" panose="020B0609020204030204" pitchFamily="49" charset="0"/>
+                </a:rPr>
+                <a:t> </a:t>
+              </a:r>
+              <a:r>
+                <a:rPr lang="en-US" b="0" dirty="0">
+                  <a:solidFill>
+                    <a:srgbClr val="4EC9B0"/>
+                  </a:solidFill>
+                  <a:effectLst/>
+                  <a:latin typeface="Consolas" panose="020B0609020204030204" pitchFamily="49" charset="0"/>
+                </a:rPr>
+                <a:t>void</a:t>
+              </a:r>
+              <a:r>
+                <a:rPr lang="en-US" b="0" dirty="0">
+                  <a:solidFill>
+                    <a:srgbClr val="D4D4D4"/>
+                  </a:solidFill>
+                  <a:effectLst/>
+                  <a:latin typeface="Consolas" panose="020B0609020204030204" pitchFamily="49" charset="0"/>
+                </a:rPr>
+                <a:t> </a:t>
+              </a:r>
+              <a:r>
+                <a:rPr lang="en-US" b="0" dirty="0">
+                  <a:solidFill>
+                    <a:srgbClr val="DCDCAA"/>
+                  </a:solidFill>
+                  <a:effectLst/>
+                  <a:latin typeface="Consolas" panose="020B0609020204030204" pitchFamily="49" charset="0"/>
+                </a:rPr>
+                <a:t>main</a:t>
+              </a:r>
+              <a:r>
+                <a:rPr lang="en-US" b="0" dirty="0">
+                  <a:solidFill>
+                    <a:srgbClr val="D4D4D4"/>
+                  </a:solidFill>
+                  <a:effectLst/>
+                  <a:latin typeface="Consolas" panose="020B0609020204030204" pitchFamily="49" charset="0"/>
+                </a:rPr>
+                <a:t>(</a:t>
+              </a:r>
+              <a:r>
+                <a:rPr lang="en-US" b="0" dirty="0">
+                  <a:solidFill>
+                    <a:srgbClr val="4EC9B0"/>
+                  </a:solidFill>
+                  <a:effectLst/>
+                  <a:latin typeface="Consolas" panose="020B0609020204030204" pitchFamily="49" charset="0"/>
+                </a:rPr>
+                <a:t>String</a:t>
+              </a:r>
+              <a:r>
+                <a:rPr lang="en-US" b="0" dirty="0">
+                  <a:solidFill>
+                    <a:srgbClr val="D4D4D4"/>
+                  </a:solidFill>
+                  <a:effectLst/>
+                  <a:latin typeface="Consolas" panose="020B0609020204030204" pitchFamily="49" charset="0"/>
+                </a:rPr>
+                <a:t>[] </a:t>
+              </a:r>
+              <a:r>
+                <a:rPr lang="en-US" b="0" dirty="0" err="1">
+                  <a:solidFill>
+                    <a:srgbClr val="9CDCFE"/>
+                  </a:solidFill>
+                  <a:effectLst/>
+                  <a:latin typeface="Consolas" panose="020B0609020204030204" pitchFamily="49" charset="0"/>
+                </a:rPr>
+                <a:t>args</a:t>
+              </a:r>
+              <a:r>
+                <a:rPr lang="en-US" b="0" dirty="0">
+                  <a:solidFill>
+                    <a:srgbClr val="D4D4D4"/>
+                  </a:solidFill>
+                  <a:effectLst/>
+                  <a:latin typeface="Consolas" panose="020B0609020204030204" pitchFamily="49" charset="0"/>
+                </a:rPr>
+                <a:t>){</a:t>
+              </a:r>
+            </a:p>
+            <a:p>
+              <a:br>
+                <a:rPr lang="en-US" b="0" dirty="0">
+                  <a:solidFill>
+                    <a:srgbClr val="D4D4D4"/>
+                  </a:solidFill>
+                  <a:effectLst/>
+                  <a:latin typeface="Consolas" panose="020B0609020204030204" pitchFamily="49" charset="0"/>
+                </a:rPr>
+              </a:br>
+              <a:r>
+                <a:rPr lang="en-US" b="0" dirty="0">
+                  <a:solidFill>
+                    <a:srgbClr val="D4D4D4"/>
+                  </a:solidFill>
+                  <a:effectLst/>
+                  <a:latin typeface="Consolas" panose="020B0609020204030204" pitchFamily="49" charset="0"/>
+                </a:rPr>
+                <a:t>        </a:t>
+              </a:r>
+              <a:r>
+                <a:rPr lang="en-US" b="0" dirty="0">
+                  <a:solidFill>
+                    <a:srgbClr val="4EC9B0"/>
+                  </a:solidFill>
+                  <a:effectLst/>
+                  <a:latin typeface="Consolas" panose="020B0609020204030204" pitchFamily="49" charset="0"/>
+                </a:rPr>
+                <a:t>int</a:t>
+              </a:r>
+              <a:r>
+                <a:rPr lang="en-US" b="0" dirty="0">
+                  <a:solidFill>
+                    <a:srgbClr val="D4D4D4"/>
+                  </a:solidFill>
+                  <a:effectLst/>
+                  <a:latin typeface="Consolas" panose="020B0609020204030204" pitchFamily="49" charset="0"/>
+                </a:rPr>
+                <a:t> </a:t>
+              </a:r>
+              <a:r>
+                <a:rPr lang="en-US" b="0" dirty="0">
+                  <a:solidFill>
+                    <a:srgbClr val="9CDCFE"/>
+                  </a:solidFill>
+                  <a:effectLst/>
+                  <a:latin typeface="Consolas" panose="020B0609020204030204" pitchFamily="49" charset="0"/>
+                </a:rPr>
+                <a:t>a</a:t>
+              </a:r>
+              <a:r>
+                <a:rPr lang="en-US" b="0" dirty="0">
+                  <a:solidFill>
+                    <a:srgbClr val="D4D4D4"/>
+                  </a:solidFill>
+                  <a:effectLst/>
+                  <a:latin typeface="Consolas" panose="020B0609020204030204" pitchFamily="49" charset="0"/>
+                </a:rPr>
+                <a:t> = </a:t>
+              </a:r>
+              <a:r>
+                <a:rPr lang="en-US" b="0" dirty="0">
+                  <a:solidFill>
+                    <a:srgbClr val="B5CEA8"/>
+                  </a:solidFill>
+                  <a:effectLst/>
+                  <a:latin typeface="Consolas" panose="020B0609020204030204" pitchFamily="49" charset="0"/>
+                </a:rPr>
+                <a:t>1</a:t>
+              </a:r>
+              <a:r>
+                <a:rPr lang="en-US" b="0" dirty="0">
+                  <a:solidFill>
+                    <a:srgbClr val="D4D4D4"/>
+                  </a:solidFill>
+                  <a:effectLst/>
+                  <a:latin typeface="Consolas" panose="020B0609020204030204" pitchFamily="49" charset="0"/>
+                </a:rPr>
+                <a:t>, </a:t>
+              </a:r>
+              <a:r>
+                <a:rPr lang="en-US" b="0" dirty="0">
+                  <a:solidFill>
+                    <a:srgbClr val="9CDCFE"/>
+                  </a:solidFill>
+                  <a:effectLst/>
+                  <a:latin typeface="Consolas" panose="020B0609020204030204" pitchFamily="49" charset="0"/>
+                </a:rPr>
+                <a:t>b</a:t>
+              </a:r>
+              <a:r>
+                <a:rPr lang="en-US" b="0" dirty="0">
+                  <a:solidFill>
+                    <a:srgbClr val="D4D4D4"/>
+                  </a:solidFill>
+                  <a:effectLst/>
+                  <a:latin typeface="Consolas" panose="020B0609020204030204" pitchFamily="49" charset="0"/>
+                </a:rPr>
+                <a:t> = </a:t>
+              </a:r>
+              <a:r>
+                <a:rPr lang="en-US" b="0" dirty="0">
+                  <a:solidFill>
+                    <a:srgbClr val="B5CEA8"/>
+                  </a:solidFill>
+                  <a:effectLst/>
+                  <a:latin typeface="Consolas" panose="020B0609020204030204" pitchFamily="49" charset="0"/>
+                </a:rPr>
+                <a:t>10</a:t>
+              </a:r>
+              <a:r>
+                <a:rPr lang="en-US" b="0" dirty="0">
+                  <a:solidFill>
+                    <a:srgbClr val="D4D4D4"/>
+                  </a:solidFill>
+                  <a:effectLst/>
+                  <a:latin typeface="Consolas" panose="020B0609020204030204" pitchFamily="49" charset="0"/>
+                </a:rPr>
+                <a:t>, </a:t>
+              </a:r>
+              <a:r>
+                <a:rPr lang="en-US" b="0" dirty="0">
+                  <a:solidFill>
+                    <a:srgbClr val="9CDCFE"/>
+                  </a:solidFill>
+                  <a:effectLst/>
+                  <a:latin typeface="Consolas" panose="020B0609020204030204" pitchFamily="49" charset="0"/>
+                </a:rPr>
+                <a:t>c</a:t>
+              </a:r>
+              <a:r>
+                <a:rPr lang="en-US" b="0" dirty="0">
+                  <a:solidFill>
+                    <a:srgbClr val="D4D4D4"/>
+                  </a:solidFill>
+                  <a:effectLst/>
+                  <a:latin typeface="Consolas" panose="020B0609020204030204" pitchFamily="49" charset="0"/>
+                </a:rPr>
+                <a:t> = </a:t>
+              </a:r>
+              <a:r>
+                <a:rPr lang="en-US" b="0" dirty="0">
+                  <a:solidFill>
+                    <a:srgbClr val="B5CEA8"/>
+                  </a:solidFill>
+                  <a:effectLst/>
+                  <a:latin typeface="Consolas" panose="020B0609020204030204" pitchFamily="49" charset="0"/>
+                </a:rPr>
+                <a:t>1</a:t>
+              </a:r>
+              <a:r>
+                <a:rPr lang="en-US" b="0" dirty="0">
+                  <a:solidFill>
+                    <a:srgbClr val="D4D4D4"/>
+                  </a:solidFill>
+                  <a:effectLst/>
+                  <a:latin typeface="Consolas" panose="020B0609020204030204" pitchFamily="49" charset="0"/>
+                </a:rPr>
+                <a:t>;</a:t>
+              </a:r>
+            </a:p>
+            <a:p>
+              <a:r>
+                <a:rPr lang="en-US" b="0" dirty="0">
+                  <a:solidFill>
+                    <a:srgbClr val="D4D4D4"/>
+                  </a:solidFill>
+                  <a:effectLst/>
+                  <a:latin typeface="Consolas" panose="020B0609020204030204" pitchFamily="49" charset="0"/>
+                </a:rPr>
+                <a:t>       </a:t>
+              </a:r>
+              <a:br>
+                <a:rPr lang="en-US" b="0" dirty="0">
+                  <a:solidFill>
+                    <a:srgbClr val="D4D4D4"/>
+                  </a:solidFill>
+                  <a:effectLst/>
+                  <a:latin typeface="Consolas" panose="020B0609020204030204" pitchFamily="49" charset="0"/>
+                </a:rPr>
+              </a:br>
+              <a:r>
+                <a:rPr lang="en-US" b="0" dirty="0">
+                  <a:solidFill>
+                    <a:srgbClr val="D4D4D4"/>
+                  </a:solidFill>
+                  <a:effectLst/>
+                  <a:latin typeface="Consolas" panose="020B0609020204030204" pitchFamily="49" charset="0"/>
+                </a:rPr>
+                <a:t>        </a:t>
+              </a:r>
+              <a:r>
+                <a:rPr lang="en-US" b="0" dirty="0" err="1">
+                  <a:solidFill>
+                    <a:srgbClr val="4EC9B0"/>
+                  </a:solidFill>
+                  <a:effectLst/>
+                  <a:latin typeface="Consolas" panose="020B0609020204030204" pitchFamily="49" charset="0"/>
+                </a:rPr>
+                <a:t>System</a:t>
+              </a:r>
+              <a:r>
+                <a:rPr lang="en-US" b="0" dirty="0" err="1">
+                  <a:solidFill>
+                    <a:srgbClr val="D4D4D4"/>
+                  </a:solidFill>
+                  <a:effectLst/>
+                  <a:latin typeface="Consolas" panose="020B0609020204030204" pitchFamily="49" charset="0"/>
+                </a:rPr>
+                <a:t>.</a:t>
+              </a:r>
+              <a:r>
+                <a:rPr lang="en-US" b="0" dirty="0" err="1">
+                  <a:solidFill>
+                    <a:srgbClr val="4FC1FF"/>
+                  </a:solidFill>
+                  <a:effectLst/>
+                  <a:latin typeface="Consolas" panose="020B0609020204030204" pitchFamily="49" charset="0"/>
+                </a:rPr>
+                <a:t>out</a:t>
+              </a:r>
+              <a:r>
+                <a:rPr lang="en-US" b="0" dirty="0" err="1">
+                  <a:solidFill>
+                    <a:srgbClr val="D4D4D4"/>
+                  </a:solidFill>
+                  <a:effectLst/>
+                  <a:latin typeface="Consolas" panose="020B0609020204030204" pitchFamily="49" charset="0"/>
+                </a:rPr>
+                <a:t>.</a:t>
+              </a:r>
+              <a:r>
+                <a:rPr lang="en-US" b="0" dirty="0" err="1">
+                  <a:solidFill>
+                    <a:srgbClr val="DCDCAA"/>
+                  </a:solidFill>
+                  <a:effectLst/>
+                  <a:latin typeface="Consolas" panose="020B0609020204030204" pitchFamily="49" charset="0"/>
+                </a:rPr>
+                <a:t>println</a:t>
+              </a:r>
+              <a:r>
+                <a:rPr lang="en-US" b="0" dirty="0">
+                  <a:solidFill>
+                    <a:srgbClr val="D4D4D4"/>
+                  </a:solidFill>
+                  <a:effectLst/>
+                  <a:latin typeface="Consolas" panose="020B0609020204030204" pitchFamily="49" charset="0"/>
+                </a:rPr>
+                <a:t>(</a:t>
+              </a:r>
+              <a:r>
+                <a:rPr lang="en-US" b="0" dirty="0">
+                  <a:solidFill>
+                    <a:srgbClr val="CE9178"/>
+                  </a:solidFill>
+                  <a:effectLst/>
+                  <a:latin typeface="Consolas" panose="020B0609020204030204" pitchFamily="49" charset="0"/>
+                </a:rPr>
+                <a:t>"Step 1: "</a:t>
+              </a:r>
+              <a:r>
+                <a:rPr lang="en-US" b="0" dirty="0">
+                  <a:solidFill>
+                    <a:srgbClr val="D4D4D4"/>
+                  </a:solidFill>
+                  <a:effectLst/>
+                  <a:latin typeface="Consolas" panose="020B0609020204030204" pitchFamily="49" charset="0"/>
+                </a:rPr>
+                <a:t> + </a:t>
+              </a:r>
+              <a:r>
+                <a:rPr lang="en-US" b="0" dirty="0">
+                  <a:solidFill>
+                    <a:srgbClr val="9CDCFE"/>
+                  </a:solidFill>
+                  <a:effectLst/>
+                  <a:latin typeface="Consolas" panose="020B0609020204030204" pitchFamily="49" charset="0"/>
+                </a:rPr>
+                <a:t> a</a:t>
+              </a:r>
+              <a:r>
+                <a:rPr lang="en-US" b="0" dirty="0">
+                  <a:solidFill>
+                    <a:srgbClr val="D4D4D4"/>
+                  </a:solidFill>
+                  <a:effectLst/>
+                  <a:latin typeface="Consolas" panose="020B0609020204030204" pitchFamily="49" charset="0"/>
+                </a:rPr>
+                <a:t>);</a:t>
+              </a:r>
+            </a:p>
+            <a:p>
+              <a:br>
+                <a:rPr lang="en-US" b="0" dirty="0">
+                  <a:solidFill>
+                    <a:srgbClr val="D4D4D4"/>
+                  </a:solidFill>
+                  <a:effectLst/>
+                  <a:latin typeface="Consolas" panose="020B0609020204030204" pitchFamily="49" charset="0"/>
+                </a:rPr>
+              </a:br>
+              <a:r>
+                <a:rPr lang="en-US" b="0" dirty="0">
+                  <a:solidFill>
+                    <a:srgbClr val="D4D4D4"/>
+                  </a:solidFill>
+                  <a:effectLst/>
+                  <a:latin typeface="Consolas" panose="020B0609020204030204" pitchFamily="49" charset="0"/>
+                </a:rPr>
+                <a:t>    }</a:t>
+              </a:r>
+            </a:p>
+            <a:p>
+              <a:br>
+                <a:rPr lang="en-US" b="0" dirty="0">
+                  <a:solidFill>
+                    <a:srgbClr val="D4D4D4"/>
+                  </a:solidFill>
+                  <a:effectLst/>
+                  <a:latin typeface="Consolas" panose="020B0609020204030204" pitchFamily="49" charset="0"/>
+                </a:rPr>
+              </a:br>
+              <a:r>
+                <a:rPr lang="en-US" b="0" dirty="0">
+                  <a:solidFill>
+                    <a:srgbClr val="D4D4D4"/>
+                  </a:solidFill>
+                  <a:effectLst/>
+                  <a:latin typeface="Consolas" panose="020B0609020204030204" pitchFamily="49" charset="0"/>
+                </a:rPr>
+                <a:t>}</a:t>
+              </a:r>
+            </a:p>
+          </p:txBody>
+        </p:sp>
+        <p:sp>
+          <p:nvSpPr>
+            <p:cNvPr id="3" name="Rectangle 2">
+              <a:extLst>
+                <a:ext uri="{FF2B5EF4-FFF2-40B4-BE49-F238E27FC236}">
+                  <a16:creationId xmlns:a16="http://schemas.microsoft.com/office/drawing/2014/main" id="{3903DC0E-5228-4762-A806-B75590ABD781}"/>
+                </a:ext>
+              </a:extLst>
+            </p:cNvPr>
+            <p:cNvSpPr/>
+            <p:nvPr/>
+          </p:nvSpPr>
+          <p:spPr>
+            <a:xfrm>
+              <a:off x="237065" y="453116"/>
+              <a:ext cx="592667" cy="3139321"/>
+            </a:xfrm>
+            <a:prstGeom prst="rect">
+              <a:avLst/>
+            </a:prstGeom>
+            <a:solidFill>
+              <a:schemeClr val="tx1"/>
+            </a:solidFill>
+          </p:spPr>
+          <p:txBody>
+            <a:bodyPr wrap="square">
+              <a:spAutoFit/>
+            </a:bodyPr>
+            <a:lstStyle/>
+            <a:p>
+              <a:r>
+                <a:rPr lang="es-MX" dirty="0">
+                  <a:solidFill>
+                    <a:srgbClr val="D4D4D4"/>
+                  </a:solidFill>
+                  <a:latin typeface="Consolas" panose="020B0609020204030204" pitchFamily="49" charset="0"/>
+                </a:rPr>
+                <a:t>1</a:t>
+              </a:r>
+              <a:br>
+                <a:rPr lang="es-MX" dirty="0">
+                  <a:solidFill>
+                    <a:srgbClr val="D4D4D4"/>
+                  </a:solidFill>
+                  <a:latin typeface="Consolas" panose="020B0609020204030204" pitchFamily="49" charset="0"/>
+                </a:rPr>
+              </a:br>
+              <a:r>
+                <a:rPr lang="es-MX" dirty="0">
+                  <a:solidFill>
+                    <a:srgbClr val="D4D4D4"/>
+                  </a:solidFill>
+                  <a:latin typeface="Consolas" panose="020B0609020204030204" pitchFamily="49" charset="0"/>
+                </a:rPr>
+                <a:t>2</a:t>
+              </a:r>
+              <a:br>
+                <a:rPr lang="es-MX" dirty="0">
+                  <a:solidFill>
+                    <a:srgbClr val="D4D4D4"/>
+                  </a:solidFill>
+                  <a:latin typeface="Consolas" panose="020B0609020204030204" pitchFamily="49" charset="0"/>
+                </a:rPr>
+              </a:br>
+              <a:r>
+                <a:rPr lang="es-MX" dirty="0">
+                  <a:solidFill>
+                    <a:srgbClr val="D4D4D4"/>
+                  </a:solidFill>
+                  <a:latin typeface="Consolas" panose="020B0609020204030204" pitchFamily="49" charset="0"/>
+                </a:rPr>
+                <a:t>3</a:t>
+              </a:r>
+            </a:p>
+            <a:p>
+              <a:r>
+                <a:rPr lang="es-MX" dirty="0">
+                  <a:solidFill>
+                    <a:srgbClr val="D4D4D4"/>
+                  </a:solidFill>
+                  <a:latin typeface="Consolas" panose="020B0609020204030204" pitchFamily="49" charset="0"/>
+                </a:rPr>
+                <a:t>4</a:t>
+              </a:r>
+            </a:p>
+            <a:p>
+              <a:r>
+                <a:rPr lang="es-MX" dirty="0">
+                  <a:solidFill>
+                    <a:srgbClr val="D4D4D4"/>
+                  </a:solidFill>
+                  <a:latin typeface="Consolas" panose="020B0609020204030204" pitchFamily="49" charset="0"/>
+                </a:rPr>
+                <a:t>5</a:t>
+              </a:r>
+            </a:p>
+            <a:p>
+              <a:r>
+                <a:rPr lang="es-MX" dirty="0">
+                  <a:solidFill>
+                    <a:srgbClr val="D4D4D4"/>
+                  </a:solidFill>
+                  <a:latin typeface="Consolas" panose="020B0609020204030204" pitchFamily="49" charset="0"/>
+                </a:rPr>
+                <a:t>6</a:t>
+              </a:r>
+            </a:p>
+            <a:p>
+              <a:r>
+                <a:rPr lang="es-MX" dirty="0">
+                  <a:solidFill>
+                    <a:srgbClr val="D4D4D4"/>
+                  </a:solidFill>
+                  <a:latin typeface="Consolas" panose="020B0609020204030204" pitchFamily="49" charset="0"/>
+                </a:rPr>
+                <a:t>7</a:t>
+              </a:r>
+            </a:p>
+            <a:p>
+              <a:r>
+                <a:rPr lang="es-MX" dirty="0">
+                  <a:solidFill>
+                    <a:srgbClr val="D4D4D4"/>
+                  </a:solidFill>
+                  <a:latin typeface="Consolas" panose="020B0609020204030204" pitchFamily="49" charset="0"/>
+                </a:rPr>
+                <a:t>8</a:t>
+              </a:r>
+            </a:p>
+            <a:p>
+              <a:r>
+                <a:rPr lang="es-MX" dirty="0">
+                  <a:solidFill>
+                    <a:srgbClr val="D4D4D4"/>
+                  </a:solidFill>
+                  <a:latin typeface="Consolas" panose="020B0609020204030204" pitchFamily="49" charset="0"/>
+                </a:rPr>
+                <a:t>9</a:t>
+              </a:r>
+            </a:p>
+            <a:p>
+              <a:r>
+                <a:rPr lang="es-MX" dirty="0">
+                  <a:solidFill>
+                    <a:srgbClr val="D4D4D4"/>
+                  </a:solidFill>
+                  <a:latin typeface="Consolas" panose="020B0609020204030204" pitchFamily="49" charset="0"/>
+                </a:rPr>
+                <a:t>10</a:t>
+              </a:r>
+            </a:p>
+            <a:p>
+              <a:r>
+                <a:rPr lang="es-MX" dirty="0">
+                  <a:solidFill>
+                    <a:srgbClr val="D4D4D4"/>
+                  </a:solidFill>
+                  <a:latin typeface="Consolas" panose="020B0609020204030204" pitchFamily="49" charset="0"/>
+                </a:rPr>
+                <a:t>11</a:t>
+              </a:r>
+            </a:p>
+          </p:txBody>
+        </p:sp>
+      </p:grpSp>
+      <p:sp>
+        <p:nvSpPr>
+          <p:cNvPr id="6" name="TextBox 5">
+            <a:extLst>
+              <a:ext uri="{FF2B5EF4-FFF2-40B4-BE49-F238E27FC236}">
+                <a16:creationId xmlns:a16="http://schemas.microsoft.com/office/drawing/2014/main" id="{E670EF92-67B9-4F0C-BDA3-FE5090B33157}"/>
+              </a:ext>
+            </a:extLst>
+          </p:cNvPr>
+          <p:cNvSpPr txBox="1"/>
+          <p:nvPr/>
+        </p:nvSpPr>
+        <p:spPr>
+          <a:xfrm>
+            <a:off x="1320800" y="4055533"/>
+            <a:ext cx="6764866" cy="2339102"/>
+          </a:xfrm>
+          <a:prstGeom prst="rect">
+            <a:avLst/>
+          </a:prstGeom>
+          <a:noFill/>
+        </p:spPr>
+        <p:txBody>
+          <a:bodyPr wrap="square" rtlCol="0">
+            <a:spAutoFit/>
+          </a:bodyPr>
+          <a:lstStyle/>
+          <a:p>
+            <a:r>
+              <a:rPr lang="es-MX" sz="3200" b="1" dirty="0">
+                <a:solidFill>
+                  <a:srgbClr val="FF0000"/>
+                </a:solidFill>
+                <a:latin typeface="72" panose="020B0503030000000003" pitchFamily="34" charset="0"/>
+                <a:cs typeface="72" panose="020B0503030000000003" pitchFamily="34" charset="0"/>
+              </a:rPr>
+              <a:t>Ejemplo de respuesta:</a:t>
+            </a:r>
+          </a:p>
+          <a:p>
+            <a:endParaRPr lang="es-MX" dirty="0"/>
+          </a:p>
+          <a:p>
+            <a:r>
+              <a:rPr lang="es-MX" sz="2400" dirty="0" err="1">
+                <a:latin typeface="Consolas" panose="020B0609020204030204" pitchFamily="49" charset="0"/>
+              </a:rPr>
+              <a:t>Print</a:t>
+            </a:r>
+            <a:r>
+              <a:rPr lang="es-MX" sz="2400" dirty="0">
+                <a:latin typeface="Consolas" panose="020B0609020204030204" pitchFamily="49" charset="0"/>
+              </a:rPr>
+              <a:t>: “Step 1: 1”</a:t>
+            </a:r>
+          </a:p>
+          <a:p>
+            <a:r>
+              <a:rPr lang="es-MX" sz="2400" dirty="0">
+                <a:latin typeface="Consolas" panose="020B0609020204030204" pitchFamily="49" charset="0"/>
+              </a:rPr>
+              <a:t>a = 1</a:t>
+            </a:r>
+          </a:p>
+          <a:p>
+            <a:r>
+              <a:rPr lang="es-MX" sz="2400" dirty="0">
+                <a:latin typeface="Consolas" panose="020B0609020204030204" pitchFamily="49" charset="0"/>
+              </a:rPr>
+              <a:t>b = 10</a:t>
+            </a:r>
+          </a:p>
+          <a:p>
+            <a:r>
+              <a:rPr lang="es-MX" sz="2400" dirty="0">
+                <a:latin typeface="Consolas" panose="020B0609020204030204" pitchFamily="49" charset="0"/>
+              </a:rPr>
+              <a:t>c = 1</a:t>
+            </a:r>
+            <a:endParaRPr lang="en-US" sz="2400" dirty="0">
+              <a:latin typeface="Consolas" panose="020B0609020204030204" pitchFamily="49" charset="0"/>
+            </a:endParaRPr>
+          </a:p>
+        </p:txBody>
+      </p:sp>
+      <p:sp>
+        <p:nvSpPr>
+          <p:cNvPr id="7" name="Arrow: Right 6">
+            <a:extLst>
+              <a:ext uri="{FF2B5EF4-FFF2-40B4-BE49-F238E27FC236}">
+                <a16:creationId xmlns:a16="http://schemas.microsoft.com/office/drawing/2014/main" id="{C4F08B19-AA10-4C52-8057-35C06FCD85E3}"/>
+              </a:ext>
+            </a:extLst>
+          </p:cNvPr>
+          <p:cNvSpPr/>
+          <p:nvPr/>
+        </p:nvSpPr>
+        <p:spPr>
+          <a:xfrm flipH="1">
+            <a:off x="7048499" y="1981200"/>
+            <a:ext cx="1418167" cy="431800"/>
+          </a:xfrm>
+          <a:prstGeom prst="rightArrow">
+            <a:avLst/>
+          </a:prstGeom>
+          <a:solidFill>
+            <a:srgbClr val="FF0000"/>
+          </a:solidFill>
+          <a:ln w="57150">
+            <a:solidFill>
+              <a:srgbClr val="FF0000"/>
+            </a:solidFill>
+          </a:ln>
+        </p:spPr>
+        <p:style>
+          <a:lnRef idx="2">
+            <a:schemeClr val="accent1">
+              <a:shade val="50000"/>
+            </a:schemeClr>
+          </a:lnRef>
+          <a:fillRef idx="1">
+            <a:schemeClr val="accent1"/>
+          </a:fillRef>
+          <a:effectRef idx="0">
+            <a:schemeClr val="accent1"/>
+          </a:effectRef>
+          <a:fontRef idx="minor">
+            <a:schemeClr val="lt1"/>
+          </a:fontRef>
+        </p:style>
+        <p:txBody>
+          <a:bodyPr rtlCol="0" anchor="ctr"/>
+          <a:lstStyle/>
+          <a:p>
+            <a:pPr algn="ctr"/>
+            <a:endParaRPr lang="en-US"/>
+          </a:p>
+        </p:txBody>
+      </p:sp>
+    </p:spTree>
+    <p:extLst>
+      <p:ext uri="{BB962C8B-B14F-4D97-AF65-F5344CB8AC3E}">
+        <p14:creationId xmlns:p14="http://schemas.microsoft.com/office/powerpoint/2010/main" val="2975331713"/>
+      </p:ext>
+    </p:extLst>
+  </p:cSld>
+  <p:clrMapOvr>
+    <a:masterClrMapping/>
+  </p:clrMapOvr>
+  <p:timing>
+    <p:tnLst>
+      <p:par>
+        <p:cTn id="1" dur="indefinite" restart="never" nodeType="tmRoot">
+          <p:childTnLst>
+            <p:seq concurrent="1" nextAc="seek">
+              <p:cTn id="2" dur="indefinite" nodeType="mainSeq">
+                <p:childTnLst>
+                  <p:par>
+                    <p:cTn id="3" fill="hold">
+                      <p:stCondLst>
+                        <p:cond delay="indefinite"/>
+                      </p:stCondLst>
+                      <p:childTnLst>
+                        <p:par>
+                          <p:cTn id="4" fill="hold">
+                            <p:stCondLst>
+                              <p:cond delay="0"/>
+                            </p:stCondLst>
+                            <p:childTnLst>
+                              <p:par>
+                                <p:cTn id="5" presetID="2" presetClass="entr" presetSubtype="4" fill="hold" grpId="0" nodeType="clickEffect">
+                                  <p:stCondLst>
+                                    <p:cond delay="0"/>
+                                  </p:stCondLst>
+                                  <p:childTnLst>
+                                    <p:set>
+                                      <p:cBhvr>
+                                        <p:cTn id="6" dur="1" fill="hold">
+                                          <p:stCondLst>
+                                            <p:cond delay="0"/>
+                                          </p:stCondLst>
+                                        </p:cTn>
+                                        <p:tgtEl>
+                                          <p:spTgt spid="7"/>
+                                        </p:tgtEl>
+                                        <p:attrNameLst>
+                                          <p:attrName>style.visibility</p:attrName>
+                                        </p:attrNameLst>
+                                      </p:cBhvr>
+                                      <p:to>
+                                        <p:strVal val="visible"/>
+                                      </p:to>
+                                    </p:set>
+                                    <p:anim calcmode="lin" valueType="num">
+                                      <p:cBhvr additive="base">
+                                        <p:cTn id="7" dur="500" fill="hold"/>
+                                        <p:tgtEl>
+                                          <p:spTgt spid="7"/>
+                                        </p:tgtEl>
+                                        <p:attrNameLst>
+                                          <p:attrName>ppt_x</p:attrName>
+                                        </p:attrNameLst>
+                                      </p:cBhvr>
+                                      <p:tavLst>
+                                        <p:tav tm="0">
+                                          <p:val>
+                                            <p:strVal val="#ppt_x"/>
+                                          </p:val>
+                                        </p:tav>
+                                        <p:tav tm="100000">
+                                          <p:val>
+                                            <p:strVal val="#ppt_x"/>
+                                          </p:val>
+                                        </p:tav>
+                                      </p:tavLst>
+                                    </p:anim>
+                                    <p:anim calcmode="lin" valueType="num">
+                                      <p:cBhvr additive="base">
+                                        <p:cTn id="8" dur="500" fill="hold"/>
+                                        <p:tgtEl>
+                                          <p:spTgt spid="7"/>
+                                        </p:tgtEl>
+                                        <p:attrNameLst>
+                                          <p:attrName>ppt_y</p:attrName>
+                                        </p:attrNameLst>
+                                      </p:cBhvr>
+                                      <p:tavLst>
+                                        <p:tav tm="0">
+                                          <p:val>
+                                            <p:strVal val="1+#ppt_h/2"/>
+                                          </p:val>
+                                        </p:tav>
+                                        <p:tav tm="100000">
+                                          <p:val>
+                                            <p:strVal val="#ppt_y"/>
+                                          </p:val>
+                                        </p:tav>
+                                      </p:tavLst>
+                                    </p:anim>
+                                  </p:childTnLst>
+                                </p:cTn>
+                              </p:par>
+                            </p:childTnLst>
+                          </p:cTn>
+                        </p:par>
+                      </p:childTnLst>
+                    </p:cTn>
+                  </p:par>
+                </p:childTnLst>
+              </p:cTn>
+              <p:prevCondLst>
+                <p:cond evt="onPrev" delay="0">
+                  <p:tgtEl>
+                    <p:sldTgt/>
+                  </p:tgtEl>
+                </p:cond>
+              </p:prevCondLst>
+              <p:nextCondLst>
+                <p:cond evt="onNext" delay="0">
+                  <p:tgtEl>
+                    <p:sldTgt/>
+                  </p:tgtEl>
+                </p:cond>
+              </p:nextCondLst>
+            </p:seq>
+          </p:childTnLst>
+        </p:cTn>
+      </p:par>
+    </p:tnLst>
+    <p:bldLst>
+      <p:bldP spid="7" grpId="0" animBg="1"/>
+    </p:bldLst>
+  </p:timing>
+</p:sld>
+</file>
+
+<file path=ppt/slides/slide11.xml><?xml version="1.0" encoding="utf-8"?>
+<p:sld xmlns:a="http://schemas.openxmlformats.org/drawingml/2006/main" xmlns:r="http://schemas.openxmlformats.org/officeDocument/2006/relationships" xmlns:p="http://schemas.openxmlformats.org/presentationml/2006/main">
+  <p:cSld>
+    <p:spTree>
+      <p:nvGrpSpPr>
+        <p:cNvPr id="1" name=""/>
+        <p:cNvGrpSpPr/>
+        <p:nvPr/>
+      </p:nvGrpSpPr>
+      <p:grpSpPr>
+        <a:xfrm>
+          <a:off x="0" y="0"/>
+          <a:ext cx="0" cy="0"/>
+          <a:chOff x="0" y="0"/>
+          <a:chExt cx="0" cy="0"/>
+        </a:xfrm>
+      </p:grpSpPr>
+      <p:grpSp>
+        <p:nvGrpSpPr>
+          <p:cNvPr id="4" name="Group 3">
+            <a:extLst>
+              <a:ext uri="{FF2B5EF4-FFF2-40B4-BE49-F238E27FC236}">
+                <a16:creationId xmlns:a16="http://schemas.microsoft.com/office/drawing/2014/main" id="{A1F707F8-A056-42DE-AD71-80B03A8C09FC}"/>
+              </a:ext>
+            </a:extLst>
+          </p:cNvPr>
+          <p:cNvGrpSpPr/>
+          <p:nvPr/>
+        </p:nvGrpSpPr>
+        <p:grpSpPr>
+          <a:xfrm>
+            <a:off x="4004732" y="554716"/>
+            <a:ext cx="7272868" cy="6186309"/>
+            <a:chOff x="237065" y="453116"/>
+            <a:chExt cx="7272868" cy="6186309"/>
+          </a:xfrm>
+        </p:grpSpPr>
+        <p:sp>
+          <p:nvSpPr>
+            <p:cNvPr id="2" name="Rectangle 1">
+              <a:extLst>
+                <a:ext uri="{FF2B5EF4-FFF2-40B4-BE49-F238E27FC236}">
+                  <a16:creationId xmlns:a16="http://schemas.microsoft.com/office/drawing/2014/main" id="{9AA44814-692A-4CC4-9E15-AF66C4C8B5C7}"/>
+                </a:ext>
+              </a:extLst>
+            </p:cNvPr>
+            <p:cNvSpPr/>
+            <p:nvPr/>
+          </p:nvSpPr>
+          <p:spPr>
+            <a:xfrm>
+              <a:off x="829732" y="453116"/>
+              <a:ext cx="6680201" cy="6186309"/>
+            </a:xfrm>
+            <a:prstGeom prst="rect">
+              <a:avLst/>
+            </a:prstGeom>
+            <a:solidFill>
+              <a:schemeClr val="tx1"/>
+            </a:solidFill>
+          </p:spPr>
+          <p:txBody>
+            <a:bodyPr wrap="square">
+              <a:spAutoFit/>
+            </a:bodyPr>
+            <a:lstStyle/>
+            <a:p>
+              <a:r>
+                <a:rPr lang="en-US" b="0" dirty="0">
+                  <a:solidFill>
+                    <a:srgbClr val="569CD6"/>
+                  </a:solidFill>
+                  <a:effectLst/>
+                  <a:latin typeface="Consolas" panose="020B0609020204030204" pitchFamily="49" charset="0"/>
+                </a:rPr>
+                <a:t>public</a:t>
+              </a:r>
+              <a:r>
+                <a:rPr lang="en-US" b="0" dirty="0">
+                  <a:solidFill>
+                    <a:srgbClr val="D4D4D4"/>
+                  </a:solidFill>
+                  <a:effectLst/>
+                  <a:latin typeface="Consolas" panose="020B0609020204030204" pitchFamily="49" charset="0"/>
+                </a:rPr>
+                <a:t> </a:t>
+              </a:r>
+              <a:r>
+                <a:rPr lang="en-US" b="0" dirty="0">
+                  <a:solidFill>
+                    <a:srgbClr val="569CD6"/>
+                  </a:solidFill>
+                  <a:effectLst/>
+                  <a:latin typeface="Consolas" panose="020B0609020204030204" pitchFamily="49" charset="0"/>
+                </a:rPr>
+                <a:t>class</a:t>
+              </a:r>
+              <a:r>
+                <a:rPr lang="en-US" b="0" dirty="0">
+                  <a:solidFill>
+                    <a:srgbClr val="D4D4D4"/>
+                  </a:solidFill>
+                  <a:effectLst/>
+                  <a:latin typeface="Consolas" panose="020B0609020204030204" pitchFamily="49" charset="0"/>
+                </a:rPr>
+                <a:t> </a:t>
+              </a:r>
+              <a:r>
+                <a:rPr lang="en-US" b="0" dirty="0" err="1">
+                  <a:solidFill>
+                    <a:srgbClr val="4EC9B0"/>
+                  </a:solidFill>
+                  <a:effectLst/>
+                  <a:latin typeface="Consolas" panose="020B0609020204030204" pitchFamily="49" charset="0"/>
+                </a:rPr>
+                <a:t>Imprime</a:t>
+              </a:r>
+              <a:r>
+                <a:rPr lang="en-US" b="0" dirty="0">
+                  <a:solidFill>
+                    <a:srgbClr val="D4D4D4"/>
+                  </a:solidFill>
+                  <a:effectLst/>
+                  <a:latin typeface="Consolas" panose="020B0609020204030204" pitchFamily="49" charset="0"/>
+                </a:rPr>
+                <a:t> {</a:t>
+              </a:r>
+            </a:p>
+            <a:p>
+              <a:r>
+                <a:rPr lang="en-US" b="0" dirty="0">
+                  <a:solidFill>
+                    <a:srgbClr val="D4D4D4"/>
+                  </a:solidFill>
+                  <a:effectLst/>
+                  <a:latin typeface="Consolas" panose="020B0609020204030204" pitchFamily="49" charset="0"/>
+                </a:rPr>
+                <a:t>    </a:t>
+              </a:r>
+            </a:p>
+            <a:p>
+              <a:r>
+                <a:rPr lang="en-US" b="0" dirty="0">
+                  <a:solidFill>
+                    <a:srgbClr val="D4D4D4"/>
+                  </a:solidFill>
+                  <a:effectLst/>
+                  <a:latin typeface="Consolas" panose="020B0609020204030204" pitchFamily="49" charset="0"/>
+                </a:rPr>
+                <a:t>    </a:t>
+              </a:r>
+              <a:r>
+                <a:rPr lang="en-US" b="0" dirty="0">
+                  <a:solidFill>
+                    <a:srgbClr val="569CD6"/>
+                  </a:solidFill>
+                  <a:effectLst/>
+                  <a:latin typeface="Consolas" panose="020B0609020204030204" pitchFamily="49" charset="0"/>
+                </a:rPr>
+                <a:t>public</a:t>
+              </a:r>
+              <a:r>
+                <a:rPr lang="en-US" b="0" dirty="0">
+                  <a:solidFill>
+                    <a:srgbClr val="D4D4D4"/>
+                  </a:solidFill>
+                  <a:effectLst/>
+                  <a:latin typeface="Consolas" panose="020B0609020204030204" pitchFamily="49" charset="0"/>
+                </a:rPr>
+                <a:t> </a:t>
+              </a:r>
+              <a:r>
+                <a:rPr lang="en-US" b="0" dirty="0">
+                  <a:solidFill>
+                    <a:srgbClr val="569CD6"/>
+                  </a:solidFill>
+                  <a:effectLst/>
+                  <a:latin typeface="Consolas" panose="020B0609020204030204" pitchFamily="49" charset="0"/>
+                </a:rPr>
+                <a:t>static</a:t>
+              </a:r>
+              <a:r>
+                <a:rPr lang="en-US" b="0" dirty="0">
+                  <a:solidFill>
+                    <a:srgbClr val="D4D4D4"/>
+                  </a:solidFill>
+                  <a:effectLst/>
+                  <a:latin typeface="Consolas" panose="020B0609020204030204" pitchFamily="49" charset="0"/>
+                </a:rPr>
+                <a:t> </a:t>
+              </a:r>
+              <a:r>
+                <a:rPr lang="en-US" b="0" dirty="0">
+                  <a:solidFill>
+                    <a:srgbClr val="4EC9B0"/>
+                  </a:solidFill>
+                  <a:effectLst/>
+                  <a:latin typeface="Consolas" panose="020B0609020204030204" pitchFamily="49" charset="0"/>
+                </a:rPr>
+                <a:t>void</a:t>
+              </a:r>
+              <a:r>
+                <a:rPr lang="en-US" b="0" dirty="0">
+                  <a:solidFill>
+                    <a:srgbClr val="D4D4D4"/>
+                  </a:solidFill>
+                  <a:effectLst/>
+                  <a:latin typeface="Consolas" panose="020B0609020204030204" pitchFamily="49" charset="0"/>
+                </a:rPr>
+                <a:t> </a:t>
+              </a:r>
+              <a:r>
+                <a:rPr lang="en-US" b="0" dirty="0">
+                  <a:solidFill>
+                    <a:srgbClr val="DCDCAA"/>
+                  </a:solidFill>
+                  <a:effectLst/>
+                  <a:latin typeface="Consolas" panose="020B0609020204030204" pitchFamily="49" charset="0"/>
+                </a:rPr>
+                <a:t>main</a:t>
+              </a:r>
+              <a:r>
+                <a:rPr lang="en-US" b="0" dirty="0">
+                  <a:solidFill>
+                    <a:srgbClr val="D4D4D4"/>
+                  </a:solidFill>
+                  <a:effectLst/>
+                  <a:latin typeface="Consolas" panose="020B0609020204030204" pitchFamily="49" charset="0"/>
+                </a:rPr>
+                <a:t>(</a:t>
+              </a:r>
+              <a:r>
+                <a:rPr lang="en-US" b="0" dirty="0">
+                  <a:solidFill>
+                    <a:srgbClr val="4EC9B0"/>
+                  </a:solidFill>
+                  <a:effectLst/>
+                  <a:latin typeface="Consolas" panose="020B0609020204030204" pitchFamily="49" charset="0"/>
+                </a:rPr>
+                <a:t>String</a:t>
+              </a:r>
+              <a:r>
+                <a:rPr lang="en-US" b="0" dirty="0">
+                  <a:solidFill>
+                    <a:srgbClr val="D4D4D4"/>
+                  </a:solidFill>
+                  <a:effectLst/>
+                  <a:latin typeface="Consolas" panose="020B0609020204030204" pitchFamily="49" charset="0"/>
+                </a:rPr>
+                <a:t>[] </a:t>
+              </a:r>
+              <a:r>
+                <a:rPr lang="en-US" b="0" dirty="0" err="1">
+                  <a:solidFill>
+                    <a:srgbClr val="9CDCFE"/>
+                  </a:solidFill>
+                  <a:effectLst/>
+                  <a:latin typeface="Consolas" panose="020B0609020204030204" pitchFamily="49" charset="0"/>
+                </a:rPr>
+                <a:t>args</a:t>
+              </a:r>
+              <a:r>
+                <a:rPr lang="en-US" b="0" dirty="0">
+                  <a:solidFill>
+                    <a:srgbClr val="D4D4D4"/>
+                  </a:solidFill>
+                  <a:effectLst/>
+                  <a:latin typeface="Consolas" panose="020B0609020204030204" pitchFamily="49" charset="0"/>
+                </a:rPr>
+                <a:t>){</a:t>
+              </a:r>
+            </a:p>
+            <a:p>
+              <a:br>
+                <a:rPr lang="en-US" b="0" dirty="0">
+                  <a:solidFill>
+                    <a:srgbClr val="D4D4D4"/>
+                  </a:solidFill>
+                  <a:effectLst/>
+                  <a:latin typeface="Consolas" panose="020B0609020204030204" pitchFamily="49" charset="0"/>
+                </a:rPr>
+              </a:br>
+              <a:r>
+                <a:rPr lang="en-US" b="0" dirty="0">
+                  <a:solidFill>
+                    <a:srgbClr val="D4D4D4"/>
+                  </a:solidFill>
+                  <a:effectLst/>
+                  <a:latin typeface="Consolas" panose="020B0609020204030204" pitchFamily="49" charset="0"/>
+                </a:rPr>
+                <a:t>        </a:t>
+              </a:r>
+              <a:r>
+                <a:rPr lang="en-US" b="0" dirty="0">
+                  <a:solidFill>
+                    <a:srgbClr val="4EC9B0"/>
+                  </a:solidFill>
+                  <a:effectLst/>
+                  <a:latin typeface="Consolas" panose="020B0609020204030204" pitchFamily="49" charset="0"/>
+                </a:rPr>
+                <a:t>int</a:t>
+              </a:r>
+              <a:r>
+                <a:rPr lang="en-US" b="0" dirty="0">
+                  <a:solidFill>
+                    <a:srgbClr val="D4D4D4"/>
+                  </a:solidFill>
+                  <a:effectLst/>
+                  <a:latin typeface="Consolas" panose="020B0609020204030204" pitchFamily="49" charset="0"/>
+                </a:rPr>
+                <a:t> </a:t>
+              </a:r>
+              <a:r>
+                <a:rPr lang="en-US" b="0" dirty="0">
+                  <a:solidFill>
+                    <a:srgbClr val="9CDCFE"/>
+                  </a:solidFill>
+                  <a:effectLst/>
+                  <a:latin typeface="Consolas" panose="020B0609020204030204" pitchFamily="49" charset="0"/>
+                </a:rPr>
+                <a:t>a</a:t>
+              </a:r>
+              <a:r>
+                <a:rPr lang="en-US" b="0" dirty="0">
+                  <a:solidFill>
+                    <a:srgbClr val="D4D4D4"/>
+                  </a:solidFill>
+                  <a:effectLst/>
+                  <a:latin typeface="Consolas" panose="020B0609020204030204" pitchFamily="49" charset="0"/>
+                </a:rPr>
+                <a:t> = </a:t>
+              </a:r>
+              <a:r>
+                <a:rPr lang="en-US" b="0" dirty="0">
+                  <a:solidFill>
+                    <a:srgbClr val="B5CEA8"/>
+                  </a:solidFill>
+                  <a:effectLst/>
+                  <a:latin typeface="Consolas" panose="020B0609020204030204" pitchFamily="49" charset="0"/>
+                </a:rPr>
+                <a:t>0</a:t>
+              </a:r>
+              <a:r>
+                <a:rPr lang="en-US" b="0" dirty="0">
+                  <a:solidFill>
+                    <a:srgbClr val="D4D4D4"/>
+                  </a:solidFill>
+                  <a:effectLst/>
+                  <a:latin typeface="Consolas" panose="020B0609020204030204" pitchFamily="49" charset="0"/>
+                </a:rPr>
+                <a:t>, </a:t>
+              </a:r>
+              <a:r>
+                <a:rPr lang="en-US" b="0" dirty="0">
+                  <a:solidFill>
+                    <a:srgbClr val="9CDCFE"/>
+                  </a:solidFill>
+                  <a:effectLst/>
+                  <a:latin typeface="Consolas" panose="020B0609020204030204" pitchFamily="49" charset="0"/>
+                </a:rPr>
+                <a:t>b</a:t>
+              </a:r>
+              <a:r>
+                <a:rPr lang="en-US" b="0" dirty="0">
+                  <a:solidFill>
+                    <a:srgbClr val="D4D4D4"/>
+                  </a:solidFill>
+                  <a:effectLst/>
+                  <a:latin typeface="Consolas" panose="020B0609020204030204" pitchFamily="49" charset="0"/>
+                </a:rPr>
+                <a:t> = </a:t>
+              </a:r>
+              <a:r>
+                <a:rPr lang="en-US" b="0" dirty="0">
+                  <a:solidFill>
+                    <a:srgbClr val="B5CEA8"/>
+                  </a:solidFill>
+                  <a:effectLst/>
+                  <a:latin typeface="Consolas" panose="020B0609020204030204" pitchFamily="49" charset="0"/>
+                </a:rPr>
+                <a:t>10</a:t>
+              </a:r>
+              <a:r>
+                <a:rPr lang="en-US" b="0" dirty="0">
+                  <a:solidFill>
+                    <a:srgbClr val="D4D4D4"/>
+                  </a:solidFill>
+                  <a:effectLst/>
+                  <a:latin typeface="Consolas" panose="020B0609020204030204" pitchFamily="49" charset="0"/>
+                </a:rPr>
+                <a:t>, </a:t>
+              </a:r>
+              <a:r>
+                <a:rPr lang="en-US" b="0" dirty="0">
+                  <a:solidFill>
+                    <a:srgbClr val="9CDCFE"/>
+                  </a:solidFill>
+                  <a:effectLst/>
+                  <a:latin typeface="Consolas" panose="020B0609020204030204" pitchFamily="49" charset="0"/>
+                </a:rPr>
+                <a:t>c</a:t>
+              </a:r>
+              <a:r>
+                <a:rPr lang="en-US" b="0" dirty="0">
+                  <a:solidFill>
+                    <a:srgbClr val="D4D4D4"/>
+                  </a:solidFill>
+                  <a:effectLst/>
+                  <a:latin typeface="Consolas" panose="020B0609020204030204" pitchFamily="49" charset="0"/>
+                </a:rPr>
+                <a:t> = </a:t>
+              </a:r>
+              <a:r>
+                <a:rPr lang="en-US" b="0" dirty="0">
+                  <a:solidFill>
+                    <a:srgbClr val="B5CEA8"/>
+                  </a:solidFill>
+                  <a:effectLst/>
+                  <a:latin typeface="Consolas" panose="020B0609020204030204" pitchFamily="49" charset="0"/>
+                </a:rPr>
+                <a:t>1</a:t>
+              </a:r>
+              <a:r>
+                <a:rPr lang="en-US" b="0" dirty="0">
+                  <a:solidFill>
+                    <a:srgbClr val="D4D4D4"/>
+                  </a:solidFill>
+                  <a:effectLst/>
+                  <a:latin typeface="Consolas" panose="020B0609020204030204" pitchFamily="49" charset="0"/>
+                </a:rPr>
+                <a:t>;</a:t>
+              </a:r>
+            </a:p>
+            <a:p>
+              <a:r>
+                <a:rPr lang="en-US" b="0" dirty="0">
+                  <a:solidFill>
+                    <a:srgbClr val="D4D4D4"/>
+                  </a:solidFill>
+                  <a:effectLst/>
+                  <a:latin typeface="Consolas" panose="020B0609020204030204" pitchFamily="49" charset="0"/>
+                </a:rPr>
+                <a:t>        </a:t>
+              </a:r>
+              <a:r>
+                <a:rPr lang="en-US" b="0" dirty="0">
+                  <a:solidFill>
+                    <a:srgbClr val="4EC9B0"/>
+                  </a:solidFill>
+                  <a:effectLst/>
+                  <a:latin typeface="Consolas" panose="020B0609020204030204" pitchFamily="49" charset="0"/>
+                </a:rPr>
+                <a:t>int</a:t>
+              </a:r>
+              <a:r>
+                <a:rPr lang="en-US" b="0" dirty="0">
+                  <a:solidFill>
+                    <a:srgbClr val="D4D4D4"/>
+                  </a:solidFill>
+                  <a:effectLst/>
+                  <a:latin typeface="Consolas" panose="020B0609020204030204" pitchFamily="49" charset="0"/>
+                </a:rPr>
+                <a:t> </a:t>
+              </a:r>
+              <a:r>
+                <a:rPr lang="en-US" b="0" dirty="0">
+                  <a:solidFill>
+                    <a:srgbClr val="9CDCFE"/>
+                  </a:solidFill>
+                  <a:effectLst/>
+                  <a:latin typeface="Consolas" panose="020B0609020204030204" pitchFamily="49" charset="0"/>
+                </a:rPr>
+                <a:t>result</a:t>
+              </a:r>
+              <a:r>
+                <a:rPr lang="en-US" b="0" dirty="0">
+                  <a:solidFill>
+                    <a:srgbClr val="D4D4D4"/>
+                  </a:solidFill>
+                  <a:effectLst/>
+                  <a:latin typeface="Consolas" panose="020B0609020204030204" pitchFamily="49" charset="0"/>
+                </a:rPr>
+                <a:t>;</a:t>
+              </a:r>
+            </a:p>
+            <a:p>
+              <a:br>
+                <a:rPr lang="en-US" b="0" dirty="0">
+                  <a:solidFill>
+                    <a:srgbClr val="D4D4D4"/>
+                  </a:solidFill>
+                  <a:effectLst/>
+                  <a:latin typeface="Consolas" panose="020B0609020204030204" pitchFamily="49" charset="0"/>
+                </a:rPr>
+              </a:br>
+              <a:r>
+                <a:rPr lang="en-US" b="0" dirty="0">
+                  <a:solidFill>
+                    <a:srgbClr val="D4D4D4"/>
+                  </a:solidFill>
+                  <a:effectLst/>
+                  <a:latin typeface="Consolas" panose="020B0609020204030204" pitchFamily="49" charset="0"/>
+                </a:rPr>
+                <a:t>        </a:t>
+              </a:r>
+              <a:r>
+                <a:rPr lang="en-US" b="0" dirty="0">
+                  <a:solidFill>
+                    <a:srgbClr val="9CDCFE"/>
+                  </a:solidFill>
+                  <a:effectLst/>
+                  <a:latin typeface="Consolas" panose="020B0609020204030204" pitchFamily="49" charset="0"/>
+                </a:rPr>
+                <a:t>result</a:t>
+              </a:r>
+              <a:r>
+                <a:rPr lang="en-US" b="0" dirty="0">
+                  <a:solidFill>
+                    <a:srgbClr val="D4D4D4"/>
+                  </a:solidFill>
+                  <a:effectLst/>
+                  <a:latin typeface="Consolas" panose="020B0609020204030204" pitchFamily="49" charset="0"/>
+                </a:rPr>
+                <a:t> = </a:t>
+              </a:r>
+              <a:r>
+                <a:rPr lang="en-US" b="0" dirty="0">
+                  <a:solidFill>
+                    <a:srgbClr val="9CDCFE"/>
+                  </a:solidFill>
+                  <a:effectLst/>
+                  <a:latin typeface="Consolas" panose="020B0609020204030204" pitchFamily="49" charset="0"/>
+                </a:rPr>
+                <a:t>a</a:t>
+              </a:r>
+              <a:r>
+                <a:rPr lang="en-US" b="0" dirty="0">
+                  <a:solidFill>
+                    <a:srgbClr val="D4D4D4"/>
+                  </a:solidFill>
+                  <a:effectLst/>
+                  <a:latin typeface="Consolas" panose="020B0609020204030204" pitchFamily="49" charset="0"/>
+                </a:rPr>
+                <a:t>++ * </a:t>
+              </a:r>
+              <a:r>
+                <a:rPr lang="en-US" b="0" dirty="0">
+                  <a:solidFill>
+                    <a:srgbClr val="9CDCFE"/>
+                  </a:solidFill>
+                  <a:effectLst/>
+                  <a:latin typeface="Consolas" panose="020B0609020204030204" pitchFamily="49" charset="0"/>
+                </a:rPr>
+                <a:t>b</a:t>
+              </a:r>
+              <a:r>
+                <a:rPr lang="en-US" b="0" dirty="0">
+                  <a:solidFill>
+                    <a:srgbClr val="D4D4D4"/>
+                  </a:solidFill>
+                  <a:effectLst/>
+                  <a:latin typeface="Consolas" panose="020B0609020204030204" pitchFamily="49" charset="0"/>
+                </a:rPr>
+                <a:t> - ++</a:t>
+              </a:r>
+              <a:r>
+                <a:rPr lang="en-US" b="0" dirty="0">
+                  <a:solidFill>
+                    <a:srgbClr val="9CDCFE"/>
+                  </a:solidFill>
+                  <a:effectLst/>
+                  <a:latin typeface="Consolas" panose="020B0609020204030204" pitchFamily="49" charset="0"/>
+                </a:rPr>
+                <a:t>c</a:t>
+              </a:r>
+              <a:r>
+                <a:rPr lang="en-US" b="0" dirty="0">
+                  <a:solidFill>
+                    <a:srgbClr val="D4D4D4"/>
+                  </a:solidFill>
+                  <a:effectLst/>
+                  <a:latin typeface="Consolas" panose="020B0609020204030204" pitchFamily="49" charset="0"/>
+                </a:rPr>
+                <a:t>;</a:t>
+              </a:r>
+            </a:p>
+            <a:p>
+              <a:r>
+                <a:rPr lang="en-US" b="0" dirty="0">
+                  <a:solidFill>
+                    <a:srgbClr val="D4D4D4"/>
+                  </a:solidFill>
+                  <a:effectLst/>
+                  <a:latin typeface="Consolas" panose="020B0609020204030204" pitchFamily="49" charset="0"/>
+                </a:rPr>
+                <a:t>        </a:t>
+              </a:r>
+              <a:r>
+                <a:rPr lang="en-US" b="0" dirty="0" err="1">
+                  <a:solidFill>
+                    <a:srgbClr val="4EC9B0"/>
+                  </a:solidFill>
+                  <a:effectLst/>
+                  <a:latin typeface="Consolas" panose="020B0609020204030204" pitchFamily="49" charset="0"/>
+                </a:rPr>
+                <a:t>System</a:t>
+              </a:r>
+              <a:r>
+                <a:rPr lang="en-US" b="0" dirty="0" err="1">
+                  <a:solidFill>
+                    <a:srgbClr val="D4D4D4"/>
+                  </a:solidFill>
+                  <a:effectLst/>
+                  <a:latin typeface="Consolas" panose="020B0609020204030204" pitchFamily="49" charset="0"/>
+                </a:rPr>
+                <a:t>.</a:t>
+              </a:r>
+              <a:r>
+                <a:rPr lang="en-US" b="0" dirty="0" err="1">
+                  <a:solidFill>
+                    <a:srgbClr val="4FC1FF"/>
+                  </a:solidFill>
+                  <a:effectLst/>
+                  <a:latin typeface="Consolas" panose="020B0609020204030204" pitchFamily="49" charset="0"/>
+                </a:rPr>
+                <a:t>out</a:t>
+              </a:r>
+              <a:r>
+                <a:rPr lang="en-US" b="0" dirty="0" err="1">
+                  <a:solidFill>
+                    <a:srgbClr val="D4D4D4"/>
+                  </a:solidFill>
+                  <a:effectLst/>
+                  <a:latin typeface="Consolas" panose="020B0609020204030204" pitchFamily="49" charset="0"/>
+                </a:rPr>
+                <a:t>.</a:t>
+              </a:r>
+              <a:r>
+                <a:rPr lang="en-US" b="0" dirty="0" err="1">
+                  <a:solidFill>
+                    <a:srgbClr val="DCDCAA"/>
+                  </a:solidFill>
+                  <a:effectLst/>
+                  <a:latin typeface="Consolas" panose="020B0609020204030204" pitchFamily="49" charset="0"/>
+                </a:rPr>
+                <a:t>println</a:t>
+              </a:r>
+              <a:r>
+                <a:rPr lang="en-US" b="0" dirty="0">
+                  <a:solidFill>
+                    <a:srgbClr val="D4D4D4"/>
+                  </a:solidFill>
+                  <a:effectLst/>
+                  <a:latin typeface="Consolas" panose="020B0609020204030204" pitchFamily="49" charset="0"/>
+                </a:rPr>
+                <a:t>(</a:t>
+              </a:r>
+              <a:r>
+                <a:rPr lang="en-US" b="0" dirty="0">
+                  <a:solidFill>
+                    <a:srgbClr val="CE9178"/>
+                  </a:solidFill>
+                  <a:effectLst/>
+                  <a:latin typeface="Consolas" panose="020B0609020204030204" pitchFamily="49" charset="0"/>
+                </a:rPr>
+                <a:t>"Step 1: "</a:t>
+              </a:r>
+              <a:r>
+                <a:rPr lang="en-US" b="0" dirty="0">
+                  <a:solidFill>
+                    <a:srgbClr val="D4D4D4"/>
+                  </a:solidFill>
+                  <a:effectLst/>
+                  <a:latin typeface="Consolas" panose="020B0609020204030204" pitchFamily="49" charset="0"/>
+                </a:rPr>
+                <a:t> + </a:t>
+              </a:r>
+              <a:r>
+                <a:rPr lang="en-US" b="0" dirty="0">
+                  <a:solidFill>
+                    <a:srgbClr val="9CDCFE"/>
+                  </a:solidFill>
+                  <a:effectLst/>
+                  <a:latin typeface="Consolas" panose="020B0609020204030204" pitchFamily="49" charset="0"/>
+                </a:rPr>
+                <a:t>result</a:t>
+              </a:r>
+              <a:r>
+                <a:rPr lang="en-US" b="0" dirty="0">
+                  <a:solidFill>
+                    <a:srgbClr val="D4D4D4"/>
+                  </a:solidFill>
+                  <a:effectLst/>
+                  <a:latin typeface="Consolas" panose="020B0609020204030204" pitchFamily="49" charset="0"/>
+                </a:rPr>
+                <a:t>);</a:t>
+              </a:r>
+            </a:p>
+            <a:p>
+              <a:br>
+                <a:rPr lang="en-US" b="0" dirty="0">
+                  <a:solidFill>
+                    <a:srgbClr val="D4D4D4"/>
+                  </a:solidFill>
+                  <a:effectLst/>
+                  <a:latin typeface="Consolas" panose="020B0609020204030204" pitchFamily="49" charset="0"/>
+                </a:rPr>
+              </a:br>
+              <a:r>
+                <a:rPr lang="en-US" b="0" dirty="0">
+                  <a:solidFill>
+                    <a:srgbClr val="D4D4D4"/>
+                  </a:solidFill>
+                  <a:effectLst/>
+                  <a:latin typeface="Consolas" panose="020B0609020204030204" pitchFamily="49" charset="0"/>
+                </a:rPr>
+                <a:t>        </a:t>
+              </a:r>
+              <a:r>
+                <a:rPr lang="en-US" b="0" dirty="0">
+                  <a:solidFill>
+                    <a:srgbClr val="9CDCFE"/>
+                  </a:solidFill>
+                  <a:effectLst/>
+                  <a:latin typeface="Consolas" panose="020B0609020204030204" pitchFamily="49" charset="0"/>
+                </a:rPr>
+                <a:t>result</a:t>
+              </a:r>
+              <a:r>
+                <a:rPr lang="en-US" b="0" dirty="0">
+                  <a:solidFill>
+                    <a:srgbClr val="D4D4D4"/>
+                  </a:solidFill>
+                  <a:effectLst/>
+                  <a:latin typeface="Consolas" panose="020B0609020204030204" pitchFamily="49" charset="0"/>
+                </a:rPr>
+                <a:t> = (-</a:t>
+              </a:r>
+              <a:r>
+                <a:rPr lang="en-US" b="0" dirty="0">
+                  <a:solidFill>
+                    <a:srgbClr val="9CDCFE"/>
+                  </a:solidFill>
+                  <a:effectLst/>
+                  <a:latin typeface="Consolas" panose="020B0609020204030204" pitchFamily="49" charset="0"/>
+                </a:rPr>
+                <a:t>result</a:t>
+              </a:r>
+              <a:r>
+                <a:rPr lang="en-US" b="0" dirty="0">
+                  <a:solidFill>
+                    <a:srgbClr val="D4D4D4"/>
+                  </a:solidFill>
+                  <a:effectLst/>
+                  <a:latin typeface="Consolas" panose="020B0609020204030204" pitchFamily="49" charset="0"/>
+                </a:rPr>
+                <a:t>) % (</a:t>
+              </a:r>
+              <a:r>
+                <a:rPr lang="en-US" b="0" dirty="0">
+                  <a:solidFill>
+                    <a:srgbClr val="9CDCFE"/>
+                  </a:solidFill>
+                  <a:effectLst/>
+                  <a:latin typeface="Consolas" panose="020B0609020204030204" pitchFamily="49" charset="0"/>
+                </a:rPr>
+                <a:t>b</a:t>
+              </a:r>
+              <a:r>
+                <a:rPr lang="en-US" b="0" dirty="0">
+                  <a:solidFill>
+                    <a:srgbClr val="D4D4D4"/>
+                  </a:solidFill>
+                  <a:effectLst/>
+                  <a:latin typeface="Consolas" panose="020B0609020204030204" pitchFamily="49" charset="0"/>
+                </a:rPr>
+                <a:t>/++</a:t>
+              </a:r>
+              <a:r>
+                <a:rPr lang="en-US" b="0" dirty="0">
+                  <a:solidFill>
+                    <a:srgbClr val="9CDCFE"/>
+                  </a:solidFill>
+                  <a:effectLst/>
+                  <a:latin typeface="Consolas" panose="020B0609020204030204" pitchFamily="49" charset="0"/>
+                </a:rPr>
+                <a:t>c</a:t>
+              </a:r>
+              <a:r>
+                <a:rPr lang="en-US" b="0" dirty="0">
+                  <a:solidFill>
+                    <a:srgbClr val="D4D4D4"/>
+                  </a:solidFill>
+                  <a:effectLst/>
+                  <a:latin typeface="Consolas" panose="020B0609020204030204" pitchFamily="49" charset="0"/>
+                </a:rPr>
+                <a:t>);</a:t>
+              </a:r>
+            </a:p>
+            <a:p>
+              <a:r>
+                <a:rPr lang="en-US" b="0" dirty="0">
+                  <a:solidFill>
+                    <a:srgbClr val="D4D4D4"/>
+                  </a:solidFill>
+                  <a:effectLst/>
+                  <a:latin typeface="Consolas" panose="020B0609020204030204" pitchFamily="49" charset="0"/>
+                </a:rPr>
+                <a:t>        </a:t>
+              </a:r>
+              <a:r>
+                <a:rPr lang="en-US" b="0" dirty="0" err="1">
+                  <a:solidFill>
+                    <a:srgbClr val="4EC9B0"/>
+                  </a:solidFill>
+                  <a:effectLst/>
+                  <a:latin typeface="Consolas" panose="020B0609020204030204" pitchFamily="49" charset="0"/>
+                </a:rPr>
+                <a:t>System</a:t>
+              </a:r>
+              <a:r>
+                <a:rPr lang="en-US" b="0" dirty="0" err="1">
+                  <a:solidFill>
+                    <a:srgbClr val="D4D4D4"/>
+                  </a:solidFill>
+                  <a:effectLst/>
+                  <a:latin typeface="Consolas" panose="020B0609020204030204" pitchFamily="49" charset="0"/>
+                </a:rPr>
+                <a:t>.</a:t>
+              </a:r>
+              <a:r>
+                <a:rPr lang="en-US" b="0" dirty="0" err="1">
+                  <a:solidFill>
+                    <a:srgbClr val="4FC1FF"/>
+                  </a:solidFill>
+                  <a:effectLst/>
+                  <a:latin typeface="Consolas" panose="020B0609020204030204" pitchFamily="49" charset="0"/>
+                </a:rPr>
+                <a:t>out</a:t>
+              </a:r>
+              <a:r>
+                <a:rPr lang="en-US" b="0" dirty="0" err="1">
+                  <a:solidFill>
+                    <a:srgbClr val="D4D4D4"/>
+                  </a:solidFill>
+                  <a:effectLst/>
+                  <a:latin typeface="Consolas" panose="020B0609020204030204" pitchFamily="49" charset="0"/>
+                </a:rPr>
+                <a:t>.</a:t>
+              </a:r>
+              <a:r>
+                <a:rPr lang="en-US" b="0" dirty="0" err="1">
+                  <a:solidFill>
+                    <a:srgbClr val="DCDCAA"/>
+                  </a:solidFill>
+                  <a:effectLst/>
+                  <a:latin typeface="Consolas" panose="020B0609020204030204" pitchFamily="49" charset="0"/>
+                </a:rPr>
+                <a:t>println</a:t>
+              </a:r>
+              <a:r>
+                <a:rPr lang="en-US" b="0" dirty="0">
+                  <a:solidFill>
+                    <a:srgbClr val="D4D4D4"/>
+                  </a:solidFill>
+                  <a:effectLst/>
+                  <a:latin typeface="Consolas" panose="020B0609020204030204" pitchFamily="49" charset="0"/>
+                </a:rPr>
+                <a:t>(</a:t>
+              </a:r>
+              <a:r>
+                <a:rPr lang="en-US" b="0" dirty="0">
+                  <a:solidFill>
+                    <a:srgbClr val="CE9178"/>
+                  </a:solidFill>
+                  <a:effectLst/>
+                  <a:latin typeface="Consolas" panose="020B0609020204030204" pitchFamily="49" charset="0"/>
+                </a:rPr>
+                <a:t>"Step 2: "</a:t>
+              </a:r>
+              <a:r>
+                <a:rPr lang="en-US" b="0" dirty="0">
+                  <a:solidFill>
+                    <a:srgbClr val="D4D4D4"/>
+                  </a:solidFill>
+                  <a:effectLst/>
+                  <a:latin typeface="Consolas" panose="020B0609020204030204" pitchFamily="49" charset="0"/>
+                </a:rPr>
+                <a:t> + </a:t>
+              </a:r>
+              <a:r>
+                <a:rPr lang="en-US" b="0" dirty="0">
+                  <a:solidFill>
+                    <a:srgbClr val="9CDCFE"/>
+                  </a:solidFill>
+                  <a:effectLst/>
+                  <a:latin typeface="Consolas" panose="020B0609020204030204" pitchFamily="49" charset="0"/>
+                </a:rPr>
+                <a:t>result</a:t>
+              </a:r>
+              <a:r>
+                <a:rPr lang="en-US" b="0" dirty="0">
+                  <a:solidFill>
+                    <a:srgbClr val="D4D4D4"/>
+                  </a:solidFill>
+                  <a:effectLst/>
+                  <a:latin typeface="Consolas" panose="020B0609020204030204" pitchFamily="49" charset="0"/>
+                </a:rPr>
+                <a:t>);</a:t>
+              </a:r>
+            </a:p>
+            <a:p>
+              <a:br>
+                <a:rPr lang="en-US" b="0" dirty="0">
+                  <a:solidFill>
+                    <a:srgbClr val="D4D4D4"/>
+                  </a:solidFill>
+                  <a:effectLst/>
+                  <a:latin typeface="Consolas" panose="020B0609020204030204" pitchFamily="49" charset="0"/>
+                </a:rPr>
+              </a:br>
+              <a:r>
+                <a:rPr lang="en-US" b="0" dirty="0">
+                  <a:solidFill>
+                    <a:srgbClr val="D4D4D4"/>
+                  </a:solidFill>
+                  <a:effectLst/>
+                  <a:latin typeface="Consolas" panose="020B0609020204030204" pitchFamily="49" charset="0"/>
+                </a:rPr>
+                <a:t>        </a:t>
+              </a:r>
+              <a:r>
+                <a:rPr lang="en-US" b="0" dirty="0">
+                  <a:solidFill>
+                    <a:srgbClr val="9CDCFE"/>
+                  </a:solidFill>
+                  <a:effectLst/>
+                  <a:latin typeface="Consolas" panose="020B0609020204030204" pitchFamily="49" charset="0"/>
+                </a:rPr>
+                <a:t>result</a:t>
+              </a:r>
+              <a:r>
+                <a:rPr lang="en-US" b="0" dirty="0">
+                  <a:solidFill>
+                    <a:srgbClr val="D4D4D4"/>
+                  </a:solidFill>
+                  <a:effectLst/>
+                  <a:latin typeface="Consolas" panose="020B0609020204030204" pitchFamily="49" charset="0"/>
+                </a:rPr>
+                <a:t> = </a:t>
+              </a:r>
+              <a:r>
+                <a:rPr lang="en-US" b="0" dirty="0">
+                  <a:solidFill>
+                    <a:srgbClr val="9CDCFE"/>
+                  </a:solidFill>
+                  <a:effectLst/>
+                  <a:latin typeface="Consolas" panose="020B0609020204030204" pitchFamily="49" charset="0"/>
+                </a:rPr>
+                <a:t>a</a:t>
+              </a:r>
+              <a:r>
+                <a:rPr lang="en-US" b="0" dirty="0">
+                  <a:solidFill>
+                    <a:srgbClr val="D4D4D4"/>
+                  </a:solidFill>
+                  <a:effectLst/>
+                  <a:latin typeface="Consolas" panose="020B0609020204030204" pitchFamily="49" charset="0"/>
+                </a:rPr>
+                <a:t>*</a:t>
+              </a:r>
+              <a:r>
+                <a:rPr lang="en-US" b="0" dirty="0">
+                  <a:solidFill>
+                    <a:srgbClr val="9CDCFE"/>
+                  </a:solidFill>
+                  <a:effectLst/>
+                  <a:latin typeface="Consolas" panose="020B0609020204030204" pitchFamily="49" charset="0"/>
+                </a:rPr>
+                <a:t>b</a:t>
+              </a:r>
+              <a:r>
+                <a:rPr lang="en-US" b="0" dirty="0">
+                  <a:solidFill>
+                    <a:srgbClr val="D4D4D4"/>
+                  </a:solidFill>
+                  <a:effectLst/>
+                  <a:latin typeface="Consolas" panose="020B0609020204030204" pitchFamily="49" charset="0"/>
+                </a:rPr>
+                <a:t>*</a:t>
+              </a:r>
+              <a:r>
+                <a:rPr lang="en-US" b="0" dirty="0">
+                  <a:solidFill>
+                    <a:srgbClr val="9CDCFE"/>
+                  </a:solidFill>
+                  <a:effectLst/>
+                  <a:latin typeface="Consolas" panose="020B0609020204030204" pitchFamily="49" charset="0"/>
+                </a:rPr>
+                <a:t>c</a:t>
+              </a:r>
+              <a:r>
+                <a:rPr lang="en-US" b="0" dirty="0">
+                  <a:solidFill>
+                    <a:srgbClr val="D4D4D4"/>
+                  </a:solidFill>
+                  <a:effectLst/>
+                  <a:latin typeface="Consolas" panose="020B0609020204030204" pitchFamily="49" charset="0"/>
+                </a:rPr>
+                <a:t>;</a:t>
+              </a:r>
+            </a:p>
+            <a:p>
+              <a:r>
+                <a:rPr lang="en-US" b="0" dirty="0">
+                  <a:solidFill>
+                    <a:srgbClr val="D4D4D4"/>
+                  </a:solidFill>
+                  <a:effectLst/>
+                  <a:latin typeface="Consolas" panose="020B0609020204030204" pitchFamily="49" charset="0"/>
+                </a:rPr>
+                <a:t>        </a:t>
+              </a:r>
+              <a:r>
+                <a:rPr lang="en-US" b="0" dirty="0" err="1">
+                  <a:solidFill>
+                    <a:srgbClr val="4EC9B0"/>
+                  </a:solidFill>
+                  <a:effectLst/>
+                  <a:latin typeface="Consolas" panose="020B0609020204030204" pitchFamily="49" charset="0"/>
+                </a:rPr>
+                <a:t>System</a:t>
+              </a:r>
+              <a:r>
+                <a:rPr lang="en-US" b="0" dirty="0" err="1">
+                  <a:solidFill>
+                    <a:srgbClr val="D4D4D4"/>
+                  </a:solidFill>
+                  <a:effectLst/>
+                  <a:latin typeface="Consolas" panose="020B0609020204030204" pitchFamily="49" charset="0"/>
+                </a:rPr>
+                <a:t>.</a:t>
+              </a:r>
+              <a:r>
+                <a:rPr lang="en-US" b="0" dirty="0" err="1">
+                  <a:solidFill>
+                    <a:srgbClr val="4FC1FF"/>
+                  </a:solidFill>
+                  <a:effectLst/>
+                  <a:latin typeface="Consolas" panose="020B0609020204030204" pitchFamily="49" charset="0"/>
+                </a:rPr>
+                <a:t>out</a:t>
+              </a:r>
+              <a:r>
+                <a:rPr lang="en-US" b="0" dirty="0" err="1">
+                  <a:solidFill>
+                    <a:srgbClr val="D4D4D4"/>
+                  </a:solidFill>
+                  <a:effectLst/>
+                  <a:latin typeface="Consolas" panose="020B0609020204030204" pitchFamily="49" charset="0"/>
+                </a:rPr>
+                <a:t>.</a:t>
+              </a:r>
+              <a:r>
+                <a:rPr lang="en-US" b="0" dirty="0" err="1">
+                  <a:solidFill>
+                    <a:srgbClr val="DCDCAA"/>
+                  </a:solidFill>
+                  <a:effectLst/>
+                  <a:latin typeface="Consolas" panose="020B0609020204030204" pitchFamily="49" charset="0"/>
+                </a:rPr>
+                <a:t>println</a:t>
+              </a:r>
+              <a:r>
+                <a:rPr lang="en-US" b="0" dirty="0">
+                  <a:solidFill>
+                    <a:srgbClr val="D4D4D4"/>
+                  </a:solidFill>
+                  <a:effectLst/>
+                  <a:latin typeface="Consolas" panose="020B0609020204030204" pitchFamily="49" charset="0"/>
+                </a:rPr>
+                <a:t>(</a:t>
+              </a:r>
+              <a:r>
+                <a:rPr lang="en-US" b="0" dirty="0">
+                  <a:solidFill>
+                    <a:srgbClr val="CE9178"/>
+                  </a:solidFill>
+                  <a:effectLst/>
+                  <a:latin typeface="Consolas" panose="020B0609020204030204" pitchFamily="49" charset="0"/>
+                </a:rPr>
+                <a:t>"Step 3: "</a:t>
+              </a:r>
+              <a:r>
+                <a:rPr lang="en-US" b="0" dirty="0">
+                  <a:solidFill>
+                    <a:srgbClr val="D4D4D4"/>
+                  </a:solidFill>
+                  <a:effectLst/>
+                  <a:latin typeface="Consolas" panose="020B0609020204030204" pitchFamily="49" charset="0"/>
+                </a:rPr>
+                <a:t> + </a:t>
+              </a:r>
+              <a:r>
+                <a:rPr lang="en-US" b="0" dirty="0">
+                  <a:solidFill>
+                    <a:srgbClr val="9CDCFE"/>
+                  </a:solidFill>
+                  <a:effectLst/>
+                  <a:latin typeface="Consolas" panose="020B0609020204030204" pitchFamily="49" charset="0"/>
+                </a:rPr>
+                <a:t>result</a:t>
+              </a:r>
+              <a:r>
+                <a:rPr lang="en-US" b="0" dirty="0">
+                  <a:solidFill>
+                    <a:srgbClr val="D4D4D4"/>
+                  </a:solidFill>
+                  <a:effectLst/>
+                  <a:latin typeface="Consolas" panose="020B0609020204030204" pitchFamily="49" charset="0"/>
+                </a:rPr>
+                <a:t>);</a:t>
+              </a:r>
+            </a:p>
+            <a:p>
+              <a:br>
+                <a:rPr lang="en-US" b="0" dirty="0">
+                  <a:solidFill>
+                    <a:srgbClr val="D4D4D4"/>
+                  </a:solidFill>
+                  <a:effectLst/>
+                  <a:latin typeface="Consolas" panose="020B0609020204030204" pitchFamily="49" charset="0"/>
+                </a:rPr>
+              </a:br>
+              <a:r>
+                <a:rPr lang="en-US" b="0" dirty="0">
+                  <a:solidFill>
+                    <a:srgbClr val="D4D4D4"/>
+                  </a:solidFill>
+                  <a:effectLst/>
+                  <a:latin typeface="Consolas" panose="020B0609020204030204" pitchFamily="49" charset="0"/>
+                </a:rPr>
+                <a:t>        </a:t>
+              </a:r>
+              <a:r>
+                <a:rPr lang="en-US" b="0" dirty="0">
+                  <a:solidFill>
+                    <a:srgbClr val="9CDCFE"/>
+                  </a:solidFill>
+                  <a:effectLst/>
+                  <a:latin typeface="Consolas" panose="020B0609020204030204" pitchFamily="49" charset="0"/>
+                </a:rPr>
+                <a:t>result</a:t>
+              </a:r>
+              <a:r>
+                <a:rPr lang="en-US" b="0" dirty="0">
+                  <a:solidFill>
+                    <a:srgbClr val="D4D4D4"/>
+                  </a:solidFill>
+                  <a:effectLst/>
+                  <a:latin typeface="Consolas" panose="020B0609020204030204" pitchFamily="49" charset="0"/>
+                </a:rPr>
+                <a:t> = </a:t>
+              </a:r>
+              <a:r>
+                <a:rPr lang="en-US" b="0" dirty="0">
+                  <a:solidFill>
+                    <a:srgbClr val="9CDCFE"/>
+                  </a:solidFill>
+                  <a:effectLst/>
+                  <a:latin typeface="Consolas" panose="020B0609020204030204" pitchFamily="49" charset="0"/>
+                </a:rPr>
+                <a:t>a</a:t>
+              </a:r>
+              <a:r>
+                <a:rPr lang="en-US" b="0" dirty="0">
+                  <a:solidFill>
+                    <a:srgbClr val="D4D4D4"/>
+                  </a:solidFill>
+                  <a:effectLst/>
+                  <a:latin typeface="Consolas" panose="020B0609020204030204" pitchFamily="49" charset="0"/>
+                </a:rPr>
+                <a:t> + </a:t>
+              </a:r>
+              <a:r>
+                <a:rPr lang="en-US" b="0" dirty="0">
+                  <a:solidFill>
+                    <a:srgbClr val="9CDCFE"/>
+                  </a:solidFill>
+                  <a:effectLst/>
+                  <a:latin typeface="Consolas" panose="020B0609020204030204" pitchFamily="49" charset="0"/>
+                </a:rPr>
+                <a:t>b</a:t>
+              </a:r>
+              <a:r>
+                <a:rPr lang="en-US" b="0" dirty="0">
+                  <a:solidFill>
+                    <a:srgbClr val="D4D4D4"/>
+                  </a:solidFill>
+                  <a:effectLst/>
+                  <a:latin typeface="Consolas" panose="020B0609020204030204" pitchFamily="49" charset="0"/>
+                </a:rPr>
+                <a:t> / </a:t>
+              </a:r>
+              <a:r>
+                <a:rPr lang="en-US" b="0" dirty="0">
+                  <a:solidFill>
+                    <a:srgbClr val="9CDCFE"/>
+                  </a:solidFill>
+                  <a:effectLst/>
+                  <a:latin typeface="Consolas" panose="020B0609020204030204" pitchFamily="49" charset="0"/>
+                </a:rPr>
+                <a:t>c</a:t>
+              </a:r>
+              <a:r>
+                <a:rPr lang="en-US" b="0" dirty="0">
+                  <a:solidFill>
+                    <a:srgbClr val="D4D4D4"/>
+                  </a:solidFill>
+                  <a:effectLst/>
+                  <a:latin typeface="Consolas" panose="020B0609020204030204" pitchFamily="49" charset="0"/>
+                </a:rPr>
+                <a:t> * </a:t>
+              </a:r>
+              <a:r>
+                <a:rPr lang="en-US" b="0" dirty="0">
+                  <a:solidFill>
+                    <a:srgbClr val="9CDCFE"/>
+                  </a:solidFill>
+                  <a:effectLst/>
+                  <a:latin typeface="Consolas" panose="020B0609020204030204" pitchFamily="49" charset="0"/>
+                </a:rPr>
+                <a:t>a</a:t>
+              </a:r>
+              <a:r>
+                <a:rPr lang="en-US" b="0" dirty="0">
+                  <a:solidFill>
+                    <a:srgbClr val="D4D4D4"/>
+                  </a:solidFill>
+                  <a:effectLst/>
+                  <a:latin typeface="Consolas" panose="020B0609020204030204" pitchFamily="49" charset="0"/>
+                </a:rPr>
+                <a:t>;</a:t>
+              </a:r>
+            </a:p>
+            <a:p>
+              <a:r>
+                <a:rPr lang="en-US" b="0" dirty="0">
+                  <a:solidFill>
+                    <a:srgbClr val="D4D4D4"/>
+                  </a:solidFill>
+                  <a:effectLst/>
+                  <a:latin typeface="Consolas" panose="020B0609020204030204" pitchFamily="49" charset="0"/>
+                </a:rPr>
+                <a:t>        </a:t>
+              </a:r>
+              <a:r>
+                <a:rPr lang="en-US" b="0" dirty="0" err="1">
+                  <a:solidFill>
+                    <a:srgbClr val="4EC9B0"/>
+                  </a:solidFill>
+                  <a:effectLst/>
+                  <a:latin typeface="Consolas" panose="020B0609020204030204" pitchFamily="49" charset="0"/>
+                </a:rPr>
+                <a:t>System</a:t>
+              </a:r>
+              <a:r>
+                <a:rPr lang="en-US" b="0" dirty="0" err="1">
+                  <a:solidFill>
+                    <a:srgbClr val="D4D4D4"/>
+                  </a:solidFill>
+                  <a:effectLst/>
+                  <a:latin typeface="Consolas" panose="020B0609020204030204" pitchFamily="49" charset="0"/>
+                </a:rPr>
+                <a:t>.</a:t>
+              </a:r>
+              <a:r>
+                <a:rPr lang="en-US" b="0" dirty="0" err="1">
+                  <a:solidFill>
+                    <a:srgbClr val="4FC1FF"/>
+                  </a:solidFill>
+                  <a:effectLst/>
+                  <a:latin typeface="Consolas" panose="020B0609020204030204" pitchFamily="49" charset="0"/>
+                </a:rPr>
+                <a:t>out</a:t>
+              </a:r>
+              <a:r>
+                <a:rPr lang="en-US" b="0" dirty="0" err="1">
+                  <a:solidFill>
+                    <a:srgbClr val="D4D4D4"/>
+                  </a:solidFill>
+                  <a:effectLst/>
+                  <a:latin typeface="Consolas" panose="020B0609020204030204" pitchFamily="49" charset="0"/>
+                </a:rPr>
+                <a:t>.</a:t>
+              </a:r>
+              <a:r>
+                <a:rPr lang="en-US" b="0" dirty="0" err="1">
+                  <a:solidFill>
+                    <a:srgbClr val="DCDCAA"/>
+                  </a:solidFill>
+                  <a:effectLst/>
+                  <a:latin typeface="Consolas" panose="020B0609020204030204" pitchFamily="49" charset="0"/>
+                </a:rPr>
+                <a:t>println</a:t>
+              </a:r>
+              <a:r>
+                <a:rPr lang="en-US" b="0" dirty="0">
+                  <a:solidFill>
+                    <a:srgbClr val="D4D4D4"/>
+                  </a:solidFill>
+                  <a:effectLst/>
+                  <a:latin typeface="Consolas" panose="020B0609020204030204" pitchFamily="49" charset="0"/>
+                </a:rPr>
+                <a:t>(</a:t>
+              </a:r>
+              <a:r>
+                <a:rPr lang="en-US" b="0" dirty="0">
+                  <a:solidFill>
+                    <a:srgbClr val="CE9178"/>
+                  </a:solidFill>
+                  <a:effectLst/>
+                  <a:latin typeface="Consolas" panose="020B0609020204030204" pitchFamily="49" charset="0"/>
+                </a:rPr>
+                <a:t>"Step 4: "</a:t>
+              </a:r>
+              <a:r>
+                <a:rPr lang="en-US" b="0" dirty="0">
+                  <a:solidFill>
+                    <a:srgbClr val="D4D4D4"/>
+                  </a:solidFill>
+                  <a:effectLst/>
+                  <a:latin typeface="Consolas" panose="020B0609020204030204" pitchFamily="49" charset="0"/>
+                </a:rPr>
+                <a:t> + </a:t>
+              </a:r>
+              <a:r>
+                <a:rPr lang="en-US" b="0" dirty="0">
+                  <a:solidFill>
+                    <a:srgbClr val="9CDCFE"/>
+                  </a:solidFill>
+                  <a:effectLst/>
+                  <a:latin typeface="Consolas" panose="020B0609020204030204" pitchFamily="49" charset="0"/>
+                </a:rPr>
+                <a:t>result</a:t>
+              </a:r>
+              <a:r>
+                <a:rPr lang="en-US" b="0" dirty="0">
+                  <a:solidFill>
+                    <a:srgbClr val="D4D4D4"/>
+                  </a:solidFill>
+                  <a:effectLst/>
+                  <a:latin typeface="Consolas" panose="020B0609020204030204" pitchFamily="49" charset="0"/>
+                </a:rPr>
+                <a:t>);</a:t>
+              </a:r>
+            </a:p>
+            <a:p>
+              <a:br>
+                <a:rPr lang="en-US" b="0" dirty="0">
+                  <a:solidFill>
+                    <a:srgbClr val="D4D4D4"/>
+                  </a:solidFill>
+                  <a:effectLst/>
+                  <a:latin typeface="Consolas" panose="020B0609020204030204" pitchFamily="49" charset="0"/>
+                </a:rPr>
+              </a:br>
+              <a:r>
+                <a:rPr lang="en-US" b="0" dirty="0">
+                  <a:solidFill>
+                    <a:srgbClr val="D4D4D4"/>
+                  </a:solidFill>
+                  <a:effectLst/>
+                  <a:latin typeface="Consolas" panose="020B0609020204030204" pitchFamily="49" charset="0"/>
+                </a:rPr>
+                <a:t>    }</a:t>
+              </a:r>
+            </a:p>
+            <a:p>
+              <a:br>
+                <a:rPr lang="en-US" b="0" dirty="0">
+                  <a:solidFill>
+                    <a:srgbClr val="D4D4D4"/>
+                  </a:solidFill>
+                  <a:effectLst/>
+                  <a:latin typeface="Consolas" panose="020B0609020204030204" pitchFamily="49" charset="0"/>
+                </a:rPr>
+              </a:br>
+              <a:r>
+                <a:rPr lang="en-US" b="0" dirty="0">
+                  <a:solidFill>
+                    <a:srgbClr val="D4D4D4"/>
+                  </a:solidFill>
+                  <a:effectLst/>
+                  <a:latin typeface="Consolas" panose="020B0609020204030204" pitchFamily="49" charset="0"/>
+                </a:rPr>
+                <a:t>}</a:t>
+              </a:r>
+            </a:p>
+          </p:txBody>
+        </p:sp>
+        <p:sp>
+          <p:nvSpPr>
+            <p:cNvPr id="3" name="Rectangle 2">
+              <a:extLst>
+                <a:ext uri="{FF2B5EF4-FFF2-40B4-BE49-F238E27FC236}">
+                  <a16:creationId xmlns:a16="http://schemas.microsoft.com/office/drawing/2014/main" id="{3903DC0E-5228-4762-A806-B75590ABD781}"/>
+                </a:ext>
+              </a:extLst>
+            </p:cNvPr>
+            <p:cNvSpPr/>
+            <p:nvPr/>
+          </p:nvSpPr>
+          <p:spPr>
+            <a:xfrm>
+              <a:off x="237065" y="453116"/>
+              <a:ext cx="592667" cy="6186309"/>
+            </a:xfrm>
+            <a:prstGeom prst="rect">
+              <a:avLst/>
+            </a:prstGeom>
+            <a:solidFill>
+              <a:schemeClr val="tx1"/>
+            </a:solidFill>
+          </p:spPr>
+          <p:txBody>
+            <a:bodyPr wrap="square">
+              <a:spAutoFit/>
+            </a:bodyPr>
+            <a:lstStyle/>
+            <a:p>
+              <a:r>
+                <a:rPr lang="es-MX" dirty="0">
+                  <a:solidFill>
+                    <a:srgbClr val="D4D4D4"/>
+                  </a:solidFill>
+                  <a:latin typeface="Consolas" panose="020B0609020204030204" pitchFamily="49" charset="0"/>
+                </a:rPr>
+                <a:t>1</a:t>
+              </a:r>
+              <a:br>
+                <a:rPr lang="es-MX" dirty="0">
+                  <a:solidFill>
+                    <a:srgbClr val="D4D4D4"/>
+                  </a:solidFill>
+                  <a:latin typeface="Consolas" panose="020B0609020204030204" pitchFamily="49" charset="0"/>
+                </a:rPr>
+              </a:br>
+              <a:r>
+                <a:rPr lang="es-MX" dirty="0">
+                  <a:solidFill>
+                    <a:srgbClr val="D4D4D4"/>
+                  </a:solidFill>
+                  <a:latin typeface="Consolas" panose="020B0609020204030204" pitchFamily="49" charset="0"/>
+                </a:rPr>
+                <a:t>2</a:t>
+              </a:r>
+              <a:br>
+                <a:rPr lang="es-MX" dirty="0">
+                  <a:solidFill>
+                    <a:srgbClr val="D4D4D4"/>
+                  </a:solidFill>
+                  <a:latin typeface="Consolas" panose="020B0609020204030204" pitchFamily="49" charset="0"/>
+                </a:rPr>
+              </a:br>
+              <a:r>
+                <a:rPr lang="es-MX" dirty="0">
+                  <a:solidFill>
+                    <a:srgbClr val="D4D4D4"/>
+                  </a:solidFill>
+                  <a:latin typeface="Consolas" panose="020B0609020204030204" pitchFamily="49" charset="0"/>
+                </a:rPr>
+                <a:t>3</a:t>
+              </a:r>
+            </a:p>
+            <a:p>
+              <a:r>
+                <a:rPr lang="es-MX" dirty="0">
+                  <a:solidFill>
+                    <a:srgbClr val="D4D4D4"/>
+                  </a:solidFill>
+                  <a:latin typeface="Consolas" panose="020B0609020204030204" pitchFamily="49" charset="0"/>
+                </a:rPr>
+                <a:t>4</a:t>
+              </a:r>
+            </a:p>
+            <a:p>
+              <a:r>
+                <a:rPr lang="es-MX" dirty="0">
+                  <a:solidFill>
+                    <a:srgbClr val="D4D4D4"/>
+                  </a:solidFill>
+                  <a:latin typeface="Consolas" panose="020B0609020204030204" pitchFamily="49" charset="0"/>
+                </a:rPr>
+                <a:t>5</a:t>
+              </a:r>
+            </a:p>
+            <a:p>
+              <a:r>
+                <a:rPr lang="es-MX" dirty="0">
+                  <a:solidFill>
+                    <a:srgbClr val="D4D4D4"/>
+                  </a:solidFill>
+                  <a:latin typeface="Consolas" panose="020B0609020204030204" pitchFamily="49" charset="0"/>
+                </a:rPr>
+                <a:t>6</a:t>
+              </a:r>
+            </a:p>
+            <a:p>
+              <a:r>
+                <a:rPr lang="es-MX" dirty="0">
+                  <a:solidFill>
+                    <a:srgbClr val="D4D4D4"/>
+                  </a:solidFill>
+                  <a:latin typeface="Consolas" panose="020B0609020204030204" pitchFamily="49" charset="0"/>
+                </a:rPr>
+                <a:t>7</a:t>
+              </a:r>
+            </a:p>
+            <a:p>
+              <a:r>
+                <a:rPr lang="es-MX" dirty="0">
+                  <a:solidFill>
+                    <a:srgbClr val="D4D4D4"/>
+                  </a:solidFill>
+                  <a:latin typeface="Consolas" panose="020B0609020204030204" pitchFamily="49" charset="0"/>
+                </a:rPr>
+                <a:t>8</a:t>
+              </a:r>
+            </a:p>
+            <a:p>
+              <a:r>
+                <a:rPr lang="es-MX" dirty="0">
+                  <a:solidFill>
+                    <a:srgbClr val="D4D4D4"/>
+                  </a:solidFill>
+                  <a:latin typeface="Consolas" panose="020B0609020204030204" pitchFamily="49" charset="0"/>
+                </a:rPr>
+                <a:t>9</a:t>
+              </a:r>
+            </a:p>
+            <a:p>
+              <a:r>
+                <a:rPr lang="es-MX" dirty="0">
+                  <a:solidFill>
+                    <a:srgbClr val="D4D4D4"/>
+                  </a:solidFill>
+                  <a:latin typeface="Consolas" panose="020B0609020204030204" pitchFamily="49" charset="0"/>
+                </a:rPr>
+                <a:t>10</a:t>
+              </a:r>
+            </a:p>
+            <a:p>
+              <a:r>
+                <a:rPr lang="es-MX" dirty="0">
+                  <a:solidFill>
+                    <a:srgbClr val="D4D4D4"/>
+                  </a:solidFill>
+                  <a:latin typeface="Consolas" panose="020B0609020204030204" pitchFamily="49" charset="0"/>
+                </a:rPr>
+                <a:t>11</a:t>
+              </a:r>
+            </a:p>
+            <a:p>
+              <a:r>
+                <a:rPr lang="es-MX" dirty="0">
+                  <a:solidFill>
+                    <a:srgbClr val="D4D4D4"/>
+                  </a:solidFill>
+                  <a:latin typeface="Consolas" panose="020B0609020204030204" pitchFamily="49" charset="0"/>
+                </a:rPr>
+                <a:t>12</a:t>
+              </a:r>
+            </a:p>
+            <a:p>
+              <a:r>
+                <a:rPr lang="es-MX" dirty="0">
+                  <a:solidFill>
+                    <a:srgbClr val="D4D4D4"/>
+                  </a:solidFill>
+                  <a:latin typeface="Consolas" panose="020B0609020204030204" pitchFamily="49" charset="0"/>
+                </a:rPr>
+                <a:t>13</a:t>
+              </a:r>
+            </a:p>
+            <a:p>
+              <a:r>
+                <a:rPr lang="es-MX" dirty="0">
+                  <a:solidFill>
+                    <a:srgbClr val="D4D4D4"/>
+                  </a:solidFill>
+                  <a:latin typeface="Consolas" panose="020B0609020204030204" pitchFamily="49" charset="0"/>
+                </a:rPr>
+                <a:t>14</a:t>
+              </a:r>
+            </a:p>
+            <a:p>
+              <a:r>
+                <a:rPr lang="es-MX" dirty="0">
+                  <a:solidFill>
+                    <a:srgbClr val="D4D4D4"/>
+                  </a:solidFill>
+                  <a:latin typeface="Consolas" panose="020B0609020204030204" pitchFamily="49" charset="0"/>
+                </a:rPr>
+                <a:t>15</a:t>
+              </a:r>
+            </a:p>
+            <a:p>
+              <a:r>
+                <a:rPr lang="es-MX" dirty="0">
+                  <a:solidFill>
+                    <a:srgbClr val="D4D4D4"/>
+                  </a:solidFill>
+                  <a:latin typeface="Consolas" panose="020B0609020204030204" pitchFamily="49" charset="0"/>
+                </a:rPr>
+                <a:t>16</a:t>
+              </a:r>
+            </a:p>
+            <a:p>
+              <a:r>
+                <a:rPr lang="es-MX" dirty="0">
+                  <a:solidFill>
+                    <a:srgbClr val="D4D4D4"/>
+                  </a:solidFill>
+                  <a:latin typeface="Consolas" panose="020B0609020204030204" pitchFamily="49" charset="0"/>
+                </a:rPr>
+                <a:t>17</a:t>
+              </a:r>
+            </a:p>
+            <a:p>
+              <a:r>
+                <a:rPr lang="es-MX" dirty="0">
+                  <a:solidFill>
+                    <a:srgbClr val="D4D4D4"/>
+                  </a:solidFill>
+                  <a:latin typeface="Consolas" panose="020B0609020204030204" pitchFamily="49" charset="0"/>
+                </a:rPr>
+                <a:t>18</a:t>
+              </a:r>
+            </a:p>
+            <a:p>
+              <a:r>
+                <a:rPr lang="es-MX" dirty="0">
+                  <a:solidFill>
+                    <a:srgbClr val="D4D4D4"/>
+                  </a:solidFill>
+                  <a:latin typeface="Consolas" panose="020B0609020204030204" pitchFamily="49" charset="0"/>
+                </a:rPr>
+                <a:t>19</a:t>
+              </a:r>
+            </a:p>
+            <a:p>
+              <a:r>
+                <a:rPr lang="es-MX" dirty="0">
+                  <a:solidFill>
+                    <a:srgbClr val="D4D4D4"/>
+                  </a:solidFill>
+                  <a:latin typeface="Consolas" panose="020B0609020204030204" pitchFamily="49" charset="0"/>
+                </a:rPr>
+                <a:t>20</a:t>
+              </a:r>
+            </a:p>
+            <a:p>
+              <a:r>
+                <a:rPr lang="es-MX" dirty="0">
+                  <a:solidFill>
+                    <a:srgbClr val="D4D4D4"/>
+                  </a:solidFill>
+                  <a:latin typeface="Consolas" panose="020B0609020204030204" pitchFamily="49" charset="0"/>
+                </a:rPr>
+                <a:t>21</a:t>
+              </a:r>
+            </a:p>
+            <a:p>
+              <a:r>
+                <a:rPr lang="es-MX" dirty="0">
+                  <a:solidFill>
+                    <a:srgbClr val="D4D4D4"/>
+                  </a:solidFill>
+                  <a:latin typeface="Consolas" panose="020B0609020204030204" pitchFamily="49" charset="0"/>
+                </a:rPr>
+                <a:t>22</a:t>
+              </a:r>
+            </a:p>
+          </p:txBody>
+        </p:sp>
+      </p:grpSp>
+      <p:sp>
+        <p:nvSpPr>
+          <p:cNvPr id="5" name="TextBox 4">
+            <a:extLst>
+              <a:ext uri="{FF2B5EF4-FFF2-40B4-BE49-F238E27FC236}">
+                <a16:creationId xmlns:a16="http://schemas.microsoft.com/office/drawing/2014/main" id="{48B78AFE-29ED-4A37-A2B1-7FB3B30FA55D}"/>
+              </a:ext>
+            </a:extLst>
+          </p:cNvPr>
+          <p:cNvSpPr txBox="1"/>
+          <p:nvPr/>
+        </p:nvSpPr>
+        <p:spPr>
+          <a:xfrm>
+            <a:off x="279401" y="169334"/>
+            <a:ext cx="3437466" cy="4893647"/>
+          </a:xfrm>
+          <a:prstGeom prst="rect">
+            <a:avLst/>
+          </a:prstGeom>
+          <a:noFill/>
+        </p:spPr>
+        <p:txBody>
+          <a:bodyPr wrap="square" rtlCol="0">
+            <a:spAutoFit/>
+          </a:bodyPr>
+          <a:lstStyle/>
+          <a:p>
+            <a:r>
+              <a:rPr lang="es-MX" sz="2400" b="1" dirty="0">
+                <a:solidFill>
+                  <a:srgbClr val="FF0000"/>
+                </a:solidFill>
+                <a:latin typeface="72" panose="020B0503030000000003" pitchFamily="34" charset="0"/>
+                <a:cs typeface="72" panose="020B0503030000000003" pitchFamily="34" charset="0"/>
+              </a:rPr>
+              <a:t>Qué imprime el siguiente programa?</a:t>
+            </a:r>
+          </a:p>
+          <a:p>
+            <a:endParaRPr lang="es-MX" sz="2400" b="1" dirty="0">
+              <a:solidFill>
+                <a:srgbClr val="FF0000"/>
+              </a:solidFill>
+              <a:latin typeface="72" panose="020B0503030000000003" pitchFamily="34" charset="0"/>
+              <a:cs typeface="72" panose="020B0503030000000003" pitchFamily="34" charset="0"/>
+            </a:endParaRPr>
+          </a:p>
+          <a:p>
+            <a:r>
+              <a:rPr lang="es-MX" sz="2400" b="1" dirty="0">
+                <a:solidFill>
+                  <a:srgbClr val="FF0000"/>
+                </a:solidFill>
+                <a:latin typeface="72" panose="020B0503030000000003" pitchFamily="34" charset="0"/>
+                <a:cs typeface="72" panose="020B0503030000000003" pitchFamily="34" charset="0"/>
+              </a:rPr>
+              <a:t>Adicionalmente, indica el valor de las variables:</a:t>
+            </a:r>
+          </a:p>
+          <a:p>
+            <a:pPr marL="342900" indent="-342900">
+              <a:buFont typeface="Arial" panose="020B0604020202020204" pitchFamily="34" charset="0"/>
+              <a:buChar char="•"/>
+            </a:pPr>
+            <a:r>
+              <a:rPr lang="es-MX" sz="2400" b="1" dirty="0">
+                <a:solidFill>
+                  <a:srgbClr val="FF0000"/>
+                </a:solidFill>
+                <a:latin typeface="Consolas" panose="020B0609020204030204" pitchFamily="49" charset="0"/>
+                <a:cs typeface="72" panose="020B0503030000000003" pitchFamily="34" charset="0"/>
+              </a:rPr>
+              <a:t>a</a:t>
+            </a:r>
+          </a:p>
+          <a:p>
+            <a:pPr marL="342900" indent="-342900">
+              <a:buFont typeface="Arial" panose="020B0604020202020204" pitchFamily="34" charset="0"/>
+              <a:buChar char="•"/>
+            </a:pPr>
+            <a:r>
+              <a:rPr lang="es-MX" sz="2400" b="1" dirty="0">
+                <a:solidFill>
+                  <a:srgbClr val="FF0000"/>
+                </a:solidFill>
+                <a:latin typeface="Consolas" panose="020B0609020204030204" pitchFamily="49" charset="0"/>
+                <a:cs typeface="72" panose="020B0503030000000003" pitchFamily="34" charset="0"/>
+              </a:rPr>
+              <a:t>b</a:t>
+            </a:r>
+          </a:p>
+          <a:p>
+            <a:pPr marL="342900" indent="-342900">
+              <a:buFont typeface="Arial" panose="020B0604020202020204" pitchFamily="34" charset="0"/>
+              <a:buChar char="•"/>
+            </a:pPr>
+            <a:r>
+              <a:rPr lang="es-MX" sz="2400" b="1" dirty="0">
+                <a:solidFill>
+                  <a:srgbClr val="FF0000"/>
+                </a:solidFill>
+                <a:latin typeface="Consolas" panose="020B0609020204030204" pitchFamily="49" charset="0"/>
+                <a:cs typeface="72" panose="020B0503030000000003" pitchFamily="34" charset="0"/>
+              </a:rPr>
+              <a:t>c</a:t>
+            </a:r>
+          </a:p>
+          <a:p>
+            <a:pPr marL="342900" indent="-342900">
+              <a:buFont typeface="Arial" panose="020B0604020202020204" pitchFamily="34" charset="0"/>
+              <a:buChar char="•"/>
+            </a:pPr>
+            <a:r>
+              <a:rPr lang="es-MX" sz="2400" b="1" dirty="0" err="1">
+                <a:solidFill>
+                  <a:srgbClr val="FF0000"/>
+                </a:solidFill>
+                <a:latin typeface="Consolas" panose="020B0609020204030204" pitchFamily="49" charset="0"/>
+                <a:cs typeface="72" panose="020B0503030000000003" pitchFamily="34" charset="0"/>
+              </a:rPr>
+              <a:t>result</a:t>
+            </a:r>
+            <a:endParaRPr lang="es-MX" sz="2400" b="1" dirty="0">
+              <a:solidFill>
+                <a:srgbClr val="FF0000"/>
+              </a:solidFill>
+              <a:latin typeface="Consolas" panose="020B0609020204030204" pitchFamily="49" charset="0"/>
+              <a:cs typeface="72" panose="020B0503030000000003" pitchFamily="34" charset="0"/>
+            </a:endParaRPr>
+          </a:p>
+          <a:p>
+            <a:endParaRPr lang="es-MX" sz="2400" b="1" dirty="0">
+              <a:solidFill>
+                <a:srgbClr val="FF0000"/>
+              </a:solidFill>
+              <a:latin typeface="72" panose="020B0503030000000003" pitchFamily="34" charset="0"/>
+              <a:cs typeface="72" panose="020B0503030000000003" pitchFamily="34" charset="0"/>
+            </a:endParaRPr>
+          </a:p>
+          <a:p>
+            <a:r>
+              <a:rPr lang="es-MX" sz="2400" b="1" dirty="0">
+                <a:solidFill>
+                  <a:srgbClr val="FF0000"/>
+                </a:solidFill>
+                <a:latin typeface="72" panose="020B0503030000000003" pitchFamily="34" charset="0"/>
+                <a:cs typeface="72" panose="020B0503030000000003" pitchFamily="34" charset="0"/>
+              </a:rPr>
+              <a:t>Después de cada instrucción </a:t>
+            </a:r>
+            <a:r>
+              <a:rPr lang="es-MX" sz="2400" b="1" dirty="0" err="1">
+                <a:solidFill>
+                  <a:srgbClr val="FF0000"/>
+                </a:solidFill>
+                <a:latin typeface="72" panose="020B0503030000000003" pitchFamily="34" charset="0"/>
+                <a:cs typeface="72" panose="020B0503030000000003" pitchFamily="34" charset="0"/>
+              </a:rPr>
+              <a:t>println</a:t>
+            </a:r>
+            <a:r>
+              <a:rPr lang="es-MX" sz="2400" b="1" dirty="0">
+                <a:solidFill>
+                  <a:srgbClr val="FF0000"/>
+                </a:solidFill>
+                <a:latin typeface="72" panose="020B0503030000000003" pitchFamily="34" charset="0"/>
+                <a:cs typeface="72" panose="020B0503030000000003" pitchFamily="34" charset="0"/>
+              </a:rPr>
+              <a:t>.</a:t>
+            </a:r>
+          </a:p>
+        </p:txBody>
+      </p:sp>
+    </p:spTree>
+    <p:extLst>
+      <p:ext uri="{BB962C8B-B14F-4D97-AF65-F5344CB8AC3E}">
+        <p14:creationId xmlns:p14="http://schemas.microsoft.com/office/powerpoint/2010/main" val="2557248650"/>
       </p:ext>
     </p:extLst>
   </p:cSld>
@@ -4191,13 +7122,13 @@
   <p:clrMapOvr>
     <a:masterClrMapping/>
   </p:clrMapOvr>
-  <mc:AlternateContent xmlns:mc="http://schemas.openxmlformats.org/markup-compatibility/2006">
-    <mc:Choice xmlns:p159="http://schemas.microsoft.com/office/powerpoint/2015/09/main" Requires="p159">
+  <mc:AlternateContent xmlns:mc="http://schemas.openxmlformats.org/markup-compatibility/2006" xmlns:p159="http://schemas.microsoft.com/office/powerpoint/2015/09/main">
+    <mc:Choice Requires="p159">
       <p:transition xmlns:p14="http://schemas.microsoft.com/office/powerpoint/2010/main" spd="slow" p14:dur="2000">
         <p159:morph option="byObject"/>
       </p:transition>
     </mc:Choice>
-    <mc:Fallback>
+    <mc:Fallback xmlns="">
       <p:transition spd="slow">
         <p:fade/>
       </p:transition>
@@ -5961,13 +8892,13 @@
   <p:clrMapOvr>
     <a:masterClrMapping/>
   </p:clrMapOvr>
-  <mc:AlternateContent xmlns:mc="http://schemas.openxmlformats.org/markup-compatibility/2006">
-    <mc:Choice xmlns:p159="http://schemas.microsoft.com/office/powerpoint/2015/09/main" Requires="p159">
+  <mc:AlternateContent xmlns:mc="http://schemas.openxmlformats.org/markup-compatibility/2006" xmlns:p159="http://schemas.microsoft.com/office/powerpoint/2015/09/main">
+    <mc:Choice Requires="p159">
       <p:transition xmlns:p14="http://schemas.microsoft.com/office/powerpoint/2010/main" spd="slow" p14:dur="2000">
         <p159:morph option="byObject"/>
       </p:transition>
     </mc:Choice>
-    <mc:Fallback>
+    <mc:Fallback xmlns="">
       <p:transition spd="slow">
         <p:fade/>
       </p:transition>
@@ -5977,6 +8908,1210 @@
 </file>
 
 <file path=ppt/slides/slide4.xml><?xml version="1.0" encoding="utf-8"?>
+<p:sld xmlns:a="http://schemas.openxmlformats.org/drawingml/2006/main" xmlns:r="http://schemas.openxmlformats.org/officeDocument/2006/relationships" xmlns:p="http://schemas.openxmlformats.org/presentationml/2006/main">
+  <p:cSld>
+    <p:spTree>
+      <p:nvGrpSpPr>
+        <p:cNvPr id="1" name=""/>
+        <p:cNvGrpSpPr/>
+        <p:nvPr/>
+      </p:nvGrpSpPr>
+      <p:grpSpPr>
+        <a:xfrm>
+          <a:off x="0" y="0"/>
+          <a:ext cx="0" cy="0"/>
+          <a:chOff x="0" y="0"/>
+          <a:chExt cx="0" cy="0"/>
+        </a:xfrm>
+      </p:grpSpPr>
+      <p:pic>
+        <p:nvPicPr>
+          <p:cNvPr id="2" name="Picture 1" descr="A close up of a newspaper&#10;&#10;Description automatically generated">
+            <a:extLst>
+              <a:ext uri="{FF2B5EF4-FFF2-40B4-BE49-F238E27FC236}">
+                <a16:creationId xmlns:a16="http://schemas.microsoft.com/office/drawing/2014/main" id="{525D12FC-9333-4912-AB86-1C1ECF4899F6}"/>
+              </a:ext>
+            </a:extLst>
+          </p:cNvPr>
+          <p:cNvPicPr>
+            <a:picLocks noChangeAspect="1"/>
+          </p:cNvPicPr>
+          <p:nvPr/>
+        </p:nvPicPr>
+        <p:blipFill>
+          <a:blip r:embed="rId2">
+            <a:extLst>
+              <a:ext uri="{28A0092B-C50C-407E-A947-70E740481C1C}">
+                <a14:useLocalDpi xmlns:a14="http://schemas.microsoft.com/office/drawing/2010/main" val="0"/>
+              </a:ext>
+            </a:extLst>
+          </a:blip>
+          <a:stretch>
+            <a:fillRect/>
+          </a:stretch>
+        </p:blipFill>
+        <p:spPr>
+          <a:xfrm>
+            <a:off x="274989" y="583484"/>
+            <a:ext cx="1575856" cy="716308"/>
+          </a:xfrm>
+          <a:prstGeom prst="rect">
+            <a:avLst/>
+          </a:prstGeom>
+        </p:spPr>
+      </p:pic>
+      <p:pic>
+        <p:nvPicPr>
+          <p:cNvPr id="3" name="Picture 2" descr="Diagram&#10;&#10;Description automatically generated">
+            <a:extLst>
+              <a:ext uri="{FF2B5EF4-FFF2-40B4-BE49-F238E27FC236}">
+                <a16:creationId xmlns:a16="http://schemas.microsoft.com/office/drawing/2014/main" id="{7697D028-989F-4F51-980C-09FFB46A6642}"/>
+              </a:ext>
+            </a:extLst>
+          </p:cNvPr>
+          <p:cNvPicPr>
+            <a:picLocks noChangeAspect="1"/>
+          </p:cNvPicPr>
+          <p:nvPr/>
+        </p:nvPicPr>
+        <p:blipFill>
+          <a:blip r:embed="rId3">
+            <a:extLst>
+              <a:ext uri="{28A0092B-C50C-407E-A947-70E740481C1C}">
+                <a14:useLocalDpi xmlns:a14="http://schemas.microsoft.com/office/drawing/2010/main" val="0"/>
+              </a:ext>
+            </a:extLst>
+          </a:blip>
+          <a:stretch>
+            <a:fillRect/>
+          </a:stretch>
+        </p:blipFill>
+        <p:spPr>
+          <a:xfrm>
+            <a:off x="1968984" y="583484"/>
+            <a:ext cx="1487768" cy="716308"/>
+          </a:xfrm>
+          <a:prstGeom prst="rect">
+            <a:avLst/>
+          </a:prstGeom>
+        </p:spPr>
+      </p:pic>
+      <p:pic>
+        <p:nvPicPr>
+          <p:cNvPr id="4" name="Picture 3" descr="A picture containing calendar&#10;&#10;Description automatically generated">
+            <a:extLst>
+              <a:ext uri="{FF2B5EF4-FFF2-40B4-BE49-F238E27FC236}">
+                <a16:creationId xmlns:a16="http://schemas.microsoft.com/office/drawing/2014/main" id="{2C35B64A-4FE6-494E-B9AF-7E3C097AFE7E}"/>
+              </a:ext>
+            </a:extLst>
+          </p:cNvPr>
+          <p:cNvPicPr>
+            <a:picLocks noChangeAspect="1"/>
+          </p:cNvPicPr>
+          <p:nvPr/>
+        </p:nvPicPr>
+        <p:blipFill>
+          <a:blip r:embed="rId4">
+            <a:extLst>
+              <a:ext uri="{28A0092B-C50C-407E-A947-70E740481C1C}">
+                <a14:useLocalDpi xmlns:a14="http://schemas.microsoft.com/office/drawing/2010/main" val="0"/>
+              </a:ext>
+            </a:extLst>
+          </a:blip>
+          <a:stretch>
+            <a:fillRect/>
+          </a:stretch>
+        </p:blipFill>
+        <p:spPr>
+          <a:xfrm>
+            <a:off x="5034935" y="559922"/>
+            <a:ext cx="1436791" cy="712469"/>
+          </a:xfrm>
+          <a:prstGeom prst="rect">
+            <a:avLst/>
+          </a:prstGeom>
+        </p:spPr>
+      </p:pic>
+      <p:pic>
+        <p:nvPicPr>
+          <p:cNvPr id="5" name="Picture 4" descr="A picture containing diagram&#10;&#10;Description automatically generated">
+            <a:extLst>
+              <a:ext uri="{FF2B5EF4-FFF2-40B4-BE49-F238E27FC236}">
+                <a16:creationId xmlns:a16="http://schemas.microsoft.com/office/drawing/2014/main" id="{D4ABE4B3-2A2B-48DB-9C62-6873C88E330B}"/>
+              </a:ext>
+            </a:extLst>
+          </p:cNvPr>
+          <p:cNvPicPr>
+            <a:picLocks noChangeAspect="1"/>
+          </p:cNvPicPr>
+          <p:nvPr/>
+        </p:nvPicPr>
+        <p:blipFill>
+          <a:blip r:embed="rId5">
+            <a:extLst>
+              <a:ext uri="{28A0092B-C50C-407E-A947-70E740481C1C}">
+                <a14:useLocalDpi xmlns:a14="http://schemas.microsoft.com/office/drawing/2010/main" val="0"/>
+              </a:ext>
+            </a:extLst>
+          </a:blip>
+          <a:stretch>
+            <a:fillRect/>
+          </a:stretch>
+        </p:blipFill>
+        <p:spPr>
+          <a:xfrm>
+            <a:off x="3574891" y="559922"/>
+            <a:ext cx="1341905" cy="708072"/>
+          </a:xfrm>
+          <a:prstGeom prst="rect">
+            <a:avLst/>
+          </a:prstGeom>
+        </p:spPr>
+      </p:pic>
+      <p:pic>
+        <p:nvPicPr>
+          <p:cNvPr id="6" name="Picture 5">
+            <a:extLst>
+              <a:ext uri="{FF2B5EF4-FFF2-40B4-BE49-F238E27FC236}">
+                <a16:creationId xmlns:a16="http://schemas.microsoft.com/office/drawing/2014/main" id="{F4503101-1E7F-498C-A88D-531D23AC922A}"/>
+              </a:ext>
+            </a:extLst>
+          </p:cNvPr>
+          <p:cNvPicPr>
+            <a:picLocks noChangeAspect="1"/>
+          </p:cNvPicPr>
+          <p:nvPr/>
+        </p:nvPicPr>
+        <p:blipFill>
+          <a:blip r:embed="rId6">
+            <a:extLst>
+              <a:ext uri="{28A0092B-C50C-407E-A947-70E740481C1C}">
+                <a14:useLocalDpi xmlns:a14="http://schemas.microsoft.com/office/drawing/2010/main" val="0"/>
+              </a:ext>
+            </a:extLst>
+          </a:blip>
+          <a:stretch>
+            <a:fillRect/>
+          </a:stretch>
+        </p:blipFill>
+        <p:spPr>
+          <a:xfrm>
+            <a:off x="703471" y="2569522"/>
+            <a:ext cx="1558636" cy="3117272"/>
+          </a:xfrm>
+          <a:prstGeom prst="rect">
+            <a:avLst/>
+          </a:prstGeom>
+        </p:spPr>
+      </p:pic>
+      <p:sp>
+        <p:nvSpPr>
+          <p:cNvPr id="8" name="Rounded Rectangular Callout 6">
+            <a:extLst>
+              <a:ext uri="{FF2B5EF4-FFF2-40B4-BE49-F238E27FC236}">
+                <a16:creationId xmlns:a16="http://schemas.microsoft.com/office/drawing/2014/main" id="{1A6A73D8-1157-4A28-82C3-8F5617917971}"/>
+              </a:ext>
+            </a:extLst>
+          </p:cNvPr>
+          <p:cNvSpPr/>
+          <p:nvPr/>
+        </p:nvSpPr>
+        <p:spPr>
+          <a:xfrm>
+            <a:off x="2366039" y="2177083"/>
+            <a:ext cx="2009842" cy="784878"/>
+          </a:xfrm>
+          <a:prstGeom prst="wedgeRoundRectCallout">
+            <a:avLst>
+              <a:gd name="adj1" fmla="val -40596"/>
+              <a:gd name="adj2" fmla="val 81923"/>
+              <a:gd name="adj3" fmla="val 16667"/>
+            </a:avLst>
+          </a:prstGeom>
+          <a:solidFill>
+            <a:schemeClr val="bg1"/>
+          </a:solidFill>
+          <a:ln w="38100">
+            <a:solidFill>
+              <a:schemeClr val="tx1"/>
+            </a:solidFill>
+          </a:ln>
+          <a:effectLst/>
+        </p:spPr>
+        <p:style>
+          <a:lnRef idx="2">
+            <a:schemeClr val="accent1">
+              <a:shade val="50000"/>
+            </a:schemeClr>
+          </a:lnRef>
+          <a:fillRef idx="1">
+            <a:schemeClr val="accent1"/>
+          </a:fillRef>
+          <a:effectRef idx="0">
+            <a:schemeClr val="accent1"/>
+          </a:effectRef>
+          <a:fontRef idx="minor">
+            <a:schemeClr val="lt1"/>
+          </a:fontRef>
+        </p:style>
+        <p:txBody>
+          <a:bodyPr rtlCol="0" anchor="ctr"/>
+          <a:lstStyle/>
+          <a:p>
+            <a:pPr algn="ctr"/>
+            <a:r>
+              <a:rPr lang="en-US">
+                <a:solidFill>
+                  <a:schemeClr val="tx1"/>
+                </a:solidFill>
+                <a:latin typeface="72" panose="020B0503030000000003" pitchFamily="34" charset="0"/>
+                <a:cs typeface="72" panose="020B0503030000000003" pitchFamily="34" charset="0"/>
+              </a:rPr>
+              <a:t>$2,100</a:t>
+            </a:r>
+            <a:endParaRPr lang="en-US" dirty="0">
+              <a:solidFill>
+                <a:schemeClr val="tx1"/>
+              </a:solidFill>
+              <a:latin typeface="72" panose="020B0503030000000003" pitchFamily="34" charset="0"/>
+              <a:cs typeface="72" panose="020B0503030000000003" pitchFamily="34" charset="0"/>
+            </a:endParaRPr>
+          </a:p>
+        </p:txBody>
+      </p:sp>
+    </p:spTree>
+    <p:extLst>
+      <p:ext uri="{BB962C8B-B14F-4D97-AF65-F5344CB8AC3E}">
+        <p14:creationId xmlns:p14="http://schemas.microsoft.com/office/powerpoint/2010/main" val="396695195"/>
+      </p:ext>
+    </p:extLst>
+  </p:cSld>
+  <p:clrMapOvr>
+    <a:masterClrMapping/>
+  </p:clrMapOvr>
+  <p:timing>
+    <p:tnLst>
+      <p:par>
+        <p:cTn id="1" dur="indefinite" restart="never" nodeType="tmRoot">
+          <p:childTnLst>
+            <p:seq concurrent="1" nextAc="seek">
+              <p:cTn id="2" dur="indefinite" nodeType="mainSeq">
+                <p:childTnLst>
+                  <p:par>
+                    <p:cTn id="3" fill="hold">
+                      <p:stCondLst>
+                        <p:cond delay="indefinite"/>
+                      </p:stCondLst>
+                      <p:childTnLst>
+                        <p:par>
+                          <p:cTn id="4" fill="hold">
+                            <p:stCondLst>
+                              <p:cond delay="0"/>
+                            </p:stCondLst>
+                            <p:childTnLst>
+                              <p:par>
+                                <p:cTn id="5" presetID="2" presetClass="entr" presetSubtype="8" fill="hold" nodeType="clickEffect">
+                                  <p:stCondLst>
+                                    <p:cond delay="0"/>
+                                  </p:stCondLst>
+                                  <p:childTnLst>
+                                    <p:set>
+                                      <p:cBhvr>
+                                        <p:cTn id="6" dur="1" fill="hold">
+                                          <p:stCondLst>
+                                            <p:cond delay="0"/>
+                                          </p:stCondLst>
+                                        </p:cTn>
+                                        <p:tgtEl>
+                                          <p:spTgt spid="6"/>
+                                        </p:tgtEl>
+                                        <p:attrNameLst>
+                                          <p:attrName>style.visibility</p:attrName>
+                                        </p:attrNameLst>
+                                      </p:cBhvr>
+                                      <p:to>
+                                        <p:strVal val="visible"/>
+                                      </p:to>
+                                    </p:set>
+                                    <p:anim calcmode="lin" valueType="num">
+                                      <p:cBhvr additive="base">
+                                        <p:cTn id="7" dur="500" fill="hold"/>
+                                        <p:tgtEl>
+                                          <p:spTgt spid="6"/>
+                                        </p:tgtEl>
+                                        <p:attrNameLst>
+                                          <p:attrName>ppt_x</p:attrName>
+                                        </p:attrNameLst>
+                                      </p:cBhvr>
+                                      <p:tavLst>
+                                        <p:tav tm="0">
+                                          <p:val>
+                                            <p:strVal val="0-#ppt_w/2"/>
+                                          </p:val>
+                                        </p:tav>
+                                        <p:tav tm="100000">
+                                          <p:val>
+                                            <p:strVal val="#ppt_x"/>
+                                          </p:val>
+                                        </p:tav>
+                                      </p:tavLst>
+                                    </p:anim>
+                                    <p:anim calcmode="lin" valueType="num">
+                                      <p:cBhvr additive="base">
+                                        <p:cTn id="8" dur="500" fill="hold"/>
+                                        <p:tgtEl>
+                                          <p:spTgt spid="6"/>
+                                        </p:tgtEl>
+                                        <p:attrNameLst>
+                                          <p:attrName>ppt_y</p:attrName>
+                                        </p:attrNameLst>
+                                      </p:cBhvr>
+                                      <p:tavLst>
+                                        <p:tav tm="0">
+                                          <p:val>
+                                            <p:strVal val="#ppt_y"/>
+                                          </p:val>
+                                        </p:tav>
+                                        <p:tav tm="100000">
+                                          <p:val>
+                                            <p:strVal val="#ppt_y"/>
+                                          </p:val>
+                                        </p:tav>
+                                      </p:tavLst>
+                                    </p:anim>
+                                  </p:childTnLst>
+                                </p:cTn>
+                              </p:par>
+                            </p:childTnLst>
+                          </p:cTn>
+                        </p:par>
+                      </p:childTnLst>
+                    </p:cTn>
+                  </p:par>
+                </p:childTnLst>
+              </p:cTn>
+              <p:prevCondLst>
+                <p:cond evt="onPrev" delay="0">
+                  <p:tgtEl>
+                    <p:sldTgt/>
+                  </p:tgtEl>
+                </p:cond>
+              </p:prevCondLst>
+              <p:nextCondLst>
+                <p:cond evt="onNext" delay="0">
+                  <p:tgtEl>
+                    <p:sldTgt/>
+                  </p:tgtEl>
+                </p:cond>
+              </p:nextCondLst>
+            </p:seq>
+          </p:childTnLst>
+        </p:cTn>
+      </p:par>
+    </p:tnLst>
+  </p:timing>
+</p:sld>
+</file>
+
+<file path=ppt/slides/slide5.xml><?xml version="1.0" encoding="utf-8"?>
+<p:sld xmlns:a="http://schemas.openxmlformats.org/drawingml/2006/main" xmlns:r="http://schemas.openxmlformats.org/officeDocument/2006/relationships" xmlns:p="http://schemas.openxmlformats.org/presentationml/2006/main">
+  <p:cSld>
+    <p:spTree>
+      <p:nvGrpSpPr>
+        <p:cNvPr id="1" name=""/>
+        <p:cNvGrpSpPr/>
+        <p:nvPr/>
+      </p:nvGrpSpPr>
+      <p:grpSpPr>
+        <a:xfrm>
+          <a:off x="0" y="0"/>
+          <a:ext cx="0" cy="0"/>
+          <a:chOff x="0" y="0"/>
+          <a:chExt cx="0" cy="0"/>
+        </a:xfrm>
+      </p:grpSpPr>
+      <p:pic>
+        <p:nvPicPr>
+          <p:cNvPr id="2" name="Picture 1" descr="A close up of a newspaper&#10;&#10;Description automatically generated">
+            <a:extLst>
+              <a:ext uri="{FF2B5EF4-FFF2-40B4-BE49-F238E27FC236}">
+                <a16:creationId xmlns:a16="http://schemas.microsoft.com/office/drawing/2014/main" id="{525D12FC-9333-4912-AB86-1C1ECF4899F6}"/>
+              </a:ext>
+            </a:extLst>
+          </p:cNvPr>
+          <p:cNvPicPr>
+            <a:picLocks noChangeAspect="1"/>
+          </p:cNvPicPr>
+          <p:nvPr/>
+        </p:nvPicPr>
+        <p:blipFill>
+          <a:blip r:embed="rId2">
+            <a:extLst>
+              <a:ext uri="{28A0092B-C50C-407E-A947-70E740481C1C}">
+                <a14:useLocalDpi xmlns:a14="http://schemas.microsoft.com/office/drawing/2010/main" val="0"/>
+              </a:ext>
+            </a:extLst>
+          </a:blip>
+          <a:stretch>
+            <a:fillRect/>
+          </a:stretch>
+        </p:blipFill>
+        <p:spPr>
+          <a:xfrm>
+            <a:off x="274989" y="583484"/>
+            <a:ext cx="1575856" cy="716308"/>
+          </a:xfrm>
+          <a:prstGeom prst="rect">
+            <a:avLst/>
+          </a:prstGeom>
+        </p:spPr>
+      </p:pic>
+      <p:pic>
+        <p:nvPicPr>
+          <p:cNvPr id="3" name="Picture 2" descr="Diagram&#10;&#10;Description automatically generated">
+            <a:extLst>
+              <a:ext uri="{FF2B5EF4-FFF2-40B4-BE49-F238E27FC236}">
+                <a16:creationId xmlns:a16="http://schemas.microsoft.com/office/drawing/2014/main" id="{7697D028-989F-4F51-980C-09FFB46A6642}"/>
+              </a:ext>
+            </a:extLst>
+          </p:cNvPr>
+          <p:cNvPicPr>
+            <a:picLocks noChangeAspect="1"/>
+          </p:cNvPicPr>
+          <p:nvPr/>
+        </p:nvPicPr>
+        <p:blipFill>
+          <a:blip r:embed="rId3">
+            <a:extLst>
+              <a:ext uri="{28A0092B-C50C-407E-A947-70E740481C1C}">
+                <a14:useLocalDpi xmlns:a14="http://schemas.microsoft.com/office/drawing/2010/main" val="0"/>
+              </a:ext>
+            </a:extLst>
+          </a:blip>
+          <a:stretch>
+            <a:fillRect/>
+          </a:stretch>
+        </p:blipFill>
+        <p:spPr>
+          <a:xfrm>
+            <a:off x="1968984" y="583484"/>
+            <a:ext cx="1487768" cy="716308"/>
+          </a:xfrm>
+          <a:prstGeom prst="rect">
+            <a:avLst/>
+          </a:prstGeom>
+        </p:spPr>
+      </p:pic>
+      <p:pic>
+        <p:nvPicPr>
+          <p:cNvPr id="4" name="Picture 3" descr="A picture containing calendar&#10;&#10;Description automatically generated">
+            <a:extLst>
+              <a:ext uri="{FF2B5EF4-FFF2-40B4-BE49-F238E27FC236}">
+                <a16:creationId xmlns:a16="http://schemas.microsoft.com/office/drawing/2014/main" id="{2C35B64A-4FE6-494E-B9AF-7E3C097AFE7E}"/>
+              </a:ext>
+            </a:extLst>
+          </p:cNvPr>
+          <p:cNvPicPr>
+            <a:picLocks noChangeAspect="1"/>
+          </p:cNvPicPr>
+          <p:nvPr/>
+        </p:nvPicPr>
+        <p:blipFill>
+          <a:blip r:embed="rId4">
+            <a:extLst>
+              <a:ext uri="{28A0092B-C50C-407E-A947-70E740481C1C}">
+                <a14:useLocalDpi xmlns:a14="http://schemas.microsoft.com/office/drawing/2010/main" val="0"/>
+              </a:ext>
+            </a:extLst>
+          </a:blip>
+          <a:stretch>
+            <a:fillRect/>
+          </a:stretch>
+        </p:blipFill>
+        <p:spPr>
+          <a:xfrm>
+            <a:off x="5034935" y="559922"/>
+            <a:ext cx="1436791" cy="712469"/>
+          </a:xfrm>
+          <a:prstGeom prst="rect">
+            <a:avLst/>
+          </a:prstGeom>
+        </p:spPr>
+      </p:pic>
+      <p:pic>
+        <p:nvPicPr>
+          <p:cNvPr id="5" name="Picture 4" descr="A picture containing diagram&#10;&#10;Description automatically generated">
+            <a:extLst>
+              <a:ext uri="{FF2B5EF4-FFF2-40B4-BE49-F238E27FC236}">
+                <a16:creationId xmlns:a16="http://schemas.microsoft.com/office/drawing/2014/main" id="{D4ABE4B3-2A2B-48DB-9C62-6873C88E330B}"/>
+              </a:ext>
+            </a:extLst>
+          </p:cNvPr>
+          <p:cNvPicPr>
+            <a:picLocks noChangeAspect="1"/>
+          </p:cNvPicPr>
+          <p:nvPr/>
+        </p:nvPicPr>
+        <p:blipFill>
+          <a:blip r:embed="rId5">
+            <a:extLst>
+              <a:ext uri="{28A0092B-C50C-407E-A947-70E740481C1C}">
+                <a14:useLocalDpi xmlns:a14="http://schemas.microsoft.com/office/drawing/2010/main" val="0"/>
+              </a:ext>
+            </a:extLst>
+          </a:blip>
+          <a:stretch>
+            <a:fillRect/>
+          </a:stretch>
+        </p:blipFill>
+        <p:spPr>
+          <a:xfrm>
+            <a:off x="3574891" y="559922"/>
+            <a:ext cx="1341905" cy="708072"/>
+          </a:xfrm>
+          <a:prstGeom prst="rect">
+            <a:avLst/>
+          </a:prstGeom>
+        </p:spPr>
+      </p:pic>
+      <p:pic>
+        <p:nvPicPr>
+          <p:cNvPr id="6" name="Picture 5">
+            <a:extLst>
+              <a:ext uri="{FF2B5EF4-FFF2-40B4-BE49-F238E27FC236}">
+                <a16:creationId xmlns:a16="http://schemas.microsoft.com/office/drawing/2014/main" id="{F4503101-1E7F-498C-A88D-531D23AC922A}"/>
+              </a:ext>
+            </a:extLst>
+          </p:cNvPr>
+          <p:cNvPicPr>
+            <a:picLocks noChangeAspect="1"/>
+          </p:cNvPicPr>
+          <p:nvPr/>
+        </p:nvPicPr>
+        <p:blipFill>
+          <a:blip r:embed="rId6">
+            <a:extLst>
+              <a:ext uri="{28A0092B-C50C-407E-A947-70E740481C1C}">
+                <a14:useLocalDpi xmlns:a14="http://schemas.microsoft.com/office/drawing/2010/main" val="0"/>
+              </a:ext>
+            </a:extLst>
+          </a:blip>
+          <a:stretch>
+            <a:fillRect/>
+          </a:stretch>
+        </p:blipFill>
+        <p:spPr>
+          <a:xfrm>
+            <a:off x="703471" y="2569522"/>
+            <a:ext cx="1558636" cy="3117272"/>
+          </a:xfrm>
+          <a:prstGeom prst="rect">
+            <a:avLst/>
+          </a:prstGeom>
+        </p:spPr>
+      </p:pic>
+      <p:sp>
+        <p:nvSpPr>
+          <p:cNvPr id="8" name="Rounded Rectangular Callout 6">
+            <a:extLst>
+              <a:ext uri="{FF2B5EF4-FFF2-40B4-BE49-F238E27FC236}">
+                <a16:creationId xmlns:a16="http://schemas.microsoft.com/office/drawing/2014/main" id="{1A6A73D8-1157-4A28-82C3-8F5617917971}"/>
+              </a:ext>
+            </a:extLst>
+          </p:cNvPr>
+          <p:cNvSpPr/>
+          <p:nvPr/>
+        </p:nvSpPr>
+        <p:spPr>
+          <a:xfrm>
+            <a:off x="2366039" y="2177083"/>
+            <a:ext cx="2009842" cy="784878"/>
+          </a:xfrm>
+          <a:prstGeom prst="wedgeRoundRectCallout">
+            <a:avLst>
+              <a:gd name="adj1" fmla="val -40596"/>
+              <a:gd name="adj2" fmla="val 81923"/>
+              <a:gd name="adj3" fmla="val 16667"/>
+            </a:avLst>
+          </a:prstGeom>
+          <a:solidFill>
+            <a:schemeClr val="bg1"/>
+          </a:solidFill>
+          <a:ln w="38100">
+            <a:solidFill>
+              <a:schemeClr val="tx1"/>
+            </a:solidFill>
+          </a:ln>
+          <a:effectLst/>
+        </p:spPr>
+        <p:style>
+          <a:lnRef idx="2">
+            <a:schemeClr val="accent1">
+              <a:shade val="50000"/>
+            </a:schemeClr>
+          </a:lnRef>
+          <a:fillRef idx="1">
+            <a:schemeClr val="accent1"/>
+          </a:fillRef>
+          <a:effectRef idx="0">
+            <a:schemeClr val="accent1"/>
+          </a:effectRef>
+          <a:fontRef idx="minor">
+            <a:schemeClr val="lt1"/>
+          </a:fontRef>
+        </p:style>
+        <p:txBody>
+          <a:bodyPr rtlCol="0" anchor="ctr"/>
+          <a:lstStyle/>
+          <a:p>
+            <a:pPr algn="ctr"/>
+            <a:r>
+              <a:rPr lang="en-US" dirty="0">
+                <a:solidFill>
+                  <a:schemeClr val="tx1"/>
+                </a:solidFill>
+                <a:latin typeface="72" panose="020B0503030000000003" pitchFamily="34" charset="0"/>
+                <a:cs typeface="72" panose="020B0503030000000003" pitchFamily="34" charset="0"/>
+              </a:rPr>
+              <a:t>$800</a:t>
+            </a:r>
+          </a:p>
+        </p:txBody>
+      </p:sp>
+    </p:spTree>
+    <p:extLst>
+      <p:ext uri="{BB962C8B-B14F-4D97-AF65-F5344CB8AC3E}">
+        <p14:creationId xmlns:p14="http://schemas.microsoft.com/office/powerpoint/2010/main" val="3869863568"/>
+      </p:ext>
+    </p:extLst>
+  </p:cSld>
+  <p:clrMapOvr>
+    <a:masterClrMapping/>
+  </p:clrMapOvr>
+  <p:timing>
+    <p:tnLst>
+      <p:par>
+        <p:cTn id="1" dur="indefinite" restart="never" nodeType="tmRoot">
+          <p:childTnLst>
+            <p:seq concurrent="1" nextAc="seek">
+              <p:cTn id="2" dur="indefinite" nodeType="mainSeq">
+                <p:childTnLst>
+                  <p:par>
+                    <p:cTn id="3" fill="hold">
+                      <p:stCondLst>
+                        <p:cond delay="indefinite"/>
+                      </p:stCondLst>
+                      <p:childTnLst>
+                        <p:par>
+                          <p:cTn id="4" fill="hold">
+                            <p:stCondLst>
+                              <p:cond delay="0"/>
+                            </p:stCondLst>
+                            <p:childTnLst>
+                              <p:par>
+                                <p:cTn id="5" presetID="2" presetClass="entr" presetSubtype="8" fill="hold" nodeType="clickEffect">
+                                  <p:stCondLst>
+                                    <p:cond delay="0"/>
+                                  </p:stCondLst>
+                                  <p:childTnLst>
+                                    <p:set>
+                                      <p:cBhvr>
+                                        <p:cTn id="6" dur="1" fill="hold">
+                                          <p:stCondLst>
+                                            <p:cond delay="0"/>
+                                          </p:stCondLst>
+                                        </p:cTn>
+                                        <p:tgtEl>
+                                          <p:spTgt spid="6"/>
+                                        </p:tgtEl>
+                                        <p:attrNameLst>
+                                          <p:attrName>style.visibility</p:attrName>
+                                        </p:attrNameLst>
+                                      </p:cBhvr>
+                                      <p:to>
+                                        <p:strVal val="visible"/>
+                                      </p:to>
+                                    </p:set>
+                                    <p:anim calcmode="lin" valueType="num">
+                                      <p:cBhvr additive="base">
+                                        <p:cTn id="7" dur="500" fill="hold"/>
+                                        <p:tgtEl>
+                                          <p:spTgt spid="6"/>
+                                        </p:tgtEl>
+                                        <p:attrNameLst>
+                                          <p:attrName>ppt_x</p:attrName>
+                                        </p:attrNameLst>
+                                      </p:cBhvr>
+                                      <p:tavLst>
+                                        <p:tav tm="0">
+                                          <p:val>
+                                            <p:strVal val="0-#ppt_w/2"/>
+                                          </p:val>
+                                        </p:tav>
+                                        <p:tav tm="100000">
+                                          <p:val>
+                                            <p:strVal val="#ppt_x"/>
+                                          </p:val>
+                                        </p:tav>
+                                      </p:tavLst>
+                                    </p:anim>
+                                    <p:anim calcmode="lin" valueType="num">
+                                      <p:cBhvr additive="base">
+                                        <p:cTn id="8" dur="500" fill="hold"/>
+                                        <p:tgtEl>
+                                          <p:spTgt spid="6"/>
+                                        </p:tgtEl>
+                                        <p:attrNameLst>
+                                          <p:attrName>ppt_y</p:attrName>
+                                        </p:attrNameLst>
+                                      </p:cBhvr>
+                                      <p:tavLst>
+                                        <p:tav tm="0">
+                                          <p:val>
+                                            <p:strVal val="#ppt_y"/>
+                                          </p:val>
+                                        </p:tav>
+                                        <p:tav tm="100000">
+                                          <p:val>
+                                            <p:strVal val="#ppt_y"/>
+                                          </p:val>
+                                        </p:tav>
+                                      </p:tavLst>
+                                    </p:anim>
+                                  </p:childTnLst>
+                                </p:cTn>
+                              </p:par>
+                            </p:childTnLst>
+                          </p:cTn>
+                        </p:par>
+                      </p:childTnLst>
+                    </p:cTn>
+                  </p:par>
+                </p:childTnLst>
+              </p:cTn>
+              <p:prevCondLst>
+                <p:cond evt="onPrev" delay="0">
+                  <p:tgtEl>
+                    <p:sldTgt/>
+                  </p:tgtEl>
+                </p:cond>
+              </p:prevCondLst>
+              <p:nextCondLst>
+                <p:cond evt="onNext" delay="0">
+                  <p:tgtEl>
+                    <p:sldTgt/>
+                  </p:tgtEl>
+                </p:cond>
+              </p:nextCondLst>
+            </p:seq>
+          </p:childTnLst>
+        </p:cTn>
+      </p:par>
+    </p:tnLst>
+  </p:timing>
+</p:sld>
+</file>
+
+<file path=ppt/slides/slide6.xml><?xml version="1.0" encoding="utf-8"?>
+<p:sld xmlns:a="http://schemas.openxmlformats.org/drawingml/2006/main" xmlns:r="http://schemas.openxmlformats.org/officeDocument/2006/relationships" xmlns:p="http://schemas.openxmlformats.org/presentationml/2006/main">
+  <p:cSld>
+    <p:spTree>
+      <p:nvGrpSpPr>
+        <p:cNvPr id="1" name=""/>
+        <p:cNvGrpSpPr/>
+        <p:nvPr/>
+      </p:nvGrpSpPr>
+      <p:grpSpPr>
+        <a:xfrm>
+          <a:off x="0" y="0"/>
+          <a:ext cx="0" cy="0"/>
+          <a:chOff x="0" y="0"/>
+          <a:chExt cx="0" cy="0"/>
+        </a:xfrm>
+      </p:grpSpPr>
+      <p:pic>
+        <p:nvPicPr>
+          <p:cNvPr id="2" name="Picture 1" descr="A close up of a newspaper&#10;&#10;Description automatically generated">
+            <a:extLst>
+              <a:ext uri="{FF2B5EF4-FFF2-40B4-BE49-F238E27FC236}">
+                <a16:creationId xmlns:a16="http://schemas.microsoft.com/office/drawing/2014/main" id="{525D12FC-9333-4912-AB86-1C1ECF4899F6}"/>
+              </a:ext>
+            </a:extLst>
+          </p:cNvPr>
+          <p:cNvPicPr>
+            <a:picLocks noChangeAspect="1"/>
+          </p:cNvPicPr>
+          <p:nvPr/>
+        </p:nvPicPr>
+        <p:blipFill>
+          <a:blip r:embed="rId2">
+            <a:extLst>
+              <a:ext uri="{28A0092B-C50C-407E-A947-70E740481C1C}">
+                <a14:useLocalDpi xmlns:a14="http://schemas.microsoft.com/office/drawing/2010/main" val="0"/>
+              </a:ext>
+            </a:extLst>
+          </a:blip>
+          <a:stretch>
+            <a:fillRect/>
+          </a:stretch>
+        </p:blipFill>
+        <p:spPr>
+          <a:xfrm>
+            <a:off x="274989" y="583484"/>
+            <a:ext cx="1575856" cy="716308"/>
+          </a:xfrm>
+          <a:prstGeom prst="rect">
+            <a:avLst/>
+          </a:prstGeom>
+        </p:spPr>
+      </p:pic>
+      <p:pic>
+        <p:nvPicPr>
+          <p:cNvPr id="3" name="Picture 2" descr="Diagram&#10;&#10;Description automatically generated">
+            <a:extLst>
+              <a:ext uri="{FF2B5EF4-FFF2-40B4-BE49-F238E27FC236}">
+                <a16:creationId xmlns:a16="http://schemas.microsoft.com/office/drawing/2014/main" id="{7697D028-989F-4F51-980C-09FFB46A6642}"/>
+              </a:ext>
+            </a:extLst>
+          </p:cNvPr>
+          <p:cNvPicPr>
+            <a:picLocks noChangeAspect="1"/>
+          </p:cNvPicPr>
+          <p:nvPr/>
+        </p:nvPicPr>
+        <p:blipFill>
+          <a:blip r:embed="rId3">
+            <a:extLst>
+              <a:ext uri="{28A0092B-C50C-407E-A947-70E740481C1C}">
+                <a14:useLocalDpi xmlns:a14="http://schemas.microsoft.com/office/drawing/2010/main" val="0"/>
+              </a:ext>
+            </a:extLst>
+          </a:blip>
+          <a:stretch>
+            <a:fillRect/>
+          </a:stretch>
+        </p:blipFill>
+        <p:spPr>
+          <a:xfrm>
+            <a:off x="1968984" y="583484"/>
+            <a:ext cx="1487768" cy="716308"/>
+          </a:xfrm>
+          <a:prstGeom prst="rect">
+            <a:avLst/>
+          </a:prstGeom>
+        </p:spPr>
+      </p:pic>
+      <p:pic>
+        <p:nvPicPr>
+          <p:cNvPr id="4" name="Picture 3" descr="A picture containing calendar&#10;&#10;Description automatically generated">
+            <a:extLst>
+              <a:ext uri="{FF2B5EF4-FFF2-40B4-BE49-F238E27FC236}">
+                <a16:creationId xmlns:a16="http://schemas.microsoft.com/office/drawing/2014/main" id="{2C35B64A-4FE6-494E-B9AF-7E3C097AFE7E}"/>
+              </a:ext>
+            </a:extLst>
+          </p:cNvPr>
+          <p:cNvPicPr>
+            <a:picLocks noChangeAspect="1"/>
+          </p:cNvPicPr>
+          <p:nvPr/>
+        </p:nvPicPr>
+        <p:blipFill>
+          <a:blip r:embed="rId4">
+            <a:extLst>
+              <a:ext uri="{28A0092B-C50C-407E-A947-70E740481C1C}">
+                <a14:useLocalDpi xmlns:a14="http://schemas.microsoft.com/office/drawing/2010/main" val="0"/>
+              </a:ext>
+            </a:extLst>
+          </a:blip>
+          <a:stretch>
+            <a:fillRect/>
+          </a:stretch>
+        </p:blipFill>
+        <p:spPr>
+          <a:xfrm>
+            <a:off x="5034935" y="559922"/>
+            <a:ext cx="1436791" cy="712469"/>
+          </a:xfrm>
+          <a:prstGeom prst="rect">
+            <a:avLst/>
+          </a:prstGeom>
+        </p:spPr>
+      </p:pic>
+      <p:pic>
+        <p:nvPicPr>
+          <p:cNvPr id="5" name="Picture 4" descr="A picture containing diagram&#10;&#10;Description automatically generated">
+            <a:extLst>
+              <a:ext uri="{FF2B5EF4-FFF2-40B4-BE49-F238E27FC236}">
+                <a16:creationId xmlns:a16="http://schemas.microsoft.com/office/drawing/2014/main" id="{D4ABE4B3-2A2B-48DB-9C62-6873C88E330B}"/>
+              </a:ext>
+            </a:extLst>
+          </p:cNvPr>
+          <p:cNvPicPr>
+            <a:picLocks noChangeAspect="1"/>
+          </p:cNvPicPr>
+          <p:nvPr/>
+        </p:nvPicPr>
+        <p:blipFill>
+          <a:blip r:embed="rId5">
+            <a:extLst>
+              <a:ext uri="{28A0092B-C50C-407E-A947-70E740481C1C}">
+                <a14:useLocalDpi xmlns:a14="http://schemas.microsoft.com/office/drawing/2010/main" val="0"/>
+              </a:ext>
+            </a:extLst>
+          </a:blip>
+          <a:stretch>
+            <a:fillRect/>
+          </a:stretch>
+        </p:blipFill>
+        <p:spPr>
+          <a:xfrm>
+            <a:off x="3574891" y="559922"/>
+            <a:ext cx="1341905" cy="708072"/>
+          </a:xfrm>
+          <a:prstGeom prst="rect">
+            <a:avLst/>
+          </a:prstGeom>
+        </p:spPr>
+      </p:pic>
+      <p:pic>
+        <p:nvPicPr>
+          <p:cNvPr id="6" name="Picture 5">
+            <a:extLst>
+              <a:ext uri="{FF2B5EF4-FFF2-40B4-BE49-F238E27FC236}">
+                <a16:creationId xmlns:a16="http://schemas.microsoft.com/office/drawing/2014/main" id="{F4503101-1E7F-498C-A88D-531D23AC922A}"/>
+              </a:ext>
+            </a:extLst>
+          </p:cNvPr>
+          <p:cNvPicPr>
+            <a:picLocks noChangeAspect="1"/>
+          </p:cNvPicPr>
+          <p:nvPr/>
+        </p:nvPicPr>
+        <p:blipFill>
+          <a:blip r:embed="rId6">
+            <a:extLst>
+              <a:ext uri="{28A0092B-C50C-407E-A947-70E740481C1C}">
+                <a14:useLocalDpi xmlns:a14="http://schemas.microsoft.com/office/drawing/2010/main" val="0"/>
+              </a:ext>
+            </a:extLst>
+          </a:blip>
+          <a:stretch>
+            <a:fillRect/>
+          </a:stretch>
+        </p:blipFill>
+        <p:spPr>
+          <a:xfrm>
+            <a:off x="703471" y="2569522"/>
+            <a:ext cx="1558636" cy="3117272"/>
+          </a:xfrm>
+          <a:prstGeom prst="rect">
+            <a:avLst/>
+          </a:prstGeom>
+        </p:spPr>
+      </p:pic>
+      <p:sp>
+        <p:nvSpPr>
+          <p:cNvPr id="8" name="Rounded Rectangular Callout 6">
+            <a:extLst>
+              <a:ext uri="{FF2B5EF4-FFF2-40B4-BE49-F238E27FC236}">
+                <a16:creationId xmlns:a16="http://schemas.microsoft.com/office/drawing/2014/main" id="{1A6A73D8-1157-4A28-82C3-8F5617917971}"/>
+              </a:ext>
+            </a:extLst>
+          </p:cNvPr>
+          <p:cNvSpPr/>
+          <p:nvPr/>
+        </p:nvSpPr>
+        <p:spPr>
+          <a:xfrm>
+            <a:off x="2366039" y="2177083"/>
+            <a:ext cx="2009842" cy="784878"/>
+          </a:xfrm>
+          <a:prstGeom prst="wedgeRoundRectCallout">
+            <a:avLst>
+              <a:gd name="adj1" fmla="val -40596"/>
+              <a:gd name="adj2" fmla="val 81923"/>
+              <a:gd name="adj3" fmla="val 16667"/>
+            </a:avLst>
+          </a:prstGeom>
+          <a:solidFill>
+            <a:schemeClr val="bg1"/>
+          </a:solidFill>
+          <a:ln w="38100">
+            <a:solidFill>
+              <a:schemeClr val="tx1"/>
+            </a:solidFill>
+          </a:ln>
+          <a:effectLst/>
+        </p:spPr>
+        <p:style>
+          <a:lnRef idx="2">
+            <a:schemeClr val="accent1">
+              <a:shade val="50000"/>
+            </a:schemeClr>
+          </a:lnRef>
+          <a:fillRef idx="1">
+            <a:schemeClr val="accent1"/>
+          </a:fillRef>
+          <a:effectRef idx="0">
+            <a:schemeClr val="accent1"/>
+          </a:effectRef>
+          <a:fontRef idx="minor">
+            <a:schemeClr val="lt1"/>
+          </a:fontRef>
+        </p:style>
+        <p:txBody>
+          <a:bodyPr rtlCol="0" anchor="ctr"/>
+          <a:lstStyle/>
+          <a:p>
+            <a:pPr algn="ctr"/>
+            <a:r>
+              <a:rPr lang="en-US" dirty="0">
+                <a:solidFill>
+                  <a:schemeClr val="tx1"/>
+                </a:solidFill>
+                <a:latin typeface="72" panose="020B0503030000000003" pitchFamily="34" charset="0"/>
+                <a:cs typeface="72" panose="020B0503030000000003" pitchFamily="34" charset="0"/>
+              </a:rPr>
+              <a:t>$450</a:t>
+            </a:r>
+          </a:p>
+        </p:txBody>
+      </p:sp>
+    </p:spTree>
+    <p:extLst>
+      <p:ext uri="{BB962C8B-B14F-4D97-AF65-F5344CB8AC3E}">
+        <p14:creationId xmlns:p14="http://schemas.microsoft.com/office/powerpoint/2010/main" val="3149766947"/>
+      </p:ext>
+    </p:extLst>
+  </p:cSld>
+  <p:clrMapOvr>
+    <a:masterClrMapping/>
+  </p:clrMapOvr>
+  <p:timing>
+    <p:tnLst>
+      <p:par>
+        <p:cTn id="1" dur="indefinite" restart="never" nodeType="tmRoot">
+          <p:childTnLst>
+            <p:seq concurrent="1" nextAc="seek">
+              <p:cTn id="2" dur="indefinite" nodeType="mainSeq">
+                <p:childTnLst>
+                  <p:par>
+                    <p:cTn id="3" fill="hold">
+                      <p:stCondLst>
+                        <p:cond delay="indefinite"/>
+                      </p:stCondLst>
+                      <p:childTnLst>
+                        <p:par>
+                          <p:cTn id="4" fill="hold">
+                            <p:stCondLst>
+                              <p:cond delay="0"/>
+                            </p:stCondLst>
+                            <p:childTnLst>
+                              <p:par>
+                                <p:cTn id="5" presetID="2" presetClass="entr" presetSubtype="8" fill="hold" nodeType="clickEffect">
+                                  <p:stCondLst>
+                                    <p:cond delay="0"/>
+                                  </p:stCondLst>
+                                  <p:childTnLst>
+                                    <p:set>
+                                      <p:cBhvr>
+                                        <p:cTn id="6" dur="1" fill="hold">
+                                          <p:stCondLst>
+                                            <p:cond delay="0"/>
+                                          </p:stCondLst>
+                                        </p:cTn>
+                                        <p:tgtEl>
+                                          <p:spTgt spid="6"/>
+                                        </p:tgtEl>
+                                        <p:attrNameLst>
+                                          <p:attrName>style.visibility</p:attrName>
+                                        </p:attrNameLst>
+                                      </p:cBhvr>
+                                      <p:to>
+                                        <p:strVal val="visible"/>
+                                      </p:to>
+                                    </p:set>
+                                    <p:anim calcmode="lin" valueType="num">
+                                      <p:cBhvr additive="base">
+                                        <p:cTn id="7" dur="500" fill="hold"/>
+                                        <p:tgtEl>
+                                          <p:spTgt spid="6"/>
+                                        </p:tgtEl>
+                                        <p:attrNameLst>
+                                          <p:attrName>ppt_x</p:attrName>
+                                        </p:attrNameLst>
+                                      </p:cBhvr>
+                                      <p:tavLst>
+                                        <p:tav tm="0">
+                                          <p:val>
+                                            <p:strVal val="0-#ppt_w/2"/>
+                                          </p:val>
+                                        </p:tav>
+                                        <p:tav tm="100000">
+                                          <p:val>
+                                            <p:strVal val="#ppt_x"/>
+                                          </p:val>
+                                        </p:tav>
+                                      </p:tavLst>
+                                    </p:anim>
+                                    <p:anim calcmode="lin" valueType="num">
+                                      <p:cBhvr additive="base">
+                                        <p:cTn id="8" dur="500" fill="hold"/>
+                                        <p:tgtEl>
+                                          <p:spTgt spid="6"/>
+                                        </p:tgtEl>
+                                        <p:attrNameLst>
+                                          <p:attrName>ppt_y</p:attrName>
+                                        </p:attrNameLst>
+                                      </p:cBhvr>
+                                      <p:tavLst>
+                                        <p:tav tm="0">
+                                          <p:val>
+                                            <p:strVal val="#ppt_y"/>
+                                          </p:val>
+                                        </p:tav>
+                                        <p:tav tm="100000">
+                                          <p:val>
+                                            <p:strVal val="#ppt_y"/>
+                                          </p:val>
+                                        </p:tav>
+                                      </p:tavLst>
+                                    </p:anim>
+                                  </p:childTnLst>
+                                </p:cTn>
+                              </p:par>
+                            </p:childTnLst>
+                          </p:cTn>
+                        </p:par>
+                      </p:childTnLst>
+                    </p:cTn>
+                  </p:par>
+                </p:childTnLst>
+              </p:cTn>
+              <p:prevCondLst>
+                <p:cond evt="onPrev" delay="0">
+                  <p:tgtEl>
+                    <p:sldTgt/>
+                  </p:tgtEl>
+                </p:cond>
+              </p:prevCondLst>
+              <p:nextCondLst>
+                <p:cond evt="onNext" delay="0">
+                  <p:tgtEl>
+                    <p:sldTgt/>
+                  </p:tgtEl>
+                </p:cond>
+              </p:nextCondLst>
+            </p:seq>
+          </p:childTnLst>
+        </p:cTn>
+      </p:par>
+    </p:tnLst>
+  </p:timing>
+</p:sld>
+</file>
+
+<file path=ppt/slides/slide7.xml><?xml version="1.0" encoding="utf-8"?>
 <p:sld xmlns:a="http://schemas.openxmlformats.org/drawingml/2006/main" xmlns:r="http://schemas.openxmlformats.org/officeDocument/2006/relationships" xmlns:p="http://schemas.openxmlformats.org/presentationml/2006/main">
   <p:cSld>
     <p:spTree>
@@ -6072,7 +10207,7 @@
 </p:sld>
 </file>
 
-<file path=ppt/slides/slide5.xml><?xml version="1.0" encoding="utf-8"?>
+<file path=ppt/slides/slide8.xml><?xml version="1.0" encoding="utf-8"?>
 <p:sld xmlns:a="http://schemas.openxmlformats.org/drawingml/2006/main" xmlns:r="http://schemas.openxmlformats.org/officeDocument/2006/relationships" xmlns:p="http://schemas.openxmlformats.org/presentationml/2006/main">
   <p:cSld>
     <p:spTree>
@@ -8458,7 +12593,7 @@
 </p:sld>
 </file>
 
-<file path=ppt/slides/slide6.xml><?xml version="1.0" encoding="utf-8"?>
+<file path=ppt/slides/slide9.xml><?xml version="1.0" encoding="utf-8"?>
 <p:sld xmlns:a="http://schemas.openxmlformats.org/drawingml/2006/main" xmlns:r="http://schemas.openxmlformats.org/officeDocument/2006/relationships" xmlns:p="http://schemas.openxmlformats.org/presentationml/2006/main">
   <p:cSld>
     <p:spTree>
@@ -8545,2929 +12680,6 @@
     <p:extLst>
       <p:ext uri="{BB962C8B-B14F-4D97-AF65-F5344CB8AC3E}">
         <p14:creationId xmlns:p14="http://schemas.microsoft.com/office/powerpoint/2010/main" val="2561375031"/>
-      </p:ext>
-    </p:extLst>
-  </p:cSld>
-  <p:clrMapOvr>
-    <a:masterClrMapping/>
-  </p:clrMapOvr>
-</p:sld>
-</file>
-
-<file path=ppt/slides/slide7.xml><?xml version="1.0" encoding="utf-8"?>
-<p:sld xmlns:a="http://schemas.openxmlformats.org/drawingml/2006/main" xmlns:r="http://schemas.openxmlformats.org/officeDocument/2006/relationships" xmlns:p="http://schemas.openxmlformats.org/presentationml/2006/main">
-  <p:cSld>
-    <p:spTree>
-      <p:nvGrpSpPr>
-        <p:cNvPr id="1" name=""/>
-        <p:cNvGrpSpPr/>
-        <p:nvPr/>
-      </p:nvGrpSpPr>
-      <p:grpSpPr>
-        <a:xfrm>
-          <a:off x="0" y="0"/>
-          <a:ext cx="0" cy="0"/>
-          <a:chOff x="0" y="0"/>
-          <a:chExt cx="0" cy="0"/>
-        </a:xfrm>
-      </p:grpSpPr>
-      <p:grpSp>
-        <p:nvGrpSpPr>
-          <p:cNvPr id="4" name="Group 3">
-            <a:extLst>
-              <a:ext uri="{FF2B5EF4-FFF2-40B4-BE49-F238E27FC236}">
-                <a16:creationId xmlns:a16="http://schemas.microsoft.com/office/drawing/2014/main" id="{A1F707F8-A056-42DE-AD71-80B03A8C09FC}"/>
-              </a:ext>
-            </a:extLst>
-          </p:cNvPr>
-          <p:cNvGrpSpPr/>
-          <p:nvPr/>
-        </p:nvGrpSpPr>
-        <p:grpSpPr>
-          <a:xfrm>
-            <a:off x="347132" y="335845"/>
-            <a:ext cx="7272868" cy="3139321"/>
-            <a:chOff x="237065" y="453116"/>
-            <a:chExt cx="7272868" cy="3139321"/>
-          </a:xfrm>
-        </p:grpSpPr>
-        <p:sp>
-          <p:nvSpPr>
-            <p:cNvPr id="2" name="Rectangle 1">
-              <a:extLst>
-                <a:ext uri="{FF2B5EF4-FFF2-40B4-BE49-F238E27FC236}">
-                  <a16:creationId xmlns:a16="http://schemas.microsoft.com/office/drawing/2014/main" id="{9AA44814-692A-4CC4-9E15-AF66C4C8B5C7}"/>
-                </a:ext>
-              </a:extLst>
-            </p:cNvPr>
-            <p:cNvSpPr/>
-            <p:nvPr/>
-          </p:nvSpPr>
-          <p:spPr>
-            <a:xfrm>
-              <a:off x="829732" y="453116"/>
-              <a:ext cx="6680201" cy="3139321"/>
-            </a:xfrm>
-            <a:prstGeom prst="rect">
-              <a:avLst/>
-            </a:prstGeom>
-            <a:solidFill>
-              <a:schemeClr val="tx1"/>
-            </a:solidFill>
-          </p:spPr>
-          <p:txBody>
-            <a:bodyPr wrap="square">
-              <a:spAutoFit/>
-            </a:bodyPr>
-            <a:lstStyle/>
-            <a:p>
-              <a:r>
-                <a:rPr lang="en-US" b="0" dirty="0">
-                  <a:solidFill>
-                    <a:srgbClr val="569CD6"/>
-                  </a:solidFill>
-                  <a:effectLst/>
-                  <a:latin typeface="Consolas" panose="020B0609020204030204" pitchFamily="49" charset="0"/>
-                </a:rPr>
-                <a:t>public</a:t>
-              </a:r>
-              <a:r>
-                <a:rPr lang="en-US" b="0" dirty="0">
-                  <a:solidFill>
-                    <a:srgbClr val="D4D4D4"/>
-                  </a:solidFill>
-                  <a:effectLst/>
-                  <a:latin typeface="Consolas" panose="020B0609020204030204" pitchFamily="49" charset="0"/>
-                </a:rPr>
-                <a:t> </a:t>
-              </a:r>
-              <a:r>
-                <a:rPr lang="en-US" b="0" dirty="0">
-                  <a:solidFill>
-                    <a:srgbClr val="569CD6"/>
-                  </a:solidFill>
-                  <a:effectLst/>
-                  <a:latin typeface="Consolas" panose="020B0609020204030204" pitchFamily="49" charset="0"/>
-                </a:rPr>
-                <a:t>class</a:t>
-              </a:r>
-              <a:r>
-                <a:rPr lang="en-US" b="0" dirty="0">
-                  <a:solidFill>
-                    <a:srgbClr val="D4D4D4"/>
-                  </a:solidFill>
-                  <a:effectLst/>
-                  <a:latin typeface="Consolas" panose="020B0609020204030204" pitchFamily="49" charset="0"/>
-                </a:rPr>
-                <a:t> </a:t>
-              </a:r>
-              <a:r>
-                <a:rPr lang="en-US" b="0" dirty="0" err="1">
-                  <a:solidFill>
-                    <a:srgbClr val="4EC9B0"/>
-                  </a:solidFill>
-                  <a:effectLst/>
-                  <a:latin typeface="Consolas" panose="020B0609020204030204" pitchFamily="49" charset="0"/>
-                </a:rPr>
-                <a:t>Imprime</a:t>
-              </a:r>
-              <a:r>
-                <a:rPr lang="en-US" b="0" dirty="0">
-                  <a:solidFill>
-                    <a:srgbClr val="D4D4D4"/>
-                  </a:solidFill>
-                  <a:effectLst/>
-                  <a:latin typeface="Consolas" panose="020B0609020204030204" pitchFamily="49" charset="0"/>
-                </a:rPr>
-                <a:t> {</a:t>
-              </a:r>
-            </a:p>
-            <a:p>
-              <a:r>
-                <a:rPr lang="en-US" b="0" dirty="0">
-                  <a:solidFill>
-                    <a:srgbClr val="D4D4D4"/>
-                  </a:solidFill>
-                  <a:effectLst/>
-                  <a:latin typeface="Consolas" panose="020B0609020204030204" pitchFamily="49" charset="0"/>
-                </a:rPr>
-                <a:t>    </a:t>
-              </a:r>
-            </a:p>
-            <a:p>
-              <a:r>
-                <a:rPr lang="en-US" b="0" dirty="0">
-                  <a:solidFill>
-                    <a:srgbClr val="D4D4D4"/>
-                  </a:solidFill>
-                  <a:effectLst/>
-                  <a:latin typeface="Consolas" panose="020B0609020204030204" pitchFamily="49" charset="0"/>
-                </a:rPr>
-                <a:t>    </a:t>
-              </a:r>
-              <a:r>
-                <a:rPr lang="en-US" b="0" dirty="0">
-                  <a:solidFill>
-                    <a:srgbClr val="569CD6"/>
-                  </a:solidFill>
-                  <a:effectLst/>
-                  <a:latin typeface="Consolas" panose="020B0609020204030204" pitchFamily="49" charset="0"/>
-                </a:rPr>
-                <a:t>public</a:t>
-              </a:r>
-              <a:r>
-                <a:rPr lang="en-US" b="0" dirty="0">
-                  <a:solidFill>
-                    <a:srgbClr val="D4D4D4"/>
-                  </a:solidFill>
-                  <a:effectLst/>
-                  <a:latin typeface="Consolas" panose="020B0609020204030204" pitchFamily="49" charset="0"/>
-                </a:rPr>
-                <a:t> </a:t>
-              </a:r>
-              <a:r>
-                <a:rPr lang="en-US" b="0" dirty="0">
-                  <a:solidFill>
-                    <a:srgbClr val="569CD6"/>
-                  </a:solidFill>
-                  <a:effectLst/>
-                  <a:latin typeface="Consolas" panose="020B0609020204030204" pitchFamily="49" charset="0"/>
-                </a:rPr>
-                <a:t>static</a:t>
-              </a:r>
-              <a:r>
-                <a:rPr lang="en-US" b="0" dirty="0">
-                  <a:solidFill>
-                    <a:srgbClr val="D4D4D4"/>
-                  </a:solidFill>
-                  <a:effectLst/>
-                  <a:latin typeface="Consolas" panose="020B0609020204030204" pitchFamily="49" charset="0"/>
-                </a:rPr>
-                <a:t> </a:t>
-              </a:r>
-              <a:r>
-                <a:rPr lang="en-US" b="0" dirty="0">
-                  <a:solidFill>
-                    <a:srgbClr val="4EC9B0"/>
-                  </a:solidFill>
-                  <a:effectLst/>
-                  <a:latin typeface="Consolas" panose="020B0609020204030204" pitchFamily="49" charset="0"/>
-                </a:rPr>
-                <a:t>void</a:t>
-              </a:r>
-              <a:r>
-                <a:rPr lang="en-US" b="0" dirty="0">
-                  <a:solidFill>
-                    <a:srgbClr val="D4D4D4"/>
-                  </a:solidFill>
-                  <a:effectLst/>
-                  <a:latin typeface="Consolas" panose="020B0609020204030204" pitchFamily="49" charset="0"/>
-                </a:rPr>
-                <a:t> </a:t>
-              </a:r>
-              <a:r>
-                <a:rPr lang="en-US" b="0" dirty="0">
-                  <a:solidFill>
-                    <a:srgbClr val="DCDCAA"/>
-                  </a:solidFill>
-                  <a:effectLst/>
-                  <a:latin typeface="Consolas" panose="020B0609020204030204" pitchFamily="49" charset="0"/>
-                </a:rPr>
-                <a:t>main</a:t>
-              </a:r>
-              <a:r>
-                <a:rPr lang="en-US" b="0" dirty="0">
-                  <a:solidFill>
-                    <a:srgbClr val="D4D4D4"/>
-                  </a:solidFill>
-                  <a:effectLst/>
-                  <a:latin typeface="Consolas" panose="020B0609020204030204" pitchFamily="49" charset="0"/>
-                </a:rPr>
-                <a:t>(</a:t>
-              </a:r>
-              <a:r>
-                <a:rPr lang="en-US" b="0" dirty="0">
-                  <a:solidFill>
-                    <a:srgbClr val="4EC9B0"/>
-                  </a:solidFill>
-                  <a:effectLst/>
-                  <a:latin typeface="Consolas" panose="020B0609020204030204" pitchFamily="49" charset="0"/>
-                </a:rPr>
-                <a:t>String</a:t>
-              </a:r>
-              <a:r>
-                <a:rPr lang="en-US" b="0" dirty="0">
-                  <a:solidFill>
-                    <a:srgbClr val="D4D4D4"/>
-                  </a:solidFill>
-                  <a:effectLst/>
-                  <a:latin typeface="Consolas" panose="020B0609020204030204" pitchFamily="49" charset="0"/>
-                </a:rPr>
-                <a:t>[] </a:t>
-              </a:r>
-              <a:r>
-                <a:rPr lang="en-US" b="0" dirty="0" err="1">
-                  <a:solidFill>
-                    <a:srgbClr val="9CDCFE"/>
-                  </a:solidFill>
-                  <a:effectLst/>
-                  <a:latin typeface="Consolas" panose="020B0609020204030204" pitchFamily="49" charset="0"/>
-                </a:rPr>
-                <a:t>args</a:t>
-              </a:r>
-              <a:r>
-                <a:rPr lang="en-US" b="0" dirty="0">
-                  <a:solidFill>
-                    <a:srgbClr val="D4D4D4"/>
-                  </a:solidFill>
-                  <a:effectLst/>
-                  <a:latin typeface="Consolas" panose="020B0609020204030204" pitchFamily="49" charset="0"/>
-                </a:rPr>
-                <a:t>){</a:t>
-              </a:r>
-            </a:p>
-            <a:p>
-              <a:br>
-                <a:rPr lang="en-US" b="0" dirty="0">
-                  <a:solidFill>
-                    <a:srgbClr val="D4D4D4"/>
-                  </a:solidFill>
-                  <a:effectLst/>
-                  <a:latin typeface="Consolas" panose="020B0609020204030204" pitchFamily="49" charset="0"/>
-                </a:rPr>
-              </a:br>
-              <a:r>
-                <a:rPr lang="en-US" b="0" dirty="0">
-                  <a:solidFill>
-                    <a:srgbClr val="D4D4D4"/>
-                  </a:solidFill>
-                  <a:effectLst/>
-                  <a:latin typeface="Consolas" panose="020B0609020204030204" pitchFamily="49" charset="0"/>
-                </a:rPr>
-                <a:t>        </a:t>
-              </a:r>
-              <a:r>
-                <a:rPr lang="en-US" b="0" dirty="0">
-                  <a:solidFill>
-                    <a:srgbClr val="4EC9B0"/>
-                  </a:solidFill>
-                  <a:effectLst/>
-                  <a:latin typeface="Consolas" panose="020B0609020204030204" pitchFamily="49" charset="0"/>
-                </a:rPr>
-                <a:t>int</a:t>
-              </a:r>
-              <a:r>
-                <a:rPr lang="en-US" b="0" dirty="0">
-                  <a:solidFill>
-                    <a:srgbClr val="D4D4D4"/>
-                  </a:solidFill>
-                  <a:effectLst/>
-                  <a:latin typeface="Consolas" panose="020B0609020204030204" pitchFamily="49" charset="0"/>
-                </a:rPr>
-                <a:t> </a:t>
-              </a:r>
-              <a:r>
-                <a:rPr lang="en-US" b="0" dirty="0">
-                  <a:solidFill>
-                    <a:srgbClr val="9CDCFE"/>
-                  </a:solidFill>
-                  <a:effectLst/>
-                  <a:latin typeface="Consolas" panose="020B0609020204030204" pitchFamily="49" charset="0"/>
-                </a:rPr>
-                <a:t>a</a:t>
-              </a:r>
-              <a:r>
-                <a:rPr lang="en-US" b="0" dirty="0">
-                  <a:solidFill>
-                    <a:srgbClr val="D4D4D4"/>
-                  </a:solidFill>
-                  <a:effectLst/>
-                  <a:latin typeface="Consolas" panose="020B0609020204030204" pitchFamily="49" charset="0"/>
-                </a:rPr>
-                <a:t> = </a:t>
-              </a:r>
-              <a:r>
-                <a:rPr lang="en-US" b="0" dirty="0">
-                  <a:solidFill>
-                    <a:srgbClr val="B5CEA8"/>
-                  </a:solidFill>
-                  <a:effectLst/>
-                  <a:latin typeface="Consolas" panose="020B0609020204030204" pitchFamily="49" charset="0"/>
-                </a:rPr>
-                <a:t>1</a:t>
-              </a:r>
-              <a:r>
-                <a:rPr lang="en-US" b="0" dirty="0">
-                  <a:solidFill>
-                    <a:srgbClr val="D4D4D4"/>
-                  </a:solidFill>
-                  <a:effectLst/>
-                  <a:latin typeface="Consolas" panose="020B0609020204030204" pitchFamily="49" charset="0"/>
-                </a:rPr>
-                <a:t>, </a:t>
-              </a:r>
-              <a:r>
-                <a:rPr lang="en-US" b="0" dirty="0">
-                  <a:solidFill>
-                    <a:srgbClr val="9CDCFE"/>
-                  </a:solidFill>
-                  <a:effectLst/>
-                  <a:latin typeface="Consolas" panose="020B0609020204030204" pitchFamily="49" charset="0"/>
-                </a:rPr>
-                <a:t>b</a:t>
-              </a:r>
-              <a:r>
-                <a:rPr lang="en-US" b="0" dirty="0">
-                  <a:solidFill>
-                    <a:srgbClr val="D4D4D4"/>
-                  </a:solidFill>
-                  <a:effectLst/>
-                  <a:latin typeface="Consolas" panose="020B0609020204030204" pitchFamily="49" charset="0"/>
-                </a:rPr>
-                <a:t> = </a:t>
-              </a:r>
-              <a:r>
-                <a:rPr lang="en-US" b="0" dirty="0">
-                  <a:solidFill>
-                    <a:srgbClr val="B5CEA8"/>
-                  </a:solidFill>
-                  <a:effectLst/>
-                  <a:latin typeface="Consolas" panose="020B0609020204030204" pitchFamily="49" charset="0"/>
-                </a:rPr>
-                <a:t>10</a:t>
-              </a:r>
-              <a:r>
-                <a:rPr lang="en-US" b="0" dirty="0">
-                  <a:solidFill>
-                    <a:srgbClr val="D4D4D4"/>
-                  </a:solidFill>
-                  <a:effectLst/>
-                  <a:latin typeface="Consolas" panose="020B0609020204030204" pitchFamily="49" charset="0"/>
-                </a:rPr>
-                <a:t>, </a:t>
-              </a:r>
-              <a:r>
-                <a:rPr lang="en-US" b="0" dirty="0">
-                  <a:solidFill>
-                    <a:srgbClr val="9CDCFE"/>
-                  </a:solidFill>
-                  <a:effectLst/>
-                  <a:latin typeface="Consolas" panose="020B0609020204030204" pitchFamily="49" charset="0"/>
-                </a:rPr>
-                <a:t>c</a:t>
-              </a:r>
-              <a:r>
-                <a:rPr lang="en-US" b="0" dirty="0">
-                  <a:solidFill>
-                    <a:srgbClr val="D4D4D4"/>
-                  </a:solidFill>
-                  <a:effectLst/>
-                  <a:latin typeface="Consolas" panose="020B0609020204030204" pitchFamily="49" charset="0"/>
-                </a:rPr>
-                <a:t> = </a:t>
-              </a:r>
-              <a:r>
-                <a:rPr lang="en-US" b="0" dirty="0">
-                  <a:solidFill>
-                    <a:srgbClr val="B5CEA8"/>
-                  </a:solidFill>
-                  <a:effectLst/>
-                  <a:latin typeface="Consolas" panose="020B0609020204030204" pitchFamily="49" charset="0"/>
-                </a:rPr>
-                <a:t>1</a:t>
-              </a:r>
-              <a:r>
-                <a:rPr lang="en-US" b="0" dirty="0">
-                  <a:solidFill>
-                    <a:srgbClr val="D4D4D4"/>
-                  </a:solidFill>
-                  <a:effectLst/>
-                  <a:latin typeface="Consolas" panose="020B0609020204030204" pitchFamily="49" charset="0"/>
-                </a:rPr>
-                <a:t>;</a:t>
-              </a:r>
-            </a:p>
-            <a:p>
-              <a:r>
-                <a:rPr lang="en-US" b="0" dirty="0">
-                  <a:solidFill>
-                    <a:srgbClr val="D4D4D4"/>
-                  </a:solidFill>
-                  <a:effectLst/>
-                  <a:latin typeface="Consolas" panose="020B0609020204030204" pitchFamily="49" charset="0"/>
-                </a:rPr>
-                <a:t>       </a:t>
-              </a:r>
-              <a:br>
-                <a:rPr lang="en-US" b="0" dirty="0">
-                  <a:solidFill>
-                    <a:srgbClr val="D4D4D4"/>
-                  </a:solidFill>
-                  <a:effectLst/>
-                  <a:latin typeface="Consolas" panose="020B0609020204030204" pitchFamily="49" charset="0"/>
-                </a:rPr>
-              </a:br>
-              <a:r>
-                <a:rPr lang="en-US" b="0" dirty="0">
-                  <a:solidFill>
-                    <a:srgbClr val="D4D4D4"/>
-                  </a:solidFill>
-                  <a:effectLst/>
-                  <a:latin typeface="Consolas" panose="020B0609020204030204" pitchFamily="49" charset="0"/>
-                </a:rPr>
-                <a:t>        </a:t>
-              </a:r>
-              <a:r>
-                <a:rPr lang="en-US" b="0" dirty="0" err="1">
-                  <a:solidFill>
-                    <a:srgbClr val="4EC9B0"/>
-                  </a:solidFill>
-                  <a:effectLst/>
-                  <a:latin typeface="Consolas" panose="020B0609020204030204" pitchFamily="49" charset="0"/>
-                </a:rPr>
-                <a:t>System</a:t>
-              </a:r>
-              <a:r>
-                <a:rPr lang="en-US" b="0" dirty="0" err="1">
-                  <a:solidFill>
-                    <a:srgbClr val="D4D4D4"/>
-                  </a:solidFill>
-                  <a:effectLst/>
-                  <a:latin typeface="Consolas" panose="020B0609020204030204" pitchFamily="49" charset="0"/>
-                </a:rPr>
-                <a:t>.</a:t>
-              </a:r>
-              <a:r>
-                <a:rPr lang="en-US" b="0" dirty="0" err="1">
-                  <a:solidFill>
-                    <a:srgbClr val="4FC1FF"/>
-                  </a:solidFill>
-                  <a:effectLst/>
-                  <a:latin typeface="Consolas" panose="020B0609020204030204" pitchFamily="49" charset="0"/>
-                </a:rPr>
-                <a:t>out</a:t>
-              </a:r>
-              <a:r>
-                <a:rPr lang="en-US" b="0" dirty="0" err="1">
-                  <a:solidFill>
-                    <a:srgbClr val="D4D4D4"/>
-                  </a:solidFill>
-                  <a:effectLst/>
-                  <a:latin typeface="Consolas" panose="020B0609020204030204" pitchFamily="49" charset="0"/>
-                </a:rPr>
-                <a:t>.</a:t>
-              </a:r>
-              <a:r>
-                <a:rPr lang="en-US" b="0" dirty="0" err="1">
-                  <a:solidFill>
-                    <a:srgbClr val="DCDCAA"/>
-                  </a:solidFill>
-                  <a:effectLst/>
-                  <a:latin typeface="Consolas" panose="020B0609020204030204" pitchFamily="49" charset="0"/>
-                </a:rPr>
-                <a:t>println</a:t>
-              </a:r>
-              <a:r>
-                <a:rPr lang="en-US" b="0" dirty="0">
-                  <a:solidFill>
-                    <a:srgbClr val="D4D4D4"/>
-                  </a:solidFill>
-                  <a:effectLst/>
-                  <a:latin typeface="Consolas" panose="020B0609020204030204" pitchFamily="49" charset="0"/>
-                </a:rPr>
-                <a:t>(</a:t>
-              </a:r>
-              <a:r>
-                <a:rPr lang="en-US" b="0" dirty="0">
-                  <a:solidFill>
-                    <a:srgbClr val="CE9178"/>
-                  </a:solidFill>
-                  <a:effectLst/>
-                  <a:latin typeface="Consolas" panose="020B0609020204030204" pitchFamily="49" charset="0"/>
-                </a:rPr>
-                <a:t>"Step 1: "</a:t>
-              </a:r>
-              <a:r>
-                <a:rPr lang="en-US" b="0" dirty="0">
-                  <a:solidFill>
-                    <a:srgbClr val="D4D4D4"/>
-                  </a:solidFill>
-                  <a:effectLst/>
-                  <a:latin typeface="Consolas" panose="020B0609020204030204" pitchFamily="49" charset="0"/>
-                </a:rPr>
-                <a:t> + </a:t>
-              </a:r>
-              <a:r>
-                <a:rPr lang="en-US" b="0" dirty="0">
-                  <a:solidFill>
-                    <a:srgbClr val="9CDCFE"/>
-                  </a:solidFill>
-                  <a:effectLst/>
-                  <a:latin typeface="Consolas" panose="020B0609020204030204" pitchFamily="49" charset="0"/>
-                </a:rPr>
-                <a:t> a</a:t>
-              </a:r>
-              <a:r>
-                <a:rPr lang="en-US" b="0" dirty="0">
-                  <a:solidFill>
-                    <a:srgbClr val="D4D4D4"/>
-                  </a:solidFill>
-                  <a:effectLst/>
-                  <a:latin typeface="Consolas" panose="020B0609020204030204" pitchFamily="49" charset="0"/>
-                </a:rPr>
-                <a:t>);</a:t>
-              </a:r>
-            </a:p>
-            <a:p>
-              <a:br>
-                <a:rPr lang="en-US" b="0" dirty="0">
-                  <a:solidFill>
-                    <a:srgbClr val="D4D4D4"/>
-                  </a:solidFill>
-                  <a:effectLst/>
-                  <a:latin typeface="Consolas" panose="020B0609020204030204" pitchFamily="49" charset="0"/>
-                </a:rPr>
-              </a:br>
-              <a:r>
-                <a:rPr lang="en-US" b="0" dirty="0">
-                  <a:solidFill>
-                    <a:srgbClr val="D4D4D4"/>
-                  </a:solidFill>
-                  <a:effectLst/>
-                  <a:latin typeface="Consolas" panose="020B0609020204030204" pitchFamily="49" charset="0"/>
-                </a:rPr>
-                <a:t>    }</a:t>
-              </a:r>
-            </a:p>
-            <a:p>
-              <a:br>
-                <a:rPr lang="en-US" b="0" dirty="0">
-                  <a:solidFill>
-                    <a:srgbClr val="D4D4D4"/>
-                  </a:solidFill>
-                  <a:effectLst/>
-                  <a:latin typeface="Consolas" panose="020B0609020204030204" pitchFamily="49" charset="0"/>
-                </a:rPr>
-              </a:br>
-              <a:r>
-                <a:rPr lang="en-US" b="0" dirty="0">
-                  <a:solidFill>
-                    <a:srgbClr val="D4D4D4"/>
-                  </a:solidFill>
-                  <a:effectLst/>
-                  <a:latin typeface="Consolas" panose="020B0609020204030204" pitchFamily="49" charset="0"/>
-                </a:rPr>
-                <a:t>}</a:t>
-              </a:r>
-            </a:p>
-          </p:txBody>
-        </p:sp>
-        <p:sp>
-          <p:nvSpPr>
-            <p:cNvPr id="3" name="Rectangle 2">
-              <a:extLst>
-                <a:ext uri="{FF2B5EF4-FFF2-40B4-BE49-F238E27FC236}">
-                  <a16:creationId xmlns:a16="http://schemas.microsoft.com/office/drawing/2014/main" id="{3903DC0E-5228-4762-A806-B75590ABD781}"/>
-                </a:ext>
-              </a:extLst>
-            </p:cNvPr>
-            <p:cNvSpPr/>
-            <p:nvPr/>
-          </p:nvSpPr>
-          <p:spPr>
-            <a:xfrm>
-              <a:off x="237065" y="453116"/>
-              <a:ext cx="592667" cy="3139321"/>
-            </a:xfrm>
-            <a:prstGeom prst="rect">
-              <a:avLst/>
-            </a:prstGeom>
-            <a:solidFill>
-              <a:schemeClr val="tx1"/>
-            </a:solidFill>
-          </p:spPr>
-          <p:txBody>
-            <a:bodyPr wrap="square">
-              <a:spAutoFit/>
-            </a:bodyPr>
-            <a:lstStyle/>
-            <a:p>
-              <a:r>
-                <a:rPr lang="es-MX" dirty="0">
-                  <a:solidFill>
-                    <a:srgbClr val="D4D4D4"/>
-                  </a:solidFill>
-                  <a:latin typeface="Consolas" panose="020B0609020204030204" pitchFamily="49" charset="0"/>
-                </a:rPr>
-                <a:t>1</a:t>
-              </a:r>
-              <a:br>
-                <a:rPr lang="es-MX" dirty="0">
-                  <a:solidFill>
-                    <a:srgbClr val="D4D4D4"/>
-                  </a:solidFill>
-                  <a:latin typeface="Consolas" panose="020B0609020204030204" pitchFamily="49" charset="0"/>
-                </a:rPr>
-              </a:br>
-              <a:r>
-                <a:rPr lang="es-MX" dirty="0">
-                  <a:solidFill>
-                    <a:srgbClr val="D4D4D4"/>
-                  </a:solidFill>
-                  <a:latin typeface="Consolas" panose="020B0609020204030204" pitchFamily="49" charset="0"/>
-                </a:rPr>
-                <a:t>2</a:t>
-              </a:r>
-              <a:br>
-                <a:rPr lang="es-MX" dirty="0">
-                  <a:solidFill>
-                    <a:srgbClr val="D4D4D4"/>
-                  </a:solidFill>
-                  <a:latin typeface="Consolas" panose="020B0609020204030204" pitchFamily="49" charset="0"/>
-                </a:rPr>
-              </a:br>
-              <a:r>
-                <a:rPr lang="es-MX" dirty="0">
-                  <a:solidFill>
-                    <a:srgbClr val="D4D4D4"/>
-                  </a:solidFill>
-                  <a:latin typeface="Consolas" panose="020B0609020204030204" pitchFamily="49" charset="0"/>
-                </a:rPr>
-                <a:t>3</a:t>
-              </a:r>
-            </a:p>
-            <a:p>
-              <a:r>
-                <a:rPr lang="es-MX" dirty="0">
-                  <a:solidFill>
-                    <a:srgbClr val="D4D4D4"/>
-                  </a:solidFill>
-                  <a:latin typeface="Consolas" panose="020B0609020204030204" pitchFamily="49" charset="0"/>
-                </a:rPr>
-                <a:t>4</a:t>
-              </a:r>
-            </a:p>
-            <a:p>
-              <a:r>
-                <a:rPr lang="es-MX" dirty="0">
-                  <a:solidFill>
-                    <a:srgbClr val="D4D4D4"/>
-                  </a:solidFill>
-                  <a:latin typeface="Consolas" panose="020B0609020204030204" pitchFamily="49" charset="0"/>
-                </a:rPr>
-                <a:t>5</a:t>
-              </a:r>
-            </a:p>
-            <a:p>
-              <a:r>
-                <a:rPr lang="es-MX" dirty="0">
-                  <a:solidFill>
-                    <a:srgbClr val="D4D4D4"/>
-                  </a:solidFill>
-                  <a:latin typeface="Consolas" panose="020B0609020204030204" pitchFamily="49" charset="0"/>
-                </a:rPr>
-                <a:t>6</a:t>
-              </a:r>
-            </a:p>
-            <a:p>
-              <a:r>
-                <a:rPr lang="es-MX" dirty="0">
-                  <a:solidFill>
-                    <a:srgbClr val="D4D4D4"/>
-                  </a:solidFill>
-                  <a:latin typeface="Consolas" panose="020B0609020204030204" pitchFamily="49" charset="0"/>
-                </a:rPr>
-                <a:t>7</a:t>
-              </a:r>
-            </a:p>
-            <a:p>
-              <a:r>
-                <a:rPr lang="es-MX" dirty="0">
-                  <a:solidFill>
-                    <a:srgbClr val="D4D4D4"/>
-                  </a:solidFill>
-                  <a:latin typeface="Consolas" panose="020B0609020204030204" pitchFamily="49" charset="0"/>
-                </a:rPr>
-                <a:t>8</a:t>
-              </a:r>
-            </a:p>
-            <a:p>
-              <a:r>
-                <a:rPr lang="es-MX" dirty="0">
-                  <a:solidFill>
-                    <a:srgbClr val="D4D4D4"/>
-                  </a:solidFill>
-                  <a:latin typeface="Consolas" panose="020B0609020204030204" pitchFamily="49" charset="0"/>
-                </a:rPr>
-                <a:t>9</a:t>
-              </a:r>
-            </a:p>
-            <a:p>
-              <a:r>
-                <a:rPr lang="es-MX" dirty="0">
-                  <a:solidFill>
-                    <a:srgbClr val="D4D4D4"/>
-                  </a:solidFill>
-                  <a:latin typeface="Consolas" panose="020B0609020204030204" pitchFamily="49" charset="0"/>
-                </a:rPr>
-                <a:t>10</a:t>
-              </a:r>
-            </a:p>
-            <a:p>
-              <a:r>
-                <a:rPr lang="es-MX" dirty="0">
-                  <a:solidFill>
-                    <a:srgbClr val="D4D4D4"/>
-                  </a:solidFill>
-                  <a:latin typeface="Consolas" panose="020B0609020204030204" pitchFamily="49" charset="0"/>
-                </a:rPr>
-                <a:t>11</a:t>
-              </a:r>
-            </a:p>
-          </p:txBody>
-        </p:sp>
-      </p:grpSp>
-      <p:sp>
-        <p:nvSpPr>
-          <p:cNvPr id="6" name="TextBox 5">
-            <a:extLst>
-              <a:ext uri="{FF2B5EF4-FFF2-40B4-BE49-F238E27FC236}">
-                <a16:creationId xmlns:a16="http://schemas.microsoft.com/office/drawing/2014/main" id="{E670EF92-67B9-4F0C-BDA3-FE5090B33157}"/>
-              </a:ext>
-            </a:extLst>
-          </p:cNvPr>
-          <p:cNvSpPr txBox="1"/>
-          <p:nvPr/>
-        </p:nvSpPr>
-        <p:spPr>
-          <a:xfrm>
-            <a:off x="1320800" y="4055533"/>
-            <a:ext cx="6764866" cy="2339102"/>
-          </a:xfrm>
-          <a:prstGeom prst="rect">
-            <a:avLst/>
-          </a:prstGeom>
-          <a:noFill/>
-        </p:spPr>
-        <p:txBody>
-          <a:bodyPr wrap="square" rtlCol="0">
-            <a:spAutoFit/>
-          </a:bodyPr>
-          <a:lstStyle/>
-          <a:p>
-            <a:r>
-              <a:rPr lang="es-MX" sz="3200" b="1" dirty="0">
-                <a:solidFill>
-                  <a:srgbClr val="FF0000"/>
-                </a:solidFill>
-                <a:latin typeface="72" panose="020B0503030000000003" pitchFamily="34" charset="0"/>
-                <a:cs typeface="72" panose="020B0503030000000003" pitchFamily="34" charset="0"/>
-              </a:rPr>
-              <a:t>Ejemplo de respuesta:</a:t>
-            </a:r>
-          </a:p>
-          <a:p>
-            <a:endParaRPr lang="es-MX" dirty="0"/>
-          </a:p>
-          <a:p>
-            <a:r>
-              <a:rPr lang="es-MX" sz="2400" dirty="0" err="1">
-                <a:latin typeface="Consolas" panose="020B0609020204030204" pitchFamily="49" charset="0"/>
-              </a:rPr>
-              <a:t>Print</a:t>
-            </a:r>
-            <a:r>
-              <a:rPr lang="es-MX" sz="2400" dirty="0">
-                <a:latin typeface="Consolas" panose="020B0609020204030204" pitchFamily="49" charset="0"/>
-              </a:rPr>
-              <a:t>: “Step 1: 1”</a:t>
-            </a:r>
-          </a:p>
-          <a:p>
-            <a:r>
-              <a:rPr lang="es-MX" sz="2400" dirty="0">
-                <a:latin typeface="Consolas" panose="020B0609020204030204" pitchFamily="49" charset="0"/>
-              </a:rPr>
-              <a:t>a = 1</a:t>
-            </a:r>
-          </a:p>
-          <a:p>
-            <a:r>
-              <a:rPr lang="es-MX" sz="2400" dirty="0">
-                <a:latin typeface="Consolas" panose="020B0609020204030204" pitchFamily="49" charset="0"/>
-              </a:rPr>
-              <a:t>b = 10</a:t>
-            </a:r>
-          </a:p>
-          <a:p>
-            <a:r>
-              <a:rPr lang="es-MX" sz="2400" dirty="0">
-                <a:latin typeface="Consolas" panose="020B0609020204030204" pitchFamily="49" charset="0"/>
-              </a:rPr>
-              <a:t>c = 1</a:t>
-            </a:r>
-            <a:endParaRPr lang="en-US" sz="2400" dirty="0">
-              <a:latin typeface="Consolas" panose="020B0609020204030204" pitchFamily="49" charset="0"/>
-            </a:endParaRPr>
-          </a:p>
-        </p:txBody>
-      </p:sp>
-      <p:sp>
-        <p:nvSpPr>
-          <p:cNvPr id="7" name="Arrow: Right 6">
-            <a:extLst>
-              <a:ext uri="{FF2B5EF4-FFF2-40B4-BE49-F238E27FC236}">
-                <a16:creationId xmlns:a16="http://schemas.microsoft.com/office/drawing/2014/main" id="{C4F08B19-AA10-4C52-8057-35C06FCD85E3}"/>
-              </a:ext>
-            </a:extLst>
-          </p:cNvPr>
-          <p:cNvSpPr/>
-          <p:nvPr/>
-        </p:nvSpPr>
-        <p:spPr>
-          <a:xfrm flipH="1">
-            <a:off x="7048499" y="1981200"/>
-            <a:ext cx="1418167" cy="431800"/>
-          </a:xfrm>
-          <a:prstGeom prst="rightArrow">
-            <a:avLst/>
-          </a:prstGeom>
-          <a:solidFill>
-            <a:srgbClr val="FF0000"/>
-          </a:solidFill>
-          <a:ln w="57150">
-            <a:solidFill>
-              <a:srgbClr val="FF0000"/>
-            </a:solidFill>
-          </a:ln>
-        </p:spPr>
-        <p:style>
-          <a:lnRef idx="2">
-            <a:schemeClr val="accent1">
-              <a:shade val="50000"/>
-            </a:schemeClr>
-          </a:lnRef>
-          <a:fillRef idx="1">
-            <a:schemeClr val="accent1"/>
-          </a:fillRef>
-          <a:effectRef idx="0">
-            <a:schemeClr val="accent1"/>
-          </a:effectRef>
-          <a:fontRef idx="minor">
-            <a:schemeClr val="lt1"/>
-          </a:fontRef>
-        </p:style>
-        <p:txBody>
-          <a:bodyPr rtlCol="0" anchor="ctr"/>
-          <a:lstStyle/>
-          <a:p>
-            <a:pPr algn="ctr"/>
-            <a:endParaRPr lang="en-US"/>
-          </a:p>
-        </p:txBody>
-      </p:sp>
-    </p:spTree>
-    <p:extLst>
-      <p:ext uri="{BB962C8B-B14F-4D97-AF65-F5344CB8AC3E}">
-        <p14:creationId xmlns:p14="http://schemas.microsoft.com/office/powerpoint/2010/main" val="2975331713"/>
-      </p:ext>
-    </p:extLst>
-  </p:cSld>
-  <p:clrMapOvr>
-    <a:masterClrMapping/>
-  </p:clrMapOvr>
-  <p:timing>
-    <p:tnLst>
-      <p:par>
-        <p:cTn id="1" dur="indefinite" restart="never" nodeType="tmRoot">
-          <p:childTnLst>
-            <p:seq concurrent="1" nextAc="seek">
-              <p:cTn id="2" dur="indefinite" nodeType="mainSeq">
-                <p:childTnLst>
-                  <p:par>
-                    <p:cTn id="3" fill="hold">
-                      <p:stCondLst>
-                        <p:cond delay="indefinite"/>
-                      </p:stCondLst>
-                      <p:childTnLst>
-                        <p:par>
-                          <p:cTn id="4" fill="hold">
-                            <p:stCondLst>
-                              <p:cond delay="0"/>
-                            </p:stCondLst>
-                            <p:childTnLst>
-                              <p:par>
-                                <p:cTn id="5" presetID="2" presetClass="entr" presetSubtype="4" fill="hold" grpId="0" nodeType="clickEffect">
-                                  <p:stCondLst>
-                                    <p:cond delay="0"/>
-                                  </p:stCondLst>
-                                  <p:childTnLst>
-                                    <p:set>
-                                      <p:cBhvr>
-                                        <p:cTn id="6" dur="1" fill="hold">
-                                          <p:stCondLst>
-                                            <p:cond delay="0"/>
-                                          </p:stCondLst>
-                                        </p:cTn>
-                                        <p:tgtEl>
-                                          <p:spTgt spid="7"/>
-                                        </p:tgtEl>
-                                        <p:attrNameLst>
-                                          <p:attrName>style.visibility</p:attrName>
-                                        </p:attrNameLst>
-                                      </p:cBhvr>
-                                      <p:to>
-                                        <p:strVal val="visible"/>
-                                      </p:to>
-                                    </p:set>
-                                    <p:anim calcmode="lin" valueType="num">
-                                      <p:cBhvr additive="base">
-                                        <p:cTn id="7" dur="500" fill="hold"/>
-                                        <p:tgtEl>
-                                          <p:spTgt spid="7"/>
-                                        </p:tgtEl>
-                                        <p:attrNameLst>
-                                          <p:attrName>ppt_x</p:attrName>
-                                        </p:attrNameLst>
-                                      </p:cBhvr>
-                                      <p:tavLst>
-                                        <p:tav tm="0">
-                                          <p:val>
-                                            <p:strVal val="#ppt_x"/>
-                                          </p:val>
-                                        </p:tav>
-                                        <p:tav tm="100000">
-                                          <p:val>
-                                            <p:strVal val="#ppt_x"/>
-                                          </p:val>
-                                        </p:tav>
-                                      </p:tavLst>
-                                    </p:anim>
-                                    <p:anim calcmode="lin" valueType="num">
-                                      <p:cBhvr additive="base">
-                                        <p:cTn id="8" dur="500" fill="hold"/>
-                                        <p:tgtEl>
-                                          <p:spTgt spid="7"/>
-                                        </p:tgtEl>
-                                        <p:attrNameLst>
-                                          <p:attrName>ppt_y</p:attrName>
-                                        </p:attrNameLst>
-                                      </p:cBhvr>
-                                      <p:tavLst>
-                                        <p:tav tm="0">
-                                          <p:val>
-                                            <p:strVal val="1+#ppt_h/2"/>
-                                          </p:val>
-                                        </p:tav>
-                                        <p:tav tm="100000">
-                                          <p:val>
-                                            <p:strVal val="#ppt_y"/>
-                                          </p:val>
-                                        </p:tav>
-                                      </p:tavLst>
-                                    </p:anim>
-                                  </p:childTnLst>
-                                </p:cTn>
-                              </p:par>
-                            </p:childTnLst>
-                          </p:cTn>
-                        </p:par>
-                      </p:childTnLst>
-                    </p:cTn>
-                  </p:par>
-                </p:childTnLst>
-              </p:cTn>
-              <p:prevCondLst>
-                <p:cond evt="onPrev" delay="0">
-                  <p:tgtEl>
-                    <p:sldTgt/>
-                  </p:tgtEl>
-                </p:cond>
-              </p:prevCondLst>
-              <p:nextCondLst>
-                <p:cond evt="onNext" delay="0">
-                  <p:tgtEl>
-                    <p:sldTgt/>
-                  </p:tgtEl>
-                </p:cond>
-              </p:nextCondLst>
-            </p:seq>
-          </p:childTnLst>
-        </p:cTn>
-      </p:par>
-    </p:tnLst>
-    <p:bldLst>
-      <p:bldP spid="7" grpId="0" animBg="1"/>
-    </p:bldLst>
-  </p:timing>
-</p:sld>
-</file>
-
-<file path=ppt/slides/slide8.xml><?xml version="1.0" encoding="utf-8"?>
-<p:sld xmlns:a="http://schemas.openxmlformats.org/drawingml/2006/main" xmlns:r="http://schemas.openxmlformats.org/officeDocument/2006/relationships" xmlns:p="http://schemas.openxmlformats.org/presentationml/2006/main">
-  <p:cSld>
-    <p:spTree>
-      <p:nvGrpSpPr>
-        <p:cNvPr id="1" name=""/>
-        <p:cNvGrpSpPr/>
-        <p:nvPr/>
-      </p:nvGrpSpPr>
-      <p:grpSpPr>
-        <a:xfrm>
-          <a:off x="0" y="0"/>
-          <a:ext cx="0" cy="0"/>
-          <a:chOff x="0" y="0"/>
-          <a:chExt cx="0" cy="0"/>
-        </a:xfrm>
-      </p:grpSpPr>
-      <p:grpSp>
-        <p:nvGrpSpPr>
-          <p:cNvPr id="4" name="Group 3">
-            <a:extLst>
-              <a:ext uri="{FF2B5EF4-FFF2-40B4-BE49-F238E27FC236}">
-                <a16:creationId xmlns:a16="http://schemas.microsoft.com/office/drawing/2014/main" id="{A1F707F8-A056-42DE-AD71-80B03A8C09FC}"/>
-              </a:ext>
-            </a:extLst>
-          </p:cNvPr>
-          <p:cNvGrpSpPr/>
-          <p:nvPr/>
-        </p:nvGrpSpPr>
-        <p:grpSpPr>
-          <a:xfrm>
-            <a:off x="4004732" y="554716"/>
-            <a:ext cx="7272868" cy="6186309"/>
-            <a:chOff x="237065" y="453116"/>
-            <a:chExt cx="7272868" cy="6186309"/>
-          </a:xfrm>
-        </p:grpSpPr>
-        <p:sp>
-          <p:nvSpPr>
-            <p:cNvPr id="2" name="Rectangle 1">
-              <a:extLst>
-                <a:ext uri="{FF2B5EF4-FFF2-40B4-BE49-F238E27FC236}">
-                  <a16:creationId xmlns:a16="http://schemas.microsoft.com/office/drawing/2014/main" id="{9AA44814-692A-4CC4-9E15-AF66C4C8B5C7}"/>
-                </a:ext>
-              </a:extLst>
-            </p:cNvPr>
-            <p:cNvSpPr/>
-            <p:nvPr/>
-          </p:nvSpPr>
-          <p:spPr>
-            <a:xfrm>
-              <a:off x="829732" y="453116"/>
-              <a:ext cx="6680201" cy="6186309"/>
-            </a:xfrm>
-            <a:prstGeom prst="rect">
-              <a:avLst/>
-            </a:prstGeom>
-            <a:solidFill>
-              <a:schemeClr val="tx1"/>
-            </a:solidFill>
-          </p:spPr>
-          <p:txBody>
-            <a:bodyPr wrap="square">
-              <a:spAutoFit/>
-            </a:bodyPr>
-            <a:lstStyle/>
-            <a:p>
-              <a:r>
-                <a:rPr lang="en-US" b="0" dirty="0">
-                  <a:solidFill>
-                    <a:srgbClr val="569CD6"/>
-                  </a:solidFill>
-                  <a:effectLst/>
-                  <a:latin typeface="Consolas" panose="020B0609020204030204" pitchFamily="49" charset="0"/>
-                </a:rPr>
-                <a:t>public</a:t>
-              </a:r>
-              <a:r>
-                <a:rPr lang="en-US" b="0" dirty="0">
-                  <a:solidFill>
-                    <a:srgbClr val="D4D4D4"/>
-                  </a:solidFill>
-                  <a:effectLst/>
-                  <a:latin typeface="Consolas" panose="020B0609020204030204" pitchFamily="49" charset="0"/>
-                </a:rPr>
-                <a:t> </a:t>
-              </a:r>
-              <a:r>
-                <a:rPr lang="en-US" b="0" dirty="0">
-                  <a:solidFill>
-                    <a:srgbClr val="569CD6"/>
-                  </a:solidFill>
-                  <a:effectLst/>
-                  <a:latin typeface="Consolas" panose="020B0609020204030204" pitchFamily="49" charset="0"/>
-                </a:rPr>
-                <a:t>class</a:t>
-              </a:r>
-              <a:r>
-                <a:rPr lang="en-US" b="0" dirty="0">
-                  <a:solidFill>
-                    <a:srgbClr val="D4D4D4"/>
-                  </a:solidFill>
-                  <a:effectLst/>
-                  <a:latin typeface="Consolas" panose="020B0609020204030204" pitchFamily="49" charset="0"/>
-                </a:rPr>
-                <a:t> </a:t>
-              </a:r>
-              <a:r>
-                <a:rPr lang="en-US" b="0" dirty="0" err="1">
-                  <a:solidFill>
-                    <a:srgbClr val="4EC9B0"/>
-                  </a:solidFill>
-                  <a:effectLst/>
-                  <a:latin typeface="Consolas" panose="020B0609020204030204" pitchFamily="49" charset="0"/>
-                </a:rPr>
-                <a:t>Imprime</a:t>
-              </a:r>
-              <a:r>
-                <a:rPr lang="en-US" b="0" dirty="0">
-                  <a:solidFill>
-                    <a:srgbClr val="D4D4D4"/>
-                  </a:solidFill>
-                  <a:effectLst/>
-                  <a:latin typeface="Consolas" panose="020B0609020204030204" pitchFamily="49" charset="0"/>
-                </a:rPr>
-                <a:t> {</a:t>
-              </a:r>
-            </a:p>
-            <a:p>
-              <a:r>
-                <a:rPr lang="en-US" b="0" dirty="0">
-                  <a:solidFill>
-                    <a:srgbClr val="D4D4D4"/>
-                  </a:solidFill>
-                  <a:effectLst/>
-                  <a:latin typeface="Consolas" panose="020B0609020204030204" pitchFamily="49" charset="0"/>
-                </a:rPr>
-                <a:t>    </a:t>
-              </a:r>
-            </a:p>
-            <a:p>
-              <a:r>
-                <a:rPr lang="en-US" b="0" dirty="0">
-                  <a:solidFill>
-                    <a:srgbClr val="D4D4D4"/>
-                  </a:solidFill>
-                  <a:effectLst/>
-                  <a:latin typeface="Consolas" panose="020B0609020204030204" pitchFamily="49" charset="0"/>
-                </a:rPr>
-                <a:t>    </a:t>
-              </a:r>
-              <a:r>
-                <a:rPr lang="en-US" b="0" dirty="0">
-                  <a:solidFill>
-                    <a:srgbClr val="569CD6"/>
-                  </a:solidFill>
-                  <a:effectLst/>
-                  <a:latin typeface="Consolas" panose="020B0609020204030204" pitchFamily="49" charset="0"/>
-                </a:rPr>
-                <a:t>public</a:t>
-              </a:r>
-              <a:r>
-                <a:rPr lang="en-US" b="0" dirty="0">
-                  <a:solidFill>
-                    <a:srgbClr val="D4D4D4"/>
-                  </a:solidFill>
-                  <a:effectLst/>
-                  <a:latin typeface="Consolas" panose="020B0609020204030204" pitchFamily="49" charset="0"/>
-                </a:rPr>
-                <a:t> </a:t>
-              </a:r>
-              <a:r>
-                <a:rPr lang="en-US" b="0" dirty="0">
-                  <a:solidFill>
-                    <a:srgbClr val="569CD6"/>
-                  </a:solidFill>
-                  <a:effectLst/>
-                  <a:latin typeface="Consolas" panose="020B0609020204030204" pitchFamily="49" charset="0"/>
-                </a:rPr>
-                <a:t>static</a:t>
-              </a:r>
-              <a:r>
-                <a:rPr lang="en-US" b="0" dirty="0">
-                  <a:solidFill>
-                    <a:srgbClr val="D4D4D4"/>
-                  </a:solidFill>
-                  <a:effectLst/>
-                  <a:latin typeface="Consolas" panose="020B0609020204030204" pitchFamily="49" charset="0"/>
-                </a:rPr>
-                <a:t> </a:t>
-              </a:r>
-              <a:r>
-                <a:rPr lang="en-US" b="0" dirty="0">
-                  <a:solidFill>
-                    <a:srgbClr val="4EC9B0"/>
-                  </a:solidFill>
-                  <a:effectLst/>
-                  <a:latin typeface="Consolas" panose="020B0609020204030204" pitchFamily="49" charset="0"/>
-                </a:rPr>
-                <a:t>void</a:t>
-              </a:r>
-              <a:r>
-                <a:rPr lang="en-US" b="0" dirty="0">
-                  <a:solidFill>
-                    <a:srgbClr val="D4D4D4"/>
-                  </a:solidFill>
-                  <a:effectLst/>
-                  <a:latin typeface="Consolas" panose="020B0609020204030204" pitchFamily="49" charset="0"/>
-                </a:rPr>
-                <a:t> </a:t>
-              </a:r>
-              <a:r>
-                <a:rPr lang="en-US" b="0" dirty="0">
-                  <a:solidFill>
-                    <a:srgbClr val="DCDCAA"/>
-                  </a:solidFill>
-                  <a:effectLst/>
-                  <a:latin typeface="Consolas" panose="020B0609020204030204" pitchFamily="49" charset="0"/>
-                </a:rPr>
-                <a:t>main</a:t>
-              </a:r>
-              <a:r>
-                <a:rPr lang="en-US" b="0" dirty="0">
-                  <a:solidFill>
-                    <a:srgbClr val="D4D4D4"/>
-                  </a:solidFill>
-                  <a:effectLst/>
-                  <a:latin typeface="Consolas" panose="020B0609020204030204" pitchFamily="49" charset="0"/>
-                </a:rPr>
-                <a:t>(</a:t>
-              </a:r>
-              <a:r>
-                <a:rPr lang="en-US" b="0" dirty="0">
-                  <a:solidFill>
-                    <a:srgbClr val="4EC9B0"/>
-                  </a:solidFill>
-                  <a:effectLst/>
-                  <a:latin typeface="Consolas" panose="020B0609020204030204" pitchFamily="49" charset="0"/>
-                </a:rPr>
-                <a:t>String</a:t>
-              </a:r>
-              <a:r>
-                <a:rPr lang="en-US" b="0" dirty="0">
-                  <a:solidFill>
-                    <a:srgbClr val="D4D4D4"/>
-                  </a:solidFill>
-                  <a:effectLst/>
-                  <a:latin typeface="Consolas" panose="020B0609020204030204" pitchFamily="49" charset="0"/>
-                </a:rPr>
-                <a:t>[] </a:t>
-              </a:r>
-              <a:r>
-                <a:rPr lang="en-US" b="0" dirty="0" err="1">
-                  <a:solidFill>
-                    <a:srgbClr val="9CDCFE"/>
-                  </a:solidFill>
-                  <a:effectLst/>
-                  <a:latin typeface="Consolas" panose="020B0609020204030204" pitchFamily="49" charset="0"/>
-                </a:rPr>
-                <a:t>args</a:t>
-              </a:r>
-              <a:r>
-                <a:rPr lang="en-US" b="0" dirty="0">
-                  <a:solidFill>
-                    <a:srgbClr val="D4D4D4"/>
-                  </a:solidFill>
-                  <a:effectLst/>
-                  <a:latin typeface="Consolas" panose="020B0609020204030204" pitchFamily="49" charset="0"/>
-                </a:rPr>
-                <a:t>){</a:t>
-              </a:r>
-            </a:p>
-            <a:p>
-              <a:br>
-                <a:rPr lang="en-US" b="0" dirty="0">
-                  <a:solidFill>
-                    <a:srgbClr val="D4D4D4"/>
-                  </a:solidFill>
-                  <a:effectLst/>
-                  <a:latin typeface="Consolas" panose="020B0609020204030204" pitchFamily="49" charset="0"/>
-                </a:rPr>
-              </a:br>
-              <a:r>
-                <a:rPr lang="en-US" b="0" dirty="0">
-                  <a:solidFill>
-                    <a:srgbClr val="D4D4D4"/>
-                  </a:solidFill>
-                  <a:effectLst/>
-                  <a:latin typeface="Consolas" panose="020B0609020204030204" pitchFamily="49" charset="0"/>
-                </a:rPr>
-                <a:t>        </a:t>
-              </a:r>
-              <a:r>
-                <a:rPr lang="en-US" b="0" dirty="0">
-                  <a:solidFill>
-                    <a:srgbClr val="4EC9B0"/>
-                  </a:solidFill>
-                  <a:effectLst/>
-                  <a:latin typeface="Consolas" panose="020B0609020204030204" pitchFamily="49" charset="0"/>
-                </a:rPr>
-                <a:t>int</a:t>
-              </a:r>
-              <a:r>
-                <a:rPr lang="en-US" b="0" dirty="0">
-                  <a:solidFill>
-                    <a:srgbClr val="D4D4D4"/>
-                  </a:solidFill>
-                  <a:effectLst/>
-                  <a:latin typeface="Consolas" panose="020B0609020204030204" pitchFamily="49" charset="0"/>
-                </a:rPr>
-                <a:t> </a:t>
-              </a:r>
-              <a:r>
-                <a:rPr lang="en-US" b="0" dirty="0">
-                  <a:solidFill>
-                    <a:srgbClr val="9CDCFE"/>
-                  </a:solidFill>
-                  <a:effectLst/>
-                  <a:latin typeface="Consolas" panose="020B0609020204030204" pitchFamily="49" charset="0"/>
-                </a:rPr>
-                <a:t>a</a:t>
-              </a:r>
-              <a:r>
-                <a:rPr lang="en-US" b="0" dirty="0">
-                  <a:solidFill>
-                    <a:srgbClr val="D4D4D4"/>
-                  </a:solidFill>
-                  <a:effectLst/>
-                  <a:latin typeface="Consolas" panose="020B0609020204030204" pitchFamily="49" charset="0"/>
-                </a:rPr>
-                <a:t> = </a:t>
-              </a:r>
-              <a:r>
-                <a:rPr lang="en-US" b="0" dirty="0">
-                  <a:solidFill>
-                    <a:srgbClr val="B5CEA8"/>
-                  </a:solidFill>
-                  <a:effectLst/>
-                  <a:latin typeface="Consolas" panose="020B0609020204030204" pitchFamily="49" charset="0"/>
-                </a:rPr>
-                <a:t>0</a:t>
-              </a:r>
-              <a:r>
-                <a:rPr lang="en-US" b="0" dirty="0">
-                  <a:solidFill>
-                    <a:srgbClr val="D4D4D4"/>
-                  </a:solidFill>
-                  <a:effectLst/>
-                  <a:latin typeface="Consolas" panose="020B0609020204030204" pitchFamily="49" charset="0"/>
-                </a:rPr>
-                <a:t>, </a:t>
-              </a:r>
-              <a:r>
-                <a:rPr lang="en-US" b="0" dirty="0">
-                  <a:solidFill>
-                    <a:srgbClr val="9CDCFE"/>
-                  </a:solidFill>
-                  <a:effectLst/>
-                  <a:latin typeface="Consolas" panose="020B0609020204030204" pitchFamily="49" charset="0"/>
-                </a:rPr>
-                <a:t>b</a:t>
-              </a:r>
-              <a:r>
-                <a:rPr lang="en-US" b="0" dirty="0">
-                  <a:solidFill>
-                    <a:srgbClr val="D4D4D4"/>
-                  </a:solidFill>
-                  <a:effectLst/>
-                  <a:latin typeface="Consolas" panose="020B0609020204030204" pitchFamily="49" charset="0"/>
-                </a:rPr>
-                <a:t> = </a:t>
-              </a:r>
-              <a:r>
-                <a:rPr lang="en-US" b="0" dirty="0">
-                  <a:solidFill>
-                    <a:srgbClr val="B5CEA8"/>
-                  </a:solidFill>
-                  <a:effectLst/>
-                  <a:latin typeface="Consolas" panose="020B0609020204030204" pitchFamily="49" charset="0"/>
-                </a:rPr>
-                <a:t>10</a:t>
-              </a:r>
-              <a:r>
-                <a:rPr lang="en-US" b="0" dirty="0">
-                  <a:solidFill>
-                    <a:srgbClr val="D4D4D4"/>
-                  </a:solidFill>
-                  <a:effectLst/>
-                  <a:latin typeface="Consolas" panose="020B0609020204030204" pitchFamily="49" charset="0"/>
-                </a:rPr>
-                <a:t>, </a:t>
-              </a:r>
-              <a:r>
-                <a:rPr lang="en-US" b="0" dirty="0">
-                  <a:solidFill>
-                    <a:srgbClr val="9CDCFE"/>
-                  </a:solidFill>
-                  <a:effectLst/>
-                  <a:latin typeface="Consolas" panose="020B0609020204030204" pitchFamily="49" charset="0"/>
-                </a:rPr>
-                <a:t>c</a:t>
-              </a:r>
-              <a:r>
-                <a:rPr lang="en-US" b="0" dirty="0">
-                  <a:solidFill>
-                    <a:srgbClr val="D4D4D4"/>
-                  </a:solidFill>
-                  <a:effectLst/>
-                  <a:latin typeface="Consolas" panose="020B0609020204030204" pitchFamily="49" charset="0"/>
-                </a:rPr>
-                <a:t> = </a:t>
-              </a:r>
-              <a:r>
-                <a:rPr lang="en-US" b="0" dirty="0">
-                  <a:solidFill>
-                    <a:srgbClr val="B5CEA8"/>
-                  </a:solidFill>
-                  <a:effectLst/>
-                  <a:latin typeface="Consolas" panose="020B0609020204030204" pitchFamily="49" charset="0"/>
-                </a:rPr>
-                <a:t>1</a:t>
-              </a:r>
-              <a:r>
-                <a:rPr lang="en-US" b="0" dirty="0">
-                  <a:solidFill>
-                    <a:srgbClr val="D4D4D4"/>
-                  </a:solidFill>
-                  <a:effectLst/>
-                  <a:latin typeface="Consolas" panose="020B0609020204030204" pitchFamily="49" charset="0"/>
-                </a:rPr>
-                <a:t>;</a:t>
-              </a:r>
-            </a:p>
-            <a:p>
-              <a:r>
-                <a:rPr lang="en-US" b="0" dirty="0">
-                  <a:solidFill>
-                    <a:srgbClr val="D4D4D4"/>
-                  </a:solidFill>
-                  <a:effectLst/>
-                  <a:latin typeface="Consolas" panose="020B0609020204030204" pitchFamily="49" charset="0"/>
-                </a:rPr>
-                <a:t>        </a:t>
-              </a:r>
-              <a:r>
-                <a:rPr lang="en-US" b="0" dirty="0">
-                  <a:solidFill>
-                    <a:srgbClr val="4EC9B0"/>
-                  </a:solidFill>
-                  <a:effectLst/>
-                  <a:latin typeface="Consolas" panose="020B0609020204030204" pitchFamily="49" charset="0"/>
-                </a:rPr>
-                <a:t>int</a:t>
-              </a:r>
-              <a:r>
-                <a:rPr lang="en-US" b="0" dirty="0">
-                  <a:solidFill>
-                    <a:srgbClr val="D4D4D4"/>
-                  </a:solidFill>
-                  <a:effectLst/>
-                  <a:latin typeface="Consolas" panose="020B0609020204030204" pitchFamily="49" charset="0"/>
-                </a:rPr>
-                <a:t> </a:t>
-              </a:r>
-              <a:r>
-                <a:rPr lang="en-US" b="0" dirty="0">
-                  <a:solidFill>
-                    <a:srgbClr val="9CDCFE"/>
-                  </a:solidFill>
-                  <a:effectLst/>
-                  <a:latin typeface="Consolas" panose="020B0609020204030204" pitchFamily="49" charset="0"/>
-                </a:rPr>
-                <a:t>result</a:t>
-              </a:r>
-              <a:r>
-                <a:rPr lang="en-US" b="0" dirty="0">
-                  <a:solidFill>
-                    <a:srgbClr val="D4D4D4"/>
-                  </a:solidFill>
-                  <a:effectLst/>
-                  <a:latin typeface="Consolas" panose="020B0609020204030204" pitchFamily="49" charset="0"/>
-                </a:rPr>
-                <a:t>;</a:t>
-              </a:r>
-            </a:p>
-            <a:p>
-              <a:br>
-                <a:rPr lang="en-US" b="0" dirty="0">
-                  <a:solidFill>
-                    <a:srgbClr val="D4D4D4"/>
-                  </a:solidFill>
-                  <a:effectLst/>
-                  <a:latin typeface="Consolas" panose="020B0609020204030204" pitchFamily="49" charset="0"/>
-                </a:rPr>
-              </a:br>
-              <a:r>
-                <a:rPr lang="en-US" b="0" dirty="0">
-                  <a:solidFill>
-                    <a:srgbClr val="D4D4D4"/>
-                  </a:solidFill>
-                  <a:effectLst/>
-                  <a:latin typeface="Consolas" panose="020B0609020204030204" pitchFamily="49" charset="0"/>
-                </a:rPr>
-                <a:t>        </a:t>
-              </a:r>
-              <a:r>
-                <a:rPr lang="en-US" b="0" dirty="0">
-                  <a:solidFill>
-                    <a:srgbClr val="9CDCFE"/>
-                  </a:solidFill>
-                  <a:effectLst/>
-                  <a:latin typeface="Consolas" panose="020B0609020204030204" pitchFamily="49" charset="0"/>
-                </a:rPr>
-                <a:t>result</a:t>
-              </a:r>
-              <a:r>
-                <a:rPr lang="en-US" b="0" dirty="0">
-                  <a:solidFill>
-                    <a:srgbClr val="D4D4D4"/>
-                  </a:solidFill>
-                  <a:effectLst/>
-                  <a:latin typeface="Consolas" panose="020B0609020204030204" pitchFamily="49" charset="0"/>
-                </a:rPr>
-                <a:t> = </a:t>
-              </a:r>
-              <a:r>
-                <a:rPr lang="en-US" b="0" dirty="0">
-                  <a:solidFill>
-                    <a:srgbClr val="9CDCFE"/>
-                  </a:solidFill>
-                  <a:effectLst/>
-                  <a:latin typeface="Consolas" panose="020B0609020204030204" pitchFamily="49" charset="0"/>
-                </a:rPr>
-                <a:t>a</a:t>
-              </a:r>
-              <a:r>
-                <a:rPr lang="en-US" b="0" dirty="0">
-                  <a:solidFill>
-                    <a:srgbClr val="D4D4D4"/>
-                  </a:solidFill>
-                  <a:effectLst/>
-                  <a:latin typeface="Consolas" panose="020B0609020204030204" pitchFamily="49" charset="0"/>
-                </a:rPr>
-                <a:t>++ * </a:t>
-              </a:r>
-              <a:r>
-                <a:rPr lang="en-US" b="0" dirty="0">
-                  <a:solidFill>
-                    <a:srgbClr val="9CDCFE"/>
-                  </a:solidFill>
-                  <a:effectLst/>
-                  <a:latin typeface="Consolas" panose="020B0609020204030204" pitchFamily="49" charset="0"/>
-                </a:rPr>
-                <a:t>b</a:t>
-              </a:r>
-              <a:r>
-                <a:rPr lang="en-US" b="0" dirty="0">
-                  <a:solidFill>
-                    <a:srgbClr val="D4D4D4"/>
-                  </a:solidFill>
-                  <a:effectLst/>
-                  <a:latin typeface="Consolas" panose="020B0609020204030204" pitchFamily="49" charset="0"/>
-                </a:rPr>
-                <a:t> - ++</a:t>
-              </a:r>
-              <a:r>
-                <a:rPr lang="en-US" b="0" dirty="0">
-                  <a:solidFill>
-                    <a:srgbClr val="9CDCFE"/>
-                  </a:solidFill>
-                  <a:effectLst/>
-                  <a:latin typeface="Consolas" panose="020B0609020204030204" pitchFamily="49" charset="0"/>
-                </a:rPr>
-                <a:t>c</a:t>
-              </a:r>
-              <a:r>
-                <a:rPr lang="en-US" b="0" dirty="0">
-                  <a:solidFill>
-                    <a:srgbClr val="D4D4D4"/>
-                  </a:solidFill>
-                  <a:effectLst/>
-                  <a:latin typeface="Consolas" panose="020B0609020204030204" pitchFamily="49" charset="0"/>
-                </a:rPr>
-                <a:t>;</a:t>
-              </a:r>
-            </a:p>
-            <a:p>
-              <a:r>
-                <a:rPr lang="en-US" b="0" dirty="0">
-                  <a:solidFill>
-                    <a:srgbClr val="D4D4D4"/>
-                  </a:solidFill>
-                  <a:effectLst/>
-                  <a:latin typeface="Consolas" panose="020B0609020204030204" pitchFamily="49" charset="0"/>
-                </a:rPr>
-                <a:t>        </a:t>
-              </a:r>
-              <a:r>
-                <a:rPr lang="en-US" b="0" dirty="0" err="1">
-                  <a:solidFill>
-                    <a:srgbClr val="4EC9B0"/>
-                  </a:solidFill>
-                  <a:effectLst/>
-                  <a:latin typeface="Consolas" panose="020B0609020204030204" pitchFamily="49" charset="0"/>
-                </a:rPr>
-                <a:t>System</a:t>
-              </a:r>
-              <a:r>
-                <a:rPr lang="en-US" b="0" dirty="0" err="1">
-                  <a:solidFill>
-                    <a:srgbClr val="D4D4D4"/>
-                  </a:solidFill>
-                  <a:effectLst/>
-                  <a:latin typeface="Consolas" panose="020B0609020204030204" pitchFamily="49" charset="0"/>
-                </a:rPr>
-                <a:t>.</a:t>
-              </a:r>
-              <a:r>
-                <a:rPr lang="en-US" b="0" dirty="0" err="1">
-                  <a:solidFill>
-                    <a:srgbClr val="4FC1FF"/>
-                  </a:solidFill>
-                  <a:effectLst/>
-                  <a:latin typeface="Consolas" panose="020B0609020204030204" pitchFamily="49" charset="0"/>
-                </a:rPr>
-                <a:t>out</a:t>
-              </a:r>
-              <a:r>
-                <a:rPr lang="en-US" b="0" dirty="0" err="1">
-                  <a:solidFill>
-                    <a:srgbClr val="D4D4D4"/>
-                  </a:solidFill>
-                  <a:effectLst/>
-                  <a:latin typeface="Consolas" panose="020B0609020204030204" pitchFamily="49" charset="0"/>
-                </a:rPr>
-                <a:t>.</a:t>
-              </a:r>
-              <a:r>
-                <a:rPr lang="en-US" b="0" dirty="0" err="1">
-                  <a:solidFill>
-                    <a:srgbClr val="DCDCAA"/>
-                  </a:solidFill>
-                  <a:effectLst/>
-                  <a:latin typeface="Consolas" panose="020B0609020204030204" pitchFamily="49" charset="0"/>
-                </a:rPr>
-                <a:t>println</a:t>
-              </a:r>
-              <a:r>
-                <a:rPr lang="en-US" b="0" dirty="0">
-                  <a:solidFill>
-                    <a:srgbClr val="D4D4D4"/>
-                  </a:solidFill>
-                  <a:effectLst/>
-                  <a:latin typeface="Consolas" panose="020B0609020204030204" pitchFamily="49" charset="0"/>
-                </a:rPr>
-                <a:t>(</a:t>
-              </a:r>
-              <a:r>
-                <a:rPr lang="en-US" b="0" dirty="0">
-                  <a:solidFill>
-                    <a:srgbClr val="CE9178"/>
-                  </a:solidFill>
-                  <a:effectLst/>
-                  <a:latin typeface="Consolas" panose="020B0609020204030204" pitchFamily="49" charset="0"/>
-                </a:rPr>
-                <a:t>"Step 1: "</a:t>
-              </a:r>
-              <a:r>
-                <a:rPr lang="en-US" b="0" dirty="0">
-                  <a:solidFill>
-                    <a:srgbClr val="D4D4D4"/>
-                  </a:solidFill>
-                  <a:effectLst/>
-                  <a:latin typeface="Consolas" panose="020B0609020204030204" pitchFamily="49" charset="0"/>
-                </a:rPr>
-                <a:t> + </a:t>
-              </a:r>
-              <a:r>
-                <a:rPr lang="en-US" b="0" dirty="0">
-                  <a:solidFill>
-                    <a:srgbClr val="9CDCFE"/>
-                  </a:solidFill>
-                  <a:effectLst/>
-                  <a:latin typeface="Consolas" panose="020B0609020204030204" pitchFamily="49" charset="0"/>
-                </a:rPr>
-                <a:t>result</a:t>
-              </a:r>
-              <a:r>
-                <a:rPr lang="en-US" b="0" dirty="0">
-                  <a:solidFill>
-                    <a:srgbClr val="D4D4D4"/>
-                  </a:solidFill>
-                  <a:effectLst/>
-                  <a:latin typeface="Consolas" panose="020B0609020204030204" pitchFamily="49" charset="0"/>
-                </a:rPr>
-                <a:t>);</a:t>
-              </a:r>
-            </a:p>
-            <a:p>
-              <a:br>
-                <a:rPr lang="en-US" b="0" dirty="0">
-                  <a:solidFill>
-                    <a:srgbClr val="D4D4D4"/>
-                  </a:solidFill>
-                  <a:effectLst/>
-                  <a:latin typeface="Consolas" panose="020B0609020204030204" pitchFamily="49" charset="0"/>
-                </a:rPr>
-              </a:br>
-              <a:r>
-                <a:rPr lang="en-US" b="0" dirty="0">
-                  <a:solidFill>
-                    <a:srgbClr val="D4D4D4"/>
-                  </a:solidFill>
-                  <a:effectLst/>
-                  <a:latin typeface="Consolas" panose="020B0609020204030204" pitchFamily="49" charset="0"/>
-                </a:rPr>
-                <a:t>        </a:t>
-              </a:r>
-              <a:r>
-                <a:rPr lang="en-US" b="0" dirty="0">
-                  <a:solidFill>
-                    <a:srgbClr val="9CDCFE"/>
-                  </a:solidFill>
-                  <a:effectLst/>
-                  <a:latin typeface="Consolas" panose="020B0609020204030204" pitchFamily="49" charset="0"/>
-                </a:rPr>
-                <a:t>result</a:t>
-              </a:r>
-              <a:r>
-                <a:rPr lang="en-US" b="0" dirty="0">
-                  <a:solidFill>
-                    <a:srgbClr val="D4D4D4"/>
-                  </a:solidFill>
-                  <a:effectLst/>
-                  <a:latin typeface="Consolas" panose="020B0609020204030204" pitchFamily="49" charset="0"/>
-                </a:rPr>
-                <a:t> = (-</a:t>
-              </a:r>
-              <a:r>
-                <a:rPr lang="en-US" b="0" dirty="0">
-                  <a:solidFill>
-                    <a:srgbClr val="9CDCFE"/>
-                  </a:solidFill>
-                  <a:effectLst/>
-                  <a:latin typeface="Consolas" panose="020B0609020204030204" pitchFamily="49" charset="0"/>
-                </a:rPr>
-                <a:t>result</a:t>
-              </a:r>
-              <a:r>
-                <a:rPr lang="en-US" b="0" dirty="0">
-                  <a:solidFill>
-                    <a:srgbClr val="D4D4D4"/>
-                  </a:solidFill>
-                  <a:effectLst/>
-                  <a:latin typeface="Consolas" panose="020B0609020204030204" pitchFamily="49" charset="0"/>
-                </a:rPr>
-                <a:t>) % (</a:t>
-              </a:r>
-              <a:r>
-                <a:rPr lang="en-US" b="0" dirty="0">
-                  <a:solidFill>
-                    <a:srgbClr val="9CDCFE"/>
-                  </a:solidFill>
-                  <a:effectLst/>
-                  <a:latin typeface="Consolas" panose="020B0609020204030204" pitchFamily="49" charset="0"/>
-                </a:rPr>
-                <a:t>b</a:t>
-              </a:r>
-              <a:r>
-                <a:rPr lang="en-US" b="0" dirty="0">
-                  <a:solidFill>
-                    <a:srgbClr val="D4D4D4"/>
-                  </a:solidFill>
-                  <a:effectLst/>
-                  <a:latin typeface="Consolas" panose="020B0609020204030204" pitchFamily="49" charset="0"/>
-                </a:rPr>
-                <a:t>/++</a:t>
-              </a:r>
-              <a:r>
-                <a:rPr lang="en-US" b="0" dirty="0">
-                  <a:solidFill>
-                    <a:srgbClr val="9CDCFE"/>
-                  </a:solidFill>
-                  <a:effectLst/>
-                  <a:latin typeface="Consolas" panose="020B0609020204030204" pitchFamily="49" charset="0"/>
-                </a:rPr>
-                <a:t>c</a:t>
-              </a:r>
-              <a:r>
-                <a:rPr lang="en-US" b="0" dirty="0">
-                  <a:solidFill>
-                    <a:srgbClr val="D4D4D4"/>
-                  </a:solidFill>
-                  <a:effectLst/>
-                  <a:latin typeface="Consolas" panose="020B0609020204030204" pitchFamily="49" charset="0"/>
-                </a:rPr>
-                <a:t>);</a:t>
-              </a:r>
-            </a:p>
-            <a:p>
-              <a:r>
-                <a:rPr lang="en-US" b="0" dirty="0">
-                  <a:solidFill>
-                    <a:srgbClr val="D4D4D4"/>
-                  </a:solidFill>
-                  <a:effectLst/>
-                  <a:latin typeface="Consolas" panose="020B0609020204030204" pitchFamily="49" charset="0"/>
-                </a:rPr>
-                <a:t>        </a:t>
-              </a:r>
-              <a:r>
-                <a:rPr lang="en-US" b="0" dirty="0" err="1">
-                  <a:solidFill>
-                    <a:srgbClr val="4EC9B0"/>
-                  </a:solidFill>
-                  <a:effectLst/>
-                  <a:latin typeface="Consolas" panose="020B0609020204030204" pitchFamily="49" charset="0"/>
-                </a:rPr>
-                <a:t>System</a:t>
-              </a:r>
-              <a:r>
-                <a:rPr lang="en-US" b="0" dirty="0" err="1">
-                  <a:solidFill>
-                    <a:srgbClr val="D4D4D4"/>
-                  </a:solidFill>
-                  <a:effectLst/>
-                  <a:latin typeface="Consolas" panose="020B0609020204030204" pitchFamily="49" charset="0"/>
-                </a:rPr>
-                <a:t>.</a:t>
-              </a:r>
-              <a:r>
-                <a:rPr lang="en-US" b="0" dirty="0" err="1">
-                  <a:solidFill>
-                    <a:srgbClr val="4FC1FF"/>
-                  </a:solidFill>
-                  <a:effectLst/>
-                  <a:latin typeface="Consolas" panose="020B0609020204030204" pitchFamily="49" charset="0"/>
-                </a:rPr>
-                <a:t>out</a:t>
-              </a:r>
-              <a:r>
-                <a:rPr lang="en-US" b="0" dirty="0" err="1">
-                  <a:solidFill>
-                    <a:srgbClr val="D4D4D4"/>
-                  </a:solidFill>
-                  <a:effectLst/>
-                  <a:latin typeface="Consolas" panose="020B0609020204030204" pitchFamily="49" charset="0"/>
-                </a:rPr>
-                <a:t>.</a:t>
-              </a:r>
-              <a:r>
-                <a:rPr lang="en-US" b="0" dirty="0" err="1">
-                  <a:solidFill>
-                    <a:srgbClr val="DCDCAA"/>
-                  </a:solidFill>
-                  <a:effectLst/>
-                  <a:latin typeface="Consolas" panose="020B0609020204030204" pitchFamily="49" charset="0"/>
-                </a:rPr>
-                <a:t>println</a:t>
-              </a:r>
-              <a:r>
-                <a:rPr lang="en-US" b="0" dirty="0">
-                  <a:solidFill>
-                    <a:srgbClr val="D4D4D4"/>
-                  </a:solidFill>
-                  <a:effectLst/>
-                  <a:latin typeface="Consolas" panose="020B0609020204030204" pitchFamily="49" charset="0"/>
-                </a:rPr>
-                <a:t>(</a:t>
-              </a:r>
-              <a:r>
-                <a:rPr lang="en-US" b="0" dirty="0">
-                  <a:solidFill>
-                    <a:srgbClr val="CE9178"/>
-                  </a:solidFill>
-                  <a:effectLst/>
-                  <a:latin typeface="Consolas" panose="020B0609020204030204" pitchFamily="49" charset="0"/>
-                </a:rPr>
-                <a:t>"Step 2: "</a:t>
-              </a:r>
-              <a:r>
-                <a:rPr lang="en-US" b="0" dirty="0">
-                  <a:solidFill>
-                    <a:srgbClr val="D4D4D4"/>
-                  </a:solidFill>
-                  <a:effectLst/>
-                  <a:latin typeface="Consolas" panose="020B0609020204030204" pitchFamily="49" charset="0"/>
-                </a:rPr>
-                <a:t> + </a:t>
-              </a:r>
-              <a:r>
-                <a:rPr lang="en-US" b="0" dirty="0">
-                  <a:solidFill>
-                    <a:srgbClr val="9CDCFE"/>
-                  </a:solidFill>
-                  <a:effectLst/>
-                  <a:latin typeface="Consolas" panose="020B0609020204030204" pitchFamily="49" charset="0"/>
-                </a:rPr>
-                <a:t>result</a:t>
-              </a:r>
-              <a:r>
-                <a:rPr lang="en-US" b="0" dirty="0">
-                  <a:solidFill>
-                    <a:srgbClr val="D4D4D4"/>
-                  </a:solidFill>
-                  <a:effectLst/>
-                  <a:latin typeface="Consolas" panose="020B0609020204030204" pitchFamily="49" charset="0"/>
-                </a:rPr>
-                <a:t>);</a:t>
-              </a:r>
-            </a:p>
-            <a:p>
-              <a:br>
-                <a:rPr lang="en-US" b="0" dirty="0">
-                  <a:solidFill>
-                    <a:srgbClr val="D4D4D4"/>
-                  </a:solidFill>
-                  <a:effectLst/>
-                  <a:latin typeface="Consolas" panose="020B0609020204030204" pitchFamily="49" charset="0"/>
-                </a:rPr>
-              </a:br>
-              <a:r>
-                <a:rPr lang="en-US" b="0" dirty="0">
-                  <a:solidFill>
-                    <a:srgbClr val="D4D4D4"/>
-                  </a:solidFill>
-                  <a:effectLst/>
-                  <a:latin typeface="Consolas" panose="020B0609020204030204" pitchFamily="49" charset="0"/>
-                </a:rPr>
-                <a:t>        </a:t>
-              </a:r>
-              <a:r>
-                <a:rPr lang="en-US" b="0" dirty="0">
-                  <a:solidFill>
-                    <a:srgbClr val="9CDCFE"/>
-                  </a:solidFill>
-                  <a:effectLst/>
-                  <a:latin typeface="Consolas" panose="020B0609020204030204" pitchFamily="49" charset="0"/>
-                </a:rPr>
-                <a:t>result</a:t>
-              </a:r>
-              <a:r>
-                <a:rPr lang="en-US" b="0" dirty="0">
-                  <a:solidFill>
-                    <a:srgbClr val="D4D4D4"/>
-                  </a:solidFill>
-                  <a:effectLst/>
-                  <a:latin typeface="Consolas" panose="020B0609020204030204" pitchFamily="49" charset="0"/>
-                </a:rPr>
-                <a:t> = </a:t>
-              </a:r>
-              <a:r>
-                <a:rPr lang="en-US" b="0" dirty="0">
-                  <a:solidFill>
-                    <a:srgbClr val="9CDCFE"/>
-                  </a:solidFill>
-                  <a:effectLst/>
-                  <a:latin typeface="Consolas" panose="020B0609020204030204" pitchFamily="49" charset="0"/>
-                </a:rPr>
-                <a:t>a</a:t>
-              </a:r>
-              <a:r>
-                <a:rPr lang="en-US" b="0" dirty="0">
-                  <a:solidFill>
-                    <a:srgbClr val="D4D4D4"/>
-                  </a:solidFill>
-                  <a:effectLst/>
-                  <a:latin typeface="Consolas" panose="020B0609020204030204" pitchFamily="49" charset="0"/>
-                </a:rPr>
-                <a:t>*</a:t>
-              </a:r>
-              <a:r>
-                <a:rPr lang="en-US" b="0" dirty="0">
-                  <a:solidFill>
-                    <a:srgbClr val="9CDCFE"/>
-                  </a:solidFill>
-                  <a:effectLst/>
-                  <a:latin typeface="Consolas" panose="020B0609020204030204" pitchFamily="49" charset="0"/>
-                </a:rPr>
-                <a:t>b</a:t>
-              </a:r>
-              <a:r>
-                <a:rPr lang="en-US" b="0" dirty="0">
-                  <a:solidFill>
-                    <a:srgbClr val="D4D4D4"/>
-                  </a:solidFill>
-                  <a:effectLst/>
-                  <a:latin typeface="Consolas" panose="020B0609020204030204" pitchFamily="49" charset="0"/>
-                </a:rPr>
-                <a:t>*</a:t>
-              </a:r>
-              <a:r>
-                <a:rPr lang="en-US" b="0" dirty="0">
-                  <a:solidFill>
-                    <a:srgbClr val="9CDCFE"/>
-                  </a:solidFill>
-                  <a:effectLst/>
-                  <a:latin typeface="Consolas" panose="020B0609020204030204" pitchFamily="49" charset="0"/>
-                </a:rPr>
-                <a:t>c</a:t>
-              </a:r>
-              <a:r>
-                <a:rPr lang="en-US" b="0" dirty="0">
-                  <a:solidFill>
-                    <a:srgbClr val="D4D4D4"/>
-                  </a:solidFill>
-                  <a:effectLst/>
-                  <a:latin typeface="Consolas" panose="020B0609020204030204" pitchFamily="49" charset="0"/>
-                </a:rPr>
-                <a:t>;</a:t>
-              </a:r>
-            </a:p>
-            <a:p>
-              <a:r>
-                <a:rPr lang="en-US" b="0" dirty="0">
-                  <a:solidFill>
-                    <a:srgbClr val="D4D4D4"/>
-                  </a:solidFill>
-                  <a:effectLst/>
-                  <a:latin typeface="Consolas" panose="020B0609020204030204" pitchFamily="49" charset="0"/>
-                </a:rPr>
-                <a:t>        </a:t>
-              </a:r>
-              <a:r>
-                <a:rPr lang="en-US" b="0" dirty="0" err="1">
-                  <a:solidFill>
-                    <a:srgbClr val="4EC9B0"/>
-                  </a:solidFill>
-                  <a:effectLst/>
-                  <a:latin typeface="Consolas" panose="020B0609020204030204" pitchFamily="49" charset="0"/>
-                </a:rPr>
-                <a:t>System</a:t>
-              </a:r>
-              <a:r>
-                <a:rPr lang="en-US" b="0" dirty="0" err="1">
-                  <a:solidFill>
-                    <a:srgbClr val="D4D4D4"/>
-                  </a:solidFill>
-                  <a:effectLst/>
-                  <a:latin typeface="Consolas" panose="020B0609020204030204" pitchFamily="49" charset="0"/>
-                </a:rPr>
-                <a:t>.</a:t>
-              </a:r>
-              <a:r>
-                <a:rPr lang="en-US" b="0" dirty="0" err="1">
-                  <a:solidFill>
-                    <a:srgbClr val="4FC1FF"/>
-                  </a:solidFill>
-                  <a:effectLst/>
-                  <a:latin typeface="Consolas" panose="020B0609020204030204" pitchFamily="49" charset="0"/>
-                </a:rPr>
-                <a:t>out</a:t>
-              </a:r>
-              <a:r>
-                <a:rPr lang="en-US" b="0" dirty="0" err="1">
-                  <a:solidFill>
-                    <a:srgbClr val="D4D4D4"/>
-                  </a:solidFill>
-                  <a:effectLst/>
-                  <a:latin typeface="Consolas" panose="020B0609020204030204" pitchFamily="49" charset="0"/>
-                </a:rPr>
-                <a:t>.</a:t>
-              </a:r>
-              <a:r>
-                <a:rPr lang="en-US" b="0" dirty="0" err="1">
-                  <a:solidFill>
-                    <a:srgbClr val="DCDCAA"/>
-                  </a:solidFill>
-                  <a:effectLst/>
-                  <a:latin typeface="Consolas" panose="020B0609020204030204" pitchFamily="49" charset="0"/>
-                </a:rPr>
-                <a:t>println</a:t>
-              </a:r>
-              <a:r>
-                <a:rPr lang="en-US" b="0" dirty="0">
-                  <a:solidFill>
-                    <a:srgbClr val="D4D4D4"/>
-                  </a:solidFill>
-                  <a:effectLst/>
-                  <a:latin typeface="Consolas" panose="020B0609020204030204" pitchFamily="49" charset="0"/>
-                </a:rPr>
-                <a:t>(</a:t>
-              </a:r>
-              <a:r>
-                <a:rPr lang="en-US" b="0" dirty="0">
-                  <a:solidFill>
-                    <a:srgbClr val="CE9178"/>
-                  </a:solidFill>
-                  <a:effectLst/>
-                  <a:latin typeface="Consolas" panose="020B0609020204030204" pitchFamily="49" charset="0"/>
-                </a:rPr>
-                <a:t>"Step 3: "</a:t>
-              </a:r>
-              <a:r>
-                <a:rPr lang="en-US" b="0" dirty="0">
-                  <a:solidFill>
-                    <a:srgbClr val="D4D4D4"/>
-                  </a:solidFill>
-                  <a:effectLst/>
-                  <a:latin typeface="Consolas" panose="020B0609020204030204" pitchFamily="49" charset="0"/>
-                </a:rPr>
-                <a:t> + </a:t>
-              </a:r>
-              <a:r>
-                <a:rPr lang="en-US" b="0" dirty="0">
-                  <a:solidFill>
-                    <a:srgbClr val="9CDCFE"/>
-                  </a:solidFill>
-                  <a:effectLst/>
-                  <a:latin typeface="Consolas" panose="020B0609020204030204" pitchFamily="49" charset="0"/>
-                </a:rPr>
-                <a:t>result</a:t>
-              </a:r>
-              <a:r>
-                <a:rPr lang="en-US" b="0" dirty="0">
-                  <a:solidFill>
-                    <a:srgbClr val="D4D4D4"/>
-                  </a:solidFill>
-                  <a:effectLst/>
-                  <a:latin typeface="Consolas" panose="020B0609020204030204" pitchFamily="49" charset="0"/>
-                </a:rPr>
-                <a:t>);</a:t>
-              </a:r>
-            </a:p>
-            <a:p>
-              <a:br>
-                <a:rPr lang="en-US" b="0" dirty="0">
-                  <a:solidFill>
-                    <a:srgbClr val="D4D4D4"/>
-                  </a:solidFill>
-                  <a:effectLst/>
-                  <a:latin typeface="Consolas" panose="020B0609020204030204" pitchFamily="49" charset="0"/>
-                </a:rPr>
-              </a:br>
-              <a:r>
-                <a:rPr lang="en-US" b="0" dirty="0">
-                  <a:solidFill>
-                    <a:srgbClr val="D4D4D4"/>
-                  </a:solidFill>
-                  <a:effectLst/>
-                  <a:latin typeface="Consolas" panose="020B0609020204030204" pitchFamily="49" charset="0"/>
-                </a:rPr>
-                <a:t>        </a:t>
-              </a:r>
-              <a:r>
-                <a:rPr lang="en-US" b="0" dirty="0">
-                  <a:solidFill>
-                    <a:srgbClr val="9CDCFE"/>
-                  </a:solidFill>
-                  <a:effectLst/>
-                  <a:latin typeface="Consolas" panose="020B0609020204030204" pitchFamily="49" charset="0"/>
-                </a:rPr>
-                <a:t>result</a:t>
-              </a:r>
-              <a:r>
-                <a:rPr lang="en-US" b="0" dirty="0">
-                  <a:solidFill>
-                    <a:srgbClr val="D4D4D4"/>
-                  </a:solidFill>
-                  <a:effectLst/>
-                  <a:latin typeface="Consolas" panose="020B0609020204030204" pitchFamily="49" charset="0"/>
-                </a:rPr>
-                <a:t> = </a:t>
-              </a:r>
-              <a:r>
-                <a:rPr lang="en-US" b="0" dirty="0">
-                  <a:solidFill>
-                    <a:srgbClr val="9CDCFE"/>
-                  </a:solidFill>
-                  <a:effectLst/>
-                  <a:latin typeface="Consolas" panose="020B0609020204030204" pitchFamily="49" charset="0"/>
-                </a:rPr>
-                <a:t>a</a:t>
-              </a:r>
-              <a:r>
-                <a:rPr lang="en-US" b="0" dirty="0">
-                  <a:solidFill>
-                    <a:srgbClr val="D4D4D4"/>
-                  </a:solidFill>
-                  <a:effectLst/>
-                  <a:latin typeface="Consolas" panose="020B0609020204030204" pitchFamily="49" charset="0"/>
-                </a:rPr>
-                <a:t> + </a:t>
-              </a:r>
-              <a:r>
-                <a:rPr lang="en-US" b="0" dirty="0">
-                  <a:solidFill>
-                    <a:srgbClr val="9CDCFE"/>
-                  </a:solidFill>
-                  <a:effectLst/>
-                  <a:latin typeface="Consolas" panose="020B0609020204030204" pitchFamily="49" charset="0"/>
-                </a:rPr>
-                <a:t>b</a:t>
-              </a:r>
-              <a:r>
-                <a:rPr lang="en-US" b="0" dirty="0">
-                  <a:solidFill>
-                    <a:srgbClr val="D4D4D4"/>
-                  </a:solidFill>
-                  <a:effectLst/>
-                  <a:latin typeface="Consolas" panose="020B0609020204030204" pitchFamily="49" charset="0"/>
-                </a:rPr>
-                <a:t> / </a:t>
-              </a:r>
-              <a:r>
-                <a:rPr lang="en-US" b="0" dirty="0">
-                  <a:solidFill>
-                    <a:srgbClr val="9CDCFE"/>
-                  </a:solidFill>
-                  <a:effectLst/>
-                  <a:latin typeface="Consolas" panose="020B0609020204030204" pitchFamily="49" charset="0"/>
-                </a:rPr>
-                <a:t>c</a:t>
-              </a:r>
-              <a:r>
-                <a:rPr lang="en-US" b="0" dirty="0">
-                  <a:solidFill>
-                    <a:srgbClr val="D4D4D4"/>
-                  </a:solidFill>
-                  <a:effectLst/>
-                  <a:latin typeface="Consolas" panose="020B0609020204030204" pitchFamily="49" charset="0"/>
-                </a:rPr>
-                <a:t> * </a:t>
-              </a:r>
-              <a:r>
-                <a:rPr lang="en-US" b="0" dirty="0">
-                  <a:solidFill>
-                    <a:srgbClr val="9CDCFE"/>
-                  </a:solidFill>
-                  <a:effectLst/>
-                  <a:latin typeface="Consolas" panose="020B0609020204030204" pitchFamily="49" charset="0"/>
-                </a:rPr>
-                <a:t>a</a:t>
-              </a:r>
-              <a:r>
-                <a:rPr lang="en-US" b="0" dirty="0">
-                  <a:solidFill>
-                    <a:srgbClr val="D4D4D4"/>
-                  </a:solidFill>
-                  <a:effectLst/>
-                  <a:latin typeface="Consolas" panose="020B0609020204030204" pitchFamily="49" charset="0"/>
-                </a:rPr>
-                <a:t>;</a:t>
-              </a:r>
-            </a:p>
-            <a:p>
-              <a:r>
-                <a:rPr lang="en-US" b="0" dirty="0">
-                  <a:solidFill>
-                    <a:srgbClr val="D4D4D4"/>
-                  </a:solidFill>
-                  <a:effectLst/>
-                  <a:latin typeface="Consolas" panose="020B0609020204030204" pitchFamily="49" charset="0"/>
-                </a:rPr>
-                <a:t>        </a:t>
-              </a:r>
-              <a:r>
-                <a:rPr lang="en-US" b="0" dirty="0" err="1">
-                  <a:solidFill>
-                    <a:srgbClr val="4EC9B0"/>
-                  </a:solidFill>
-                  <a:effectLst/>
-                  <a:latin typeface="Consolas" panose="020B0609020204030204" pitchFamily="49" charset="0"/>
-                </a:rPr>
-                <a:t>System</a:t>
-              </a:r>
-              <a:r>
-                <a:rPr lang="en-US" b="0" dirty="0" err="1">
-                  <a:solidFill>
-                    <a:srgbClr val="D4D4D4"/>
-                  </a:solidFill>
-                  <a:effectLst/>
-                  <a:latin typeface="Consolas" panose="020B0609020204030204" pitchFamily="49" charset="0"/>
-                </a:rPr>
-                <a:t>.</a:t>
-              </a:r>
-              <a:r>
-                <a:rPr lang="en-US" b="0" dirty="0" err="1">
-                  <a:solidFill>
-                    <a:srgbClr val="4FC1FF"/>
-                  </a:solidFill>
-                  <a:effectLst/>
-                  <a:latin typeface="Consolas" panose="020B0609020204030204" pitchFamily="49" charset="0"/>
-                </a:rPr>
-                <a:t>out</a:t>
-              </a:r>
-              <a:r>
-                <a:rPr lang="en-US" b="0" dirty="0" err="1">
-                  <a:solidFill>
-                    <a:srgbClr val="D4D4D4"/>
-                  </a:solidFill>
-                  <a:effectLst/>
-                  <a:latin typeface="Consolas" panose="020B0609020204030204" pitchFamily="49" charset="0"/>
-                </a:rPr>
-                <a:t>.</a:t>
-              </a:r>
-              <a:r>
-                <a:rPr lang="en-US" b="0" dirty="0" err="1">
-                  <a:solidFill>
-                    <a:srgbClr val="DCDCAA"/>
-                  </a:solidFill>
-                  <a:effectLst/>
-                  <a:latin typeface="Consolas" panose="020B0609020204030204" pitchFamily="49" charset="0"/>
-                </a:rPr>
-                <a:t>println</a:t>
-              </a:r>
-              <a:r>
-                <a:rPr lang="en-US" b="0" dirty="0">
-                  <a:solidFill>
-                    <a:srgbClr val="D4D4D4"/>
-                  </a:solidFill>
-                  <a:effectLst/>
-                  <a:latin typeface="Consolas" panose="020B0609020204030204" pitchFamily="49" charset="0"/>
-                </a:rPr>
-                <a:t>(</a:t>
-              </a:r>
-              <a:r>
-                <a:rPr lang="en-US" b="0" dirty="0">
-                  <a:solidFill>
-                    <a:srgbClr val="CE9178"/>
-                  </a:solidFill>
-                  <a:effectLst/>
-                  <a:latin typeface="Consolas" panose="020B0609020204030204" pitchFamily="49" charset="0"/>
-                </a:rPr>
-                <a:t>"Step 4: "</a:t>
-              </a:r>
-              <a:r>
-                <a:rPr lang="en-US" b="0" dirty="0">
-                  <a:solidFill>
-                    <a:srgbClr val="D4D4D4"/>
-                  </a:solidFill>
-                  <a:effectLst/>
-                  <a:latin typeface="Consolas" panose="020B0609020204030204" pitchFamily="49" charset="0"/>
-                </a:rPr>
-                <a:t> + </a:t>
-              </a:r>
-              <a:r>
-                <a:rPr lang="en-US" b="0" dirty="0">
-                  <a:solidFill>
-                    <a:srgbClr val="9CDCFE"/>
-                  </a:solidFill>
-                  <a:effectLst/>
-                  <a:latin typeface="Consolas" panose="020B0609020204030204" pitchFamily="49" charset="0"/>
-                </a:rPr>
-                <a:t>result</a:t>
-              </a:r>
-              <a:r>
-                <a:rPr lang="en-US" b="0" dirty="0">
-                  <a:solidFill>
-                    <a:srgbClr val="D4D4D4"/>
-                  </a:solidFill>
-                  <a:effectLst/>
-                  <a:latin typeface="Consolas" panose="020B0609020204030204" pitchFamily="49" charset="0"/>
-                </a:rPr>
-                <a:t>);</a:t>
-              </a:r>
-            </a:p>
-            <a:p>
-              <a:br>
-                <a:rPr lang="en-US" b="0" dirty="0">
-                  <a:solidFill>
-                    <a:srgbClr val="D4D4D4"/>
-                  </a:solidFill>
-                  <a:effectLst/>
-                  <a:latin typeface="Consolas" panose="020B0609020204030204" pitchFamily="49" charset="0"/>
-                </a:rPr>
-              </a:br>
-              <a:r>
-                <a:rPr lang="en-US" b="0" dirty="0">
-                  <a:solidFill>
-                    <a:srgbClr val="D4D4D4"/>
-                  </a:solidFill>
-                  <a:effectLst/>
-                  <a:latin typeface="Consolas" panose="020B0609020204030204" pitchFamily="49" charset="0"/>
-                </a:rPr>
-                <a:t>    }</a:t>
-              </a:r>
-            </a:p>
-            <a:p>
-              <a:br>
-                <a:rPr lang="en-US" b="0" dirty="0">
-                  <a:solidFill>
-                    <a:srgbClr val="D4D4D4"/>
-                  </a:solidFill>
-                  <a:effectLst/>
-                  <a:latin typeface="Consolas" panose="020B0609020204030204" pitchFamily="49" charset="0"/>
-                </a:rPr>
-              </a:br>
-              <a:r>
-                <a:rPr lang="en-US" b="0" dirty="0">
-                  <a:solidFill>
-                    <a:srgbClr val="D4D4D4"/>
-                  </a:solidFill>
-                  <a:effectLst/>
-                  <a:latin typeface="Consolas" panose="020B0609020204030204" pitchFamily="49" charset="0"/>
-                </a:rPr>
-                <a:t>}</a:t>
-              </a:r>
-            </a:p>
-          </p:txBody>
-        </p:sp>
-        <p:sp>
-          <p:nvSpPr>
-            <p:cNvPr id="3" name="Rectangle 2">
-              <a:extLst>
-                <a:ext uri="{FF2B5EF4-FFF2-40B4-BE49-F238E27FC236}">
-                  <a16:creationId xmlns:a16="http://schemas.microsoft.com/office/drawing/2014/main" id="{3903DC0E-5228-4762-A806-B75590ABD781}"/>
-                </a:ext>
-              </a:extLst>
-            </p:cNvPr>
-            <p:cNvSpPr/>
-            <p:nvPr/>
-          </p:nvSpPr>
-          <p:spPr>
-            <a:xfrm>
-              <a:off x="237065" y="453116"/>
-              <a:ext cx="592667" cy="6186309"/>
-            </a:xfrm>
-            <a:prstGeom prst="rect">
-              <a:avLst/>
-            </a:prstGeom>
-            <a:solidFill>
-              <a:schemeClr val="tx1"/>
-            </a:solidFill>
-          </p:spPr>
-          <p:txBody>
-            <a:bodyPr wrap="square">
-              <a:spAutoFit/>
-            </a:bodyPr>
-            <a:lstStyle/>
-            <a:p>
-              <a:r>
-                <a:rPr lang="es-MX" dirty="0">
-                  <a:solidFill>
-                    <a:srgbClr val="D4D4D4"/>
-                  </a:solidFill>
-                  <a:latin typeface="Consolas" panose="020B0609020204030204" pitchFamily="49" charset="0"/>
-                </a:rPr>
-                <a:t>1</a:t>
-              </a:r>
-              <a:br>
-                <a:rPr lang="es-MX" dirty="0">
-                  <a:solidFill>
-                    <a:srgbClr val="D4D4D4"/>
-                  </a:solidFill>
-                  <a:latin typeface="Consolas" panose="020B0609020204030204" pitchFamily="49" charset="0"/>
-                </a:rPr>
-              </a:br>
-              <a:r>
-                <a:rPr lang="es-MX" dirty="0">
-                  <a:solidFill>
-                    <a:srgbClr val="D4D4D4"/>
-                  </a:solidFill>
-                  <a:latin typeface="Consolas" panose="020B0609020204030204" pitchFamily="49" charset="0"/>
-                </a:rPr>
-                <a:t>2</a:t>
-              </a:r>
-              <a:br>
-                <a:rPr lang="es-MX" dirty="0">
-                  <a:solidFill>
-                    <a:srgbClr val="D4D4D4"/>
-                  </a:solidFill>
-                  <a:latin typeface="Consolas" panose="020B0609020204030204" pitchFamily="49" charset="0"/>
-                </a:rPr>
-              </a:br>
-              <a:r>
-                <a:rPr lang="es-MX" dirty="0">
-                  <a:solidFill>
-                    <a:srgbClr val="D4D4D4"/>
-                  </a:solidFill>
-                  <a:latin typeface="Consolas" panose="020B0609020204030204" pitchFamily="49" charset="0"/>
-                </a:rPr>
-                <a:t>3</a:t>
-              </a:r>
-            </a:p>
-            <a:p>
-              <a:r>
-                <a:rPr lang="es-MX" dirty="0">
-                  <a:solidFill>
-                    <a:srgbClr val="D4D4D4"/>
-                  </a:solidFill>
-                  <a:latin typeface="Consolas" panose="020B0609020204030204" pitchFamily="49" charset="0"/>
-                </a:rPr>
-                <a:t>4</a:t>
-              </a:r>
-            </a:p>
-            <a:p>
-              <a:r>
-                <a:rPr lang="es-MX" dirty="0">
-                  <a:solidFill>
-                    <a:srgbClr val="D4D4D4"/>
-                  </a:solidFill>
-                  <a:latin typeface="Consolas" panose="020B0609020204030204" pitchFamily="49" charset="0"/>
-                </a:rPr>
-                <a:t>5</a:t>
-              </a:r>
-            </a:p>
-            <a:p>
-              <a:r>
-                <a:rPr lang="es-MX" dirty="0">
-                  <a:solidFill>
-                    <a:srgbClr val="D4D4D4"/>
-                  </a:solidFill>
-                  <a:latin typeface="Consolas" panose="020B0609020204030204" pitchFamily="49" charset="0"/>
-                </a:rPr>
-                <a:t>6</a:t>
-              </a:r>
-            </a:p>
-            <a:p>
-              <a:r>
-                <a:rPr lang="es-MX" dirty="0">
-                  <a:solidFill>
-                    <a:srgbClr val="D4D4D4"/>
-                  </a:solidFill>
-                  <a:latin typeface="Consolas" panose="020B0609020204030204" pitchFamily="49" charset="0"/>
-                </a:rPr>
-                <a:t>7</a:t>
-              </a:r>
-            </a:p>
-            <a:p>
-              <a:r>
-                <a:rPr lang="es-MX" dirty="0">
-                  <a:solidFill>
-                    <a:srgbClr val="D4D4D4"/>
-                  </a:solidFill>
-                  <a:latin typeface="Consolas" panose="020B0609020204030204" pitchFamily="49" charset="0"/>
-                </a:rPr>
-                <a:t>8</a:t>
-              </a:r>
-            </a:p>
-            <a:p>
-              <a:r>
-                <a:rPr lang="es-MX" dirty="0">
-                  <a:solidFill>
-                    <a:srgbClr val="D4D4D4"/>
-                  </a:solidFill>
-                  <a:latin typeface="Consolas" panose="020B0609020204030204" pitchFamily="49" charset="0"/>
-                </a:rPr>
-                <a:t>9</a:t>
-              </a:r>
-            </a:p>
-            <a:p>
-              <a:r>
-                <a:rPr lang="es-MX" dirty="0">
-                  <a:solidFill>
-                    <a:srgbClr val="D4D4D4"/>
-                  </a:solidFill>
-                  <a:latin typeface="Consolas" panose="020B0609020204030204" pitchFamily="49" charset="0"/>
-                </a:rPr>
-                <a:t>10</a:t>
-              </a:r>
-            </a:p>
-            <a:p>
-              <a:r>
-                <a:rPr lang="es-MX" dirty="0">
-                  <a:solidFill>
-                    <a:srgbClr val="D4D4D4"/>
-                  </a:solidFill>
-                  <a:latin typeface="Consolas" panose="020B0609020204030204" pitchFamily="49" charset="0"/>
-                </a:rPr>
-                <a:t>11</a:t>
-              </a:r>
-            </a:p>
-            <a:p>
-              <a:r>
-                <a:rPr lang="es-MX" dirty="0">
-                  <a:solidFill>
-                    <a:srgbClr val="D4D4D4"/>
-                  </a:solidFill>
-                  <a:latin typeface="Consolas" panose="020B0609020204030204" pitchFamily="49" charset="0"/>
-                </a:rPr>
-                <a:t>12</a:t>
-              </a:r>
-            </a:p>
-            <a:p>
-              <a:r>
-                <a:rPr lang="es-MX" dirty="0">
-                  <a:solidFill>
-                    <a:srgbClr val="D4D4D4"/>
-                  </a:solidFill>
-                  <a:latin typeface="Consolas" panose="020B0609020204030204" pitchFamily="49" charset="0"/>
-                </a:rPr>
-                <a:t>13</a:t>
-              </a:r>
-            </a:p>
-            <a:p>
-              <a:r>
-                <a:rPr lang="es-MX" dirty="0">
-                  <a:solidFill>
-                    <a:srgbClr val="D4D4D4"/>
-                  </a:solidFill>
-                  <a:latin typeface="Consolas" panose="020B0609020204030204" pitchFamily="49" charset="0"/>
-                </a:rPr>
-                <a:t>14</a:t>
-              </a:r>
-            </a:p>
-            <a:p>
-              <a:r>
-                <a:rPr lang="es-MX" dirty="0">
-                  <a:solidFill>
-                    <a:srgbClr val="D4D4D4"/>
-                  </a:solidFill>
-                  <a:latin typeface="Consolas" panose="020B0609020204030204" pitchFamily="49" charset="0"/>
-                </a:rPr>
-                <a:t>15</a:t>
-              </a:r>
-            </a:p>
-            <a:p>
-              <a:r>
-                <a:rPr lang="es-MX" dirty="0">
-                  <a:solidFill>
-                    <a:srgbClr val="D4D4D4"/>
-                  </a:solidFill>
-                  <a:latin typeface="Consolas" panose="020B0609020204030204" pitchFamily="49" charset="0"/>
-                </a:rPr>
-                <a:t>16</a:t>
-              </a:r>
-            </a:p>
-            <a:p>
-              <a:r>
-                <a:rPr lang="es-MX" dirty="0">
-                  <a:solidFill>
-                    <a:srgbClr val="D4D4D4"/>
-                  </a:solidFill>
-                  <a:latin typeface="Consolas" panose="020B0609020204030204" pitchFamily="49" charset="0"/>
-                </a:rPr>
-                <a:t>17</a:t>
-              </a:r>
-            </a:p>
-            <a:p>
-              <a:r>
-                <a:rPr lang="es-MX" dirty="0">
-                  <a:solidFill>
-                    <a:srgbClr val="D4D4D4"/>
-                  </a:solidFill>
-                  <a:latin typeface="Consolas" panose="020B0609020204030204" pitchFamily="49" charset="0"/>
-                </a:rPr>
-                <a:t>18</a:t>
-              </a:r>
-            </a:p>
-            <a:p>
-              <a:r>
-                <a:rPr lang="es-MX" dirty="0">
-                  <a:solidFill>
-                    <a:srgbClr val="D4D4D4"/>
-                  </a:solidFill>
-                  <a:latin typeface="Consolas" panose="020B0609020204030204" pitchFamily="49" charset="0"/>
-                </a:rPr>
-                <a:t>19</a:t>
-              </a:r>
-            </a:p>
-            <a:p>
-              <a:r>
-                <a:rPr lang="es-MX" dirty="0">
-                  <a:solidFill>
-                    <a:srgbClr val="D4D4D4"/>
-                  </a:solidFill>
-                  <a:latin typeface="Consolas" panose="020B0609020204030204" pitchFamily="49" charset="0"/>
-                </a:rPr>
-                <a:t>20</a:t>
-              </a:r>
-            </a:p>
-            <a:p>
-              <a:r>
-                <a:rPr lang="es-MX" dirty="0">
-                  <a:solidFill>
-                    <a:srgbClr val="D4D4D4"/>
-                  </a:solidFill>
-                  <a:latin typeface="Consolas" panose="020B0609020204030204" pitchFamily="49" charset="0"/>
-                </a:rPr>
-                <a:t>21</a:t>
-              </a:r>
-            </a:p>
-            <a:p>
-              <a:r>
-                <a:rPr lang="es-MX" dirty="0">
-                  <a:solidFill>
-                    <a:srgbClr val="D4D4D4"/>
-                  </a:solidFill>
-                  <a:latin typeface="Consolas" panose="020B0609020204030204" pitchFamily="49" charset="0"/>
-                </a:rPr>
-                <a:t>22</a:t>
-              </a:r>
-            </a:p>
-          </p:txBody>
-        </p:sp>
-      </p:grpSp>
-      <p:sp>
-        <p:nvSpPr>
-          <p:cNvPr id="5" name="TextBox 4">
-            <a:extLst>
-              <a:ext uri="{FF2B5EF4-FFF2-40B4-BE49-F238E27FC236}">
-                <a16:creationId xmlns:a16="http://schemas.microsoft.com/office/drawing/2014/main" id="{48B78AFE-29ED-4A37-A2B1-7FB3B30FA55D}"/>
-              </a:ext>
-            </a:extLst>
-          </p:cNvPr>
-          <p:cNvSpPr txBox="1"/>
-          <p:nvPr/>
-        </p:nvSpPr>
-        <p:spPr>
-          <a:xfrm>
-            <a:off x="279401" y="169334"/>
-            <a:ext cx="3437466" cy="4893647"/>
-          </a:xfrm>
-          <a:prstGeom prst="rect">
-            <a:avLst/>
-          </a:prstGeom>
-          <a:noFill/>
-        </p:spPr>
-        <p:txBody>
-          <a:bodyPr wrap="square" rtlCol="0">
-            <a:spAutoFit/>
-          </a:bodyPr>
-          <a:lstStyle/>
-          <a:p>
-            <a:r>
-              <a:rPr lang="es-MX" sz="2400" b="1" dirty="0">
-                <a:solidFill>
-                  <a:srgbClr val="FF0000"/>
-                </a:solidFill>
-                <a:latin typeface="72" panose="020B0503030000000003" pitchFamily="34" charset="0"/>
-                <a:cs typeface="72" panose="020B0503030000000003" pitchFamily="34" charset="0"/>
-              </a:rPr>
-              <a:t>Qué imprime el siguiente programa?</a:t>
-            </a:r>
-          </a:p>
-          <a:p>
-            <a:endParaRPr lang="es-MX" sz="2400" b="1" dirty="0">
-              <a:solidFill>
-                <a:srgbClr val="FF0000"/>
-              </a:solidFill>
-              <a:latin typeface="72" panose="020B0503030000000003" pitchFamily="34" charset="0"/>
-              <a:cs typeface="72" panose="020B0503030000000003" pitchFamily="34" charset="0"/>
-            </a:endParaRPr>
-          </a:p>
-          <a:p>
-            <a:r>
-              <a:rPr lang="es-MX" sz="2400" b="1" dirty="0">
-                <a:solidFill>
-                  <a:srgbClr val="FF0000"/>
-                </a:solidFill>
-                <a:latin typeface="72" panose="020B0503030000000003" pitchFamily="34" charset="0"/>
-                <a:cs typeface="72" panose="020B0503030000000003" pitchFamily="34" charset="0"/>
-              </a:rPr>
-              <a:t>Adicionalmente, indica el valor de las variables:</a:t>
-            </a:r>
-          </a:p>
-          <a:p>
-            <a:pPr marL="342900" indent="-342900">
-              <a:buFont typeface="Arial" panose="020B0604020202020204" pitchFamily="34" charset="0"/>
-              <a:buChar char="•"/>
-            </a:pPr>
-            <a:r>
-              <a:rPr lang="es-MX" sz="2400" b="1" dirty="0">
-                <a:solidFill>
-                  <a:srgbClr val="FF0000"/>
-                </a:solidFill>
-                <a:latin typeface="Consolas" panose="020B0609020204030204" pitchFamily="49" charset="0"/>
-                <a:cs typeface="72" panose="020B0503030000000003" pitchFamily="34" charset="0"/>
-              </a:rPr>
-              <a:t>a</a:t>
-            </a:r>
-          </a:p>
-          <a:p>
-            <a:pPr marL="342900" indent="-342900">
-              <a:buFont typeface="Arial" panose="020B0604020202020204" pitchFamily="34" charset="0"/>
-              <a:buChar char="•"/>
-            </a:pPr>
-            <a:r>
-              <a:rPr lang="es-MX" sz="2400" b="1" dirty="0">
-                <a:solidFill>
-                  <a:srgbClr val="FF0000"/>
-                </a:solidFill>
-                <a:latin typeface="Consolas" panose="020B0609020204030204" pitchFamily="49" charset="0"/>
-                <a:cs typeface="72" panose="020B0503030000000003" pitchFamily="34" charset="0"/>
-              </a:rPr>
-              <a:t>b</a:t>
-            </a:r>
-          </a:p>
-          <a:p>
-            <a:pPr marL="342900" indent="-342900">
-              <a:buFont typeface="Arial" panose="020B0604020202020204" pitchFamily="34" charset="0"/>
-              <a:buChar char="•"/>
-            </a:pPr>
-            <a:r>
-              <a:rPr lang="es-MX" sz="2400" b="1" dirty="0">
-                <a:solidFill>
-                  <a:srgbClr val="FF0000"/>
-                </a:solidFill>
-                <a:latin typeface="Consolas" panose="020B0609020204030204" pitchFamily="49" charset="0"/>
-                <a:cs typeface="72" panose="020B0503030000000003" pitchFamily="34" charset="0"/>
-              </a:rPr>
-              <a:t>c</a:t>
-            </a:r>
-          </a:p>
-          <a:p>
-            <a:pPr marL="342900" indent="-342900">
-              <a:buFont typeface="Arial" panose="020B0604020202020204" pitchFamily="34" charset="0"/>
-              <a:buChar char="•"/>
-            </a:pPr>
-            <a:r>
-              <a:rPr lang="es-MX" sz="2400" b="1" dirty="0" err="1">
-                <a:solidFill>
-                  <a:srgbClr val="FF0000"/>
-                </a:solidFill>
-                <a:latin typeface="Consolas" panose="020B0609020204030204" pitchFamily="49" charset="0"/>
-                <a:cs typeface="72" panose="020B0503030000000003" pitchFamily="34" charset="0"/>
-              </a:rPr>
-              <a:t>result</a:t>
-            </a:r>
-            <a:endParaRPr lang="es-MX" sz="2400" b="1" dirty="0">
-              <a:solidFill>
-                <a:srgbClr val="FF0000"/>
-              </a:solidFill>
-              <a:latin typeface="Consolas" panose="020B0609020204030204" pitchFamily="49" charset="0"/>
-              <a:cs typeface="72" panose="020B0503030000000003" pitchFamily="34" charset="0"/>
-            </a:endParaRPr>
-          </a:p>
-          <a:p>
-            <a:endParaRPr lang="es-MX" sz="2400" b="1" dirty="0">
-              <a:solidFill>
-                <a:srgbClr val="FF0000"/>
-              </a:solidFill>
-              <a:latin typeface="72" panose="020B0503030000000003" pitchFamily="34" charset="0"/>
-              <a:cs typeface="72" panose="020B0503030000000003" pitchFamily="34" charset="0"/>
-            </a:endParaRPr>
-          </a:p>
-          <a:p>
-            <a:r>
-              <a:rPr lang="es-MX" sz="2400" b="1" dirty="0">
-                <a:solidFill>
-                  <a:srgbClr val="FF0000"/>
-                </a:solidFill>
-                <a:latin typeface="72" panose="020B0503030000000003" pitchFamily="34" charset="0"/>
-                <a:cs typeface="72" panose="020B0503030000000003" pitchFamily="34" charset="0"/>
-              </a:rPr>
-              <a:t>Después de cada instrucción </a:t>
-            </a:r>
-            <a:r>
-              <a:rPr lang="es-MX" sz="2400" b="1" dirty="0" err="1">
-                <a:solidFill>
-                  <a:srgbClr val="FF0000"/>
-                </a:solidFill>
-                <a:latin typeface="72" panose="020B0503030000000003" pitchFamily="34" charset="0"/>
-                <a:cs typeface="72" panose="020B0503030000000003" pitchFamily="34" charset="0"/>
-              </a:rPr>
-              <a:t>println</a:t>
-            </a:r>
-            <a:r>
-              <a:rPr lang="es-MX" sz="2400" b="1" dirty="0">
-                <a:solidFill>
-                  <a:srgbClr val="FF0000"/>
-                </a:solidFill>
-                <a:latin typeface="72" panose="020B0503030000000003" pitchFamily="34" charset="0"/>
-                <a:cs typeface="72" panose="020B0503030000000003" pitchFamily="34" charset="0"/>
-              </a:rPr>
-              <a:t>.</a:t>
-            </a:r>
-          </a:p>
-        </p:txBody>
-      </p:sp>
-    </p:spTree>
-    <p:extLst>
-      <p:ext uri="{BB962C8B-B14F-4D97-AF65-F5344CB8AC3E}">
-        <p14:creationId xmlns:p14="http://schemas.microsoft.com/office/powerpoint/2010/main" val="2557248650"/>
       </p:ext>
     </p:extLst>
   </p:cSld>
